--- a/command/fig/fig.pptx
+++ b/command/fig/fig.pptx
@@ -5,8 +5,10 @@
     <p:sldMasterId id="2147483660" r:id="rId1"/>
   </p:sldMasterIdLst>
   <p:sldIdLst>
-    <p:sldId id="259" r:id="rId2"/>
-    <p:sldId id="260" r:id="rId3"/>
+    <p:sldId id="261" r:id="rId2"/>
+    <p:sldId id="262" r:id="rId3"/>
+    <p:sldId id="259" r:id="rId4"/>
+    <p:sldId id="260" r:id="rId5"/>
   </p:sldIdLst>
   <p:sldSz cx="9144000" cy="6858000" type="screen4x3"/>
   <p:notesSz cx="6858000" cy="9144000"/>
@@ -487,6 +489,1201 @@
           <a:chExt cx="0" cy="0"/>
         </a:xfrm>
       </p:grpSpPr>
+      <p:sp>
+        <p:nvSpPr>
+          <p:cNvPr id="6" name="楕円 5">
+            <a:extLst>
+              <a:ext uri="{FF2B5EF4-FFF2-40B4-BE49-F238E27FC236}">
+                <a16:creationId xmlns:a16="http://schemas.microsoft.com/office/drawing/2014/main" id="{9FED7271-715E-4763-9E91-7F2F766C940A}"/>
+              </a:ext>
+            </a:extLst>
+          </p:cNvPr>
+          <p:cNvSpPr/>
+          <p:nvPr/>
+        </p:nvSpPr>
+        <p:spPr>
+          <a:xfrm>
+            <a:off x="1763688" y="2060848"/>
+            <a:ext cx="4248472" cy="4248472"/>
+          </a:xfrm>
+          <a:prstGeom prst="ellipse">
+            <a:avLst/>
+          </a:prstGeom>
+          <a:solidFill>
+            <a:schemeClr val="bg2">
+              <a:lumMod val="90000"/>
+            </a:schemeClr>
+          </a:solidFill>
+          <a:ln>
+            <a:solidFill>
+              <a:schemeClr val="tx1"/>
+            </a:solidFill>
+          </a:ln>
+        </p:spPr>
+        <p:style>
+          <a:lnRef idx="2">
+            <a:schemeClr val="accent1">
+              <a:shade val="50000"/>
+            </a:schemeClr>
+          </a:lnRef>
+          <a:fillRef idx="1">
+            <a:schemeClr val="accent1"/>
+          </a:fillRef>
+          <a:effectRef idx="0">
+            <a:schemeClr val="accent1"/>
+          </a:effectRef>
+          <a:fontRef idx="minor">
+            <a:schemeClr val="lt1"/>
+          </a:fontRef>
+        </p:style>
+        <p:txBody>
+          <a:bodyPr rtlCol="0" anchor="ctr"/>
+          <a:lstStyle/>
+          <a:p>
+            <a:pPr algn="ctr"/>
+            <a:endParaRPr kumimoji="1" lang="ja-JP" altLang="en-US"/>
+          </a:p>
+        </p:txBody>
+      </p:sp>
+      <p:sp>
+        <p:nvSpPr>
+          <p:cNvPr id="5" name="楕円 4">
+            <a:extLst>
+              <a:ext uri="{FF2B5EF4-FFF2-40B4-BE49-F238E27FC236}">
+                <a16:creationId xmlns:a16="http://schemas.microsoft.com/office/drawing/2014/main" id="{4680F56A-6F05-4206-A1B5-4E8C26BB7A3F}"/>
+              </a:ext>
+            </a:extLst>
+          </p:cNvPr>
+          <p:cNvSpPr/>
+          <p:nvPr/>
+        </p:nvSpPr>
+        <p:spPr>
+          <a:xfrm>
+            <a:off x="2411760" y="2780928"/>
+            <a:ext cx="2880320" cy="2880320"/>
+          </a:xfrm>
+          <a:prstGeom prst="ellipse">
+            <a:avLst/>
+          </a:prstGeom>
+          <a:solidFill>
+            <a:schemeClr val="accent6">
+              <a:lumMod val="20000"/>
+              <a:lumOff val="80000"/>
+            </a:schemeClr>
+          </a:solidFill>
+          <a:ln>
+            <a:solidFill>
+              <a:schemeClr val="tx1"/>
+            </a:solidFill>
+          </a:ln>
+        </p:spPr>
+        <p:style>
+          <a:lnRef idx="2">
+            <a:schemeClr val="accent1">
+              <a:shade val="50000"/>
+            </a:schemeClr>
+          </a:lnRef>
+          <a:fillRef idx="1">
+            <a:schemeClr val="accent1"/>
+          </a:fillRef>
+          <a:effectRef idx="0">
+            <a:schemeClr val="accent1"/>
+          </a:effectRef>
+          <a:fontRef idx="minor">
+            <a:schemeClr val="lt1"/>
+          </a:fontRef>
+        </p:style>
+        <p:txBody>
+          <a:bodyPr rtlCol="0" anchor="ctr"/>
+          <a:lstStyle/>
+          <a:p>
+            <a:pPr algn="ctr"/>
+            <a:endParaRPr kumimoji="1" lang="ja-JP" altLang="en-US"/>
+          </a:p>
+        </p:txBody>
+      </p:sp>
+      <p:sp>
+        <p:nvSpPr>
+          <p:cNvPr id="4" name="楕円 3">
+            <a:extLst>
+              <a:ext uri="{FF2B5EF4-FFF2-40B4-BE49-F238E27FC236}">
+                <a16:creationId xmlns:a16="http://schemas.microsoft.com/office/drawing/2014/main" id="{B5AAD9A9-4A68-4575-B307-52FFBCB262C0}"/>
+              </a:ext>
+            </a:extLst>
+          </p:cNvPr>
+          <p:cNvSpPr/>
+          <p:nvPr/>
+        </p:nvSpPr>
+        <p:spPr>
+          <a:xfrm>
+            <a:off x="3131840" y="3501008"/>
+            <a:ext cx="1440160" cy="1440160"/>
+          </a:xfrm>
+          <a:prstGeom prst="ellipse">
+            <a:avLst/>
+          </a:prstGeom>
+          <a:solidFill>
+            <a:schemeClr val="accent1">
+              <a:lumMod val="20000"/>
+              <a:lumOff val="80000"/>
+            </a:schemeClr>
+          </a:solidFill>
+          <a:ln>
+            <a:solidFill>
+              <a:schemeClr val="tx1"/>
+            </a:solidFill>
+          </a:ln>
+        </p:spPr>
+        <p:style>
+          <a:lnRef idx="2">
+            <a:schemeClr val="accent1">
+              <a:shade val="50000"/>
+            </a:schemeClr>
+          </a:lnRef>
+          <a:fillRef idx="1">
+            <a:schemeClr val="accent1"/>
+          </a:fillRef>
+          <a:effectRef idx="0">
+            <a:schemeClr val="accent1"/>
+          </a:effectRef>
+          <a:fontRef idx="minor">
+            <a:schemeClr val="lt1"/>
+          </a:fontRef>
+        </p:style>
+        <p:txBody>
+          <a:bodyPr rtlCol="0" anchor="ctr"/>
+          <a:lstStyle/>
+          <a:p>
+            <a:pPr algn="ctr"/>
+            <a:endParaRPr kumimoji="1" lang="ja-JP" altLang="en-US"/>
+          </a:p>
+        </p:txBody>
+      </p:sp>
+      <p:sp>
+        <p:nvSpPr>
+          <p:cNvPr id="7" name="テキスト ボックス 6">
+            <a:extLst>
+              <a:ext uri="{FF2B5EF4-FFF2-40B4-BE49-F238E27FC236}">
+                <a16:creationId xmlns:a16="http://schemas.microsoft.com/office/drawing/2014/main" id="{BEBBFC78-CBF9-41DB-96FA-A6D15B4FA2AA}"/>
+              </a:ext>
+            </a:extLst>
+          </p:cNvPr>
+          <p:cNvSpPr txBox="1"/>
+          <p:nvPr/>
+        </p:nvSpPr>
+        <p:spPr>
+          <a:xfrm>
+            <a:off x="3131840" y="4077072"/>
+            <a:ext cx="1415772" cy="338554"/>
+          </a:xfrm>
+          <a:prstGeom prst="rect">
+            <a:avLst/>
+          </a:prstGeom>
+          <a:noFill/>
+        </p:spPr>
+        <p:txBody>
+          <a:bodyPr wrap="none" rtlCol="0">
+            <a:spAutoFit/>
+          </a:bodyPr>
+          <a:lstStyle/>
+          <a:p>
+            <a:r>
+              <a:rPr lang="ja-JP" altLang="en-US" sz="1600"/>
+              <a:t>ハードウェア</a:t>
+            </a:r>
+            <a:endParaRPr kumimoji="1" lang="ja-JP" altLang="en-US" sz="1600"/>
+          </a:p>
+        </p:txBody>
+      </p:sp>
+      <p:sp>
+        <p:nvSpPr>
+          <p:cNvPr id="9" name="テキスト ボックス 8">
+            <a:extLst>
+              <a:ext uri="{FF2B5EF4-FFF2-40B4-BE49-F238E27FC236}">
+                <a16:creationId xmlns:a16="http://schemas.microsoft.com/office/drawing/2014/main" id="{D814DCAA-90C4-4611-9926-C44A7A210CB0}"/>
+              </a:ext>
+            </a:extLst>
+          </p:cNvPr>
+          <p:cNvSpPr txBox="1"/>
+          <p:nvPr/>
+        </p:nvSpPr>
+        <p:spPr>
+          <a:xfrm>
+            <a:off x="3059832" y="2996952"/>
+            <a:ext cx="1620957" cy="523220"/>
+          </a:xfrm>
+          <a:prstGeom prst="rect">
+            <a:avLst/>
+          </a:prstGeom>
+          <a:noFill/>
+        </p:spPr>
+        <p:txBody>
+          <a:bodyPr wrap="none" rtlCol="0">
+            <a:spAutoFit/>
+          </a:bodyPr>
+          <a:lstStyle/>
+          <a:p>
+            <a:r>
+              <a:rPr kumimoji="1" lang="ja-JP" altLang="en-US" sz="1400"/>
+              <a:t>オペレーティング</a:t>
+            </a:r>
+            <a:endParaRPr kumimoji="1" lang="en-US" altLang="ja-JP" sz="1400"/>
+          </a:p>
+          <a:p>
+            <a:r>
+              <a:rPr kumimoji="1" lang="ja-JP" altLang="en-US" sz="1400"/>
+              <a:t>システム</a:t>
+            </a:r>
+          </a:p>
+        </p:txBody>
+      </p:sp>
+      <p:sp>
+        <p:nvSpPr>
+          <p:cNvPr id="10" name="テキスト ボックス 9">
+            <a:extLst>
+              <a:ext uri="{FF2B5EF4-FFF2-40B4-BE49-F238E27FC236}">
+                <a16:creationId xmlns:a16="http://schemas.microsoft.com/office/drawing/2014/main" id="{F5DAD232-9704-4B36-A97D-4B249A19BF9D}"/>
+              </a:ext>
+            </a:extLst>
+          </p:cNvPr>
+          <p:cNvSpPr txBox="1"/>
+          <p:nvPr/>
+        </p:nvSpPr>
+        <p:spPr>
+          <a:xfrm>
+            <a:off x="3419872" y="2276872"/>
+            <a:ext cx="954107" cy="400110"/>
+          </a:xfrm>
+          <a:prstGeom prst="rect">
+            <a:avLst/>
+          </a:prstGeom>
+          <a:noFill/>
+        </p:spPr>
+        <p:txBody>
+          <a:bodyPr wrap="none" rtlCol="0">
+            <a:spAutoFit/>
+          </a:bodyPr>
+          <a:lstStyle/>
+          <a:p>
+            <a:r>
+              <a:rPr kumimoji="1" lang="ja-JP" altLang="en-US" sz="2000"/>
+              <a:t>シェル</a:t>
+            </a:r>
+          </a:p>
+        </p:txBody>
+      </p:sp>
+    </p:spTree>
+    <p:extLst>
+      <p:ext uri="{BB962C8B-B14F-4D97-AF65-F5344CB8AC3E}">
+        <p14:creationId xmlns:p14="http://schemas.microsoft.com/office/powerpoint/2010/main" val="984492582"/>
+      </p:ext>
+    </p:extLst>
+  </p:cSld>
+  <p:clrMapOvr>
+    <a:masterClrMapping/>
+  </p:clrMapOvr>
+</p:sld>
+</file>
+
+<file path=ppt/slides/slide2.xml><?xml version="1.0" encoding="utf-8"?>
+<p:sld xmlns:a="http://schemas.openxmlformats.org/drawingml/2006/main" xmlns:r="http://schemas.openxmlformats.org/officeDocument/2006/relationships" xmlns:p="http://schemas.openxmlformats.org/presentationml/2006/main">
+  <p:cSld>
+    <p:spTree>
+      <p:nvGrpSpPr>
+        <p:cNvPr id="1" name=""/>
+        <p:cNvGrpSpPr/>
+        <p:nvPr/>
+      </p:nvGrpSpPr>
+      <p:grpSpPr>
+        <a:xfrm>
+          <a:off x="0" y="0"/>
+          <a:ext cx="0" cy="0"/>
+          <a:chOff x="0" y="0"/>
+          <a:chExt cx="0" cy="0"/>
+        </a:xfrm>
+      </p:grpSpPr>
+      <p:pic>
+        <p:nvPicPr>
+          <p:cNvPr id="2" name="Picture 2" descr="ハードディスクのイラスト（コンピューター）">
+            <a:extLst>
+              <a:ext uri="{FF2B5EF4-FFF2-40B4-BE49-F238E27FC236}">
+                <a16:creationId xmlns:a16="http://schemas.microsoft.com/office/drawing/2014/main" id="{84C7CBD0-5F20-4459-939F-0D26A7B51DE4}"/>
+              </a:ext>
+            </a:extLst>
+          </p:cNvPr>
+          <p:cNvPicPr>
+            <a:picLocks noChangeAspect="1" noChangeArrowheads="1"/>
+          </p:cNvPicPr>
+          <p:nvPr/>
+        </p:nvPicPr>
+        <p:blipFill>
+          <a:blip r:embed="rId2" cstate="print">
+            <a:extLst>
+              <a:ext uri="{28A0092B-C50C-407E-A947-70E740481C1C}">
+                <a14:useLocalDpi xmlns:a14="http://schemas.microsoft.com/office/drawing/2010/main" val="0"/>
+              </a:ext>
+            </a:extLst>
+          </a:blip>
+          <a:srcRect/>
+          <a:stretch>
+            <a:fillRect/>
+          </a:stretch>
+        </p:blipFill>
+        <p:spPr bwMode="auto">
+          <a:xfrm>
+            <a:off x="7452320" y="980728"/>
+            <a:ext cx="1080120" cy="982909"/>
+          </a:xfrm>
+          <a:prstGeom prst="rect">
+            <a:avLst/>
+          </a:prstGeom>
+          <a:noFill/>
+          <a:extLst>
+            <a:ext uri="{909E8E84-426E-40DD-AFC4-6F175D3DCCD1}">
+              <a14:hiddenFill xmlns:a14="http://schemas.microsoft.com/office/drawing/2010/main">
+                <a:solidFill>
+                  <a:srgbClr val="FFFFFF"/>
+                </a:solidFill>
+              </a14:hiddenFill>
+            </a:ext>
+          </a:extLst>
+        </p:spPr>
+      </p:pic>
+      <p:pic>
+        <p:nvPicPr>
+          <p:cNvPr id="2050" name="Picture 2" descr="SSDのイラスト（コンピューター）">
+            <a:extLst>
+              <a:ext uri="{FF2B5EF4-FFF2-40B4-BE49-F238E27FC236}">
+                <a16:creationId xmlns:a16="http://schemas.microsoft.com/office/drawing/2014/main" id="{958D52C5-E181-4700-8141-C5E270FF854A}"/>
+              </a:ext>
+            </a:extLst>
+          </p:cNvPr>
+          <p:cNvPicPr>
+            <a:picLocks noChangeAspect="1" noChangeArrowheads="1"/>
+          </p:cNvPicPr>
+          <p:nvPr/>
+        </p:nvPicPr>
+        <p:blipFill>
+          <a:blip r:embed="rId3" cstate="print">
+            <a:extLst>
+              <a:ext uri="{28A0092B-C50C-407E-A947-70E740481C1C}">
+                <a14:useLocalDpi xmlns:a14="http://schemas.microsoft.com/office/drawing/2010/main" val="0"/>
+              </a:ext>
+            </a:extLst>
+          </a:blip>
+          <a:srcRect/>
+          <a:stretch>
+            <a:fillRect/>
+          </a:stretch>
+        </p:blipFill>
+        <p:spPr bwMode="auto">
+          <a:xfrm>
+            <a:off x="7380312" y="2204864"/>
+            <a:ext cx="1112911" cy="957104"/>
+          </a:xfrm>
+          <a:prstGeom prst="rect">
+            <a:avLst/>
+          </a:prstGeom>
+          <a:noFill/>
+          <a:extLst>
+            <a:ext uri="{909E8E84-426E-40DD-AFC4-6F175D3DCCD1}">
+              <a14:hiddenFill xmlns:a14="http://schemas.microsoft.com/office/drawing/2010/main">
+                <a:solidFill>
+                  <a:srgbClr val="FFFFFF"/>
+                </a:solidFill>
+              </a14:hiddenFill>
+            </a:ext>
+          </a:extLst>
+        </p:spPr>
+      </p:pic>
+      <p:pic>
+        <p:nvPicPr>
+          <p:cNvPr id="2052" name="Picture 4" descr="玩具のロボットのイラスト（青）">
+            <a:extLst>
+              <a:ext uri="{FF2B5EF4-FFF2-40B4-BE49-F238E27FC236}">
+                <a16:creationId xmlns:a16="http://schemas.microsoft.com/office/drawing/2014/main" id="{DCE06EAB-258A-4AEC-A254-741EB79FD9A4}"/>
+              </a:ext>
+            </a:extLst>
+          </p:cNvPr>
+          <p:cNvPicPr>
+            <a:picLocks noChangeAspect="1" noChangeArrowheads="1"/>
+          </p:cNvPicPr>
+          <p:nvPr/>
+        </p:nvPicPr>
+        <p:blipFill>
+          <a:blip r:embed="rId4">
+            <a:extLst>
+              <a:ext uri="{28A0092B-C50C-407E-A947-70E740481C1C}">
+                <a14:useLocalDpi xmlns:a14="http://schemas.microsoft.com/office/drawing/2010/main" val="0"/>
+              </a:ext>
+            </a:extLst>
+          </a:blip>
+          <a:srcRect/>
+          <a:stretch>
+            <a:fillRect/>
+          </a:stretch>
+        </p:blipFill>
+        <p:spPr bwMode="auto">
+          <a:xfrm>
+            <a:off x="4860032" y="1124744"/>
+            <a:ext cx="1448685" cy="1766689"/>
+          </a:xfrm>
+          <a:prstGeom prst="rect">
+            <a:avLst/>
+          </a:prstGeom>
+          <a:noFill/>
+          <a:extLst>
+            <a:ext uri="{909E8E84-426E-40DD-AFC4-6F175D3DCCD1}">
+              <a14:hiddenFill xmlns:a14="http://schemas.microsoft.com/office/drawing/2010/main">
+                <a:solidFill>
+                  <a:srgbClr val="FFFFFF"/>
+                </a:solidFill>
+              </a14:hiddenFill>
+            </a:ext>
+          </a:extLst>
+        </p:spPr>
+      </p:pic>
+      <p:pic>
+        <p:nvPicPr>
+          <p:cNvPr id="2054" name="Picture 6" descr="会社の受付のイラスト（男性）">
+            <a:extLst>
+              <a:ext uri="{FF2B5EF4-FFF2-40B4-BE49-F238E27FC236}">
+                <a16:creationId xmlns:a16="http://schemas.microsoft.com/office/drawing/2014/main" id="{FCE74876-2ABA-4FE6-9B9A-AB689B584D43}"/>
+              </a:ext>
+            </a:extLst>
+          </p:cNvPr>
+          <p:cNvPicPr>
+            <a:picLocks noChangeAspect="1" noChangeArrowheads="1"/>
+          </p:cNvPicPr>
+          <p:nvPr/>
+        </p:nvPicPr>
+        <p:blipFill>
+          <a:blip r:embed="rId5" cstate="print">
+            <a:extLst>
+              <a:ext uri="{28A0092B-C50C-407E-A947-70E740481C1C}">
+                <a14:useLocalDpi xmlns:a14="http://schemas.microsoft.com/office/drawing/2010/main" val="0"/>
+              </a:ext>
+            </a:extLst>
+          </a:blip>
+          <a:srcRect/>
+          <a:stretch>
+            <a:fillRect/>
+          </a:stretch>
+        </p:blipFill>
+        <p:spPr bwMode="auto">
+          <a:xfrm>
+            <a:off x="2843808" y="1196752"/>
+            <a:ext cx="1449521" cy="1584176"/>
+          </a:xfrm>
+          <a:prstGeom prst="rect">
+            <a:avLst/>
+          </a:prstGeom>
+          <a:noFill/>
+          <a:extLst>
+            <a:ext uri="{909E8E84-426E-40DD-AFC4-6F175D3DCCD1}">
+              <a14:hiddenFill xmlns:a14="http://schemas.microsoft.com/office/drawing/2010/main">
+                <a:solidFill>
+                  <a:srgbClr val="FFFFFF"/>
+                </a:solidFill>
+              </a14:hiddenFill>
+            </a:ext>
+          </a:extLst>
+        </p:spPr>
+      </p:pic>
+      <p:pic>
+        <p:nvPicPr>
+          <p:cNvPr id="2056" name="Picture 8" descr="携帯電話で話す人のイラスト（女性）">
+            <a:extLst>
+              <a:ext uri="{FF2B5EF4-FFF2-40B4-BE49-F238E27FC236}">
+                <a16:creationId xmlns:a16="http://schemas.microsoft.com/office/drawing/2014/main" id="{A6F187E7-1811-4F97-ABE9-29A51EDE928A}"/>
+              </a:ext>
+            </a:extLst>
+          </p:cNvPr>
+          <p:cNvPicPr>
+            <a:picLocks noChangeAspect="1" noChangeArrowheads="1"/>
+          </p:cNvPicPr>
+          <p:nvPr/>
+        </p:nvPicPr>
+        <p:blipFill>
+          <a:blip r:embed="rId6">
+            <a:extLst>
+              <a:ext uri="{28A0092B-C50C-407E-A947-70E740481C1C}">
+                <a14:useLocalDpi xmlns:a14="http://schemas.microsoft.com/office/drawing/2010/main" val="0"/>
+              </a:ext>
+            </a:extLst>
+          </a:blip>
+          <a:srcRect/>
+          <a:stretch>
+            <a:fillRect/>
+          </a:stretch>
+        </p:blipFill>
+        <p:spPr bwMode="auto">
+          <a:xfrm>
+            <a:off x="899592" y="1373138"/>
+            <a:ext cx="817985" cy="1191766"/>
+          </a:xfrm>
+          <a:prstGeom prst="rect">
+            <a:avLst/>
+          </a:prstGeom>
+          <a:noFill/>
+          <a:extLst>
+            <a:ext uri="{909E8E84-426E-40DD-AFC4-6F175D3DCCD1}">
+              <a14:hiddenFill xmlns:a14="http://schemas.microsoft.com/office/drawing/2010/main">
+                <a:solidFill>
+                  <a:srgbClr val="FFFFFF"/>
+                </a:solidFill>
+              </a14:hiddenFill>
+            </a:ext>
+          </a:extLst>
+        </p:spPr>
+      </p:pic>
+      <p:sp>
+        <p:nvSpPr>
+          <p:cNvPr id="3" name="矢印: 右 2">
+            <a:extLst>
+              <a:ext uri="{FF2B5EF4-FFF2-40B4-BE49-F238E27FC236}">
+                <a16:creationId xmlns:a16="http://schemas.microsoft.com/office/drawing/2014/main" id="{044893D4-9A82-4A42-B936-51598FC4459E}"/>
+              </a:ext>
+            </a:extLst>
+          </p:cNvPr>
+          <p:cNvSpPr/>
+          <p:nvPr/>
+        </p:nvSpPr>
+        <p:spPr>
+          <a:xfrm>
+            <a:off x="2051720" y="1692806"/>
+            <a:ext cx="576064" cy="512057"/>
+          </a:xfrm>
+          <a:prstGeom prst="rightArrow">
+            <a:avLst/>
+          </a:prstGeom>
+          <a:solidFill>
+            <a:srgbClr val="FF0000"/>
+          </a:solidFill>
+          <a:ln>
+            <a:solidFill>
+              <a:schemeClr val="tx1"/>
+            </a:solidFill>
+          </a:ln>
+        </p:spPr>
+        <p:style>
+          <a:lnRef idx="2">
+            <a:schemeClr val="accent1">
+              <a:shade val="50000"/>
+            </a:schemeClr>
+          </a:lnRef>
+          <a:fillRef idx="1">
+            <a:schemeClr val="accent1"/>
+          </a:fillRef>
+          <a:effectRef idx="0">
+            <a:schemeClr val="accent1"/>
+          </a:effectRef>
+          <a:fontRef idx="minor">
+            <a:schemeClr val="lt1"/>
+          </a:fontRef>
+        </p:style>
+        <p:txBody>
+          <a:bodyPr rtlCol="0" anchor="ctr"/>
+          <a:lstStyle/>
+          <a:p>
+            <a:pPr algn="ctr"/>
+            <a:endParaRPr kumimoji="1" lang="ja-JP" altLang="en-US"/>
+          </a:p>
+        </p:txBody>
+      </p:sp>
+      <p:sp>
+        <p:nvSpPr>
+          <p:cNvPr id="8" name="矢印: 右 7">
+            <a:extLst>
+              <a:ext uri="{FF2B5EF4-FFF2-40B4-BE49-F238E27FC236}">
+                <a16:creationId xmlns:a16="http://schemas.microsoft.com/office/drawing/2014/main" id="{B78978E2-7D58-40FF-BC73-0287472B5537}"/>
+              </a:ext>
+            </a:extLst>
+          </p:cNvPr>
+          <p:cNvSpPr/>
+          <p:nvPr/>
+        </p:nvSpPr>
+        <p:spPr>
+          <a:xfrm>
+            <a:off x="4283968" y="1700808"/>
+            <a:ext cx="576064" cy="512057"/>
+          </a:xfrm>
+          <a:prstGeom prst="rightArrow">
+            <a:avLst/>
+          </a:prstGeom>
+          <a:solidFill>
+            <a:srgbClr val="FF0000"/>
+          </a:solidFill>
+          <a:ln>
+            <a:solidFill>
+              <a:schemeClr val="tx1"/>
+            </a:solidFill>
+          </a:ln>
+        </p:spPr>
+        <p:style>
+          <a:lnRef idx="2">
+            <a:schemeClr val="accent1">
+              <a:shade val="50000"/>
+            </a:schemeClr>
+          </a:lnRef>
+          <a:fillRef idx="1">
+            <a:schemeClr val="accent1"/>
+          </a:fillRef>
+          <a:effectRef idx="0">
+            <a:schemeClr val="accent1"/>
+          </a:effectRef>
+          <a:fontRef idx="minor">
+            <a:schemeClr val="lt1"/>
+          </a:fontRef>
+        </p:style>
+        <p:txBody>
+          <a:bodyPr rtlCol="0" anchor="ctr"/>
+          <a:lstStyle/>
+          <a:p>
+            <a:pPr algn="ctr"/>
+            <a:endParaRPr kumimoji="1" lang="ja-JP" altLang="en-US"/>
+          </a:p>
+        </p:txBody>
+      </p:sp>
+      <p:sp>
+        <p:nvSpPr>
+          <p:cNvPr id="9" name="矢印: 右 8">
+            <a:extLst>
+              <a:ext uri="{FF2B5EF4-FFF2-40B4-BE49-F238E27FC236}">
+                <a16:creationId xmlns:a16="http://schemas.microsoft.com/office/drawing/2014/main" id="{511EED41-31E8-4386-B018-6BF5D41036BD}"/>
+              </a:ext>
+            </a:extLst>
+          </p:cNvPr>
+          <p:cNvSpPr/>
+          <p:nvPr/>
+        </p:nvSpPr>
+        <p:spPr>
+          <a:xfrm>
+            <a:off x="6444208" y="1692807"/>
+            <a:ext cx="576064" cy="512057"/>
+          </a:xfrm>
+          <a:prstGeom prst="rightArrow">
+            <a:avLst/>
+          </a:prstGeom>
+          <a:solidFill>
+            <a:srgbClr val="FF0000"/>
+          </a:solidFill>
+          <a:ln>
+            <a:solidFill>
+              <a:schemeClr val="tx1"/>
+            </a:solidFill>
+          </a:ln>
+        </p:spPr>
+        <p:style>
+          <a:lnRef idx="2">
+            <a:schemeClr val="accent1">
+              <a:shade val="50000"/>
+            </a:schemeClr>
+          </a:lnRef>
+          <a:fillRef idx="1">
+            <a:schemeClr val="accent1"/>
+          </a:fillRef>
+          <a:effectRef idx="0">
+            <a:schemeClr val="accent1"/>
+          </a:effectRef>
+          <a:fontRef idx="minor">
+            <a:schemeClr val="lt1"/>
+          </a:fontRef>
+        </p:style>
+        <p:txBody>
+          <a:bodyPr rtlCol="0" anchor="ctr"/>
+          <a:lstStyle/>
+          <a:p>
+            <a:pPr algn="ctr"/>
+            <a:endParaRPr kumimoji="1" lang="ja-JP" altLang="en-US"/>
+          </a:p>
+        </p:txBody>
+      </p:sp>
+      <p:sp>
+        <p:nvSpPr>
+          <p:cNvPr id="4" name="テキスト ボックス 3">
+            <a:extLst>
+              <a:ext uri="{FF2B5EF4-FFF2-40B4-BE49-F238E27FC236}">
+                <a16:creationId xmlns:a16="http://schemas.microsoft.com/office/drawing/2014/main" id="{3F294ACD-65F6-4DE0-80DA-3C7571220504}"/>
+              </a:ext>
+            </a:extLst>
+          </p:cNvPr>
+          <p:cNvSpPr txBox="1"/>
+          <p:nvPr/>
+        </p:nvSpPr>
+        <p:spPr>
+          <a:xfrm>
+            <a:off x="7106796" y="404664"/>
+            <a:ext cx="1569660" cy="369332"/>
+          </a:xfrm>
+          <a:prstGeom prst="rect">
+            <a:avLst/>
+          </a:prstGeom>
+          <a:noFill/>
+        </p:spPr>
+        <p:txBody>
+          <a:bodyPr wrap="none" rtlCol="0">
+            <a:spAutoFit/>
+          </a:bodyPr>
+          <a:lstStyle/>
+          <a:p>
+            <a:r>
+              <a:rPr lang="ja-JP" altLang="en-US"/>
+              <a:t>ハードウェア</a:t>
+            </a:r>
+            <a:endParaRPr kumimoji="1" lang="ja-JP" altLang="en-US"/>
+          </a:p>
+        </p:txBody>
+      </p:sp>
+      <p:sp>
+        <p:nvSpPr>
+          <p:cNvPr id="11" name="テキスト ボックス 10">
+            <a:extLst>
+              <a:ext uri="{FF2B5EF4-FFF2-40B4-BE49-F238E27FC236}">
+                <a16:creationId xmlns:a16="http://schemas.microsoft.com/office/drawing/2014/main" id="{A8D3C507-2A2D-4866-8F3E-F6E5BFC9EEC7}"/>
+              </a:ext>
+            </a:extLst>
+          </p:cNvPr>
+          <p:cNvSpPr txBox="1"/>
+          <p:nvPr/>
+        </p:nvSpPr>
+        <p:spPr>
+          <a:xfrm>
+            <a:off x="4716016" y="404664"/>
+            <a:ext cx="2031325" cy="646331"/>
+          </a:xfrm>
+          <a:prstGeom prst="rect">
+            <a:avLst/>
+          </a:prstGeom>
+          <a:noFill/>
+        </p:spPr>
+        <p:txBody>
+          <a:bodyPr wrap="none" rtlCol="0">
+            <a:spAutoFit/>
+          </a:bodyPr>
+          <a:lstStyle/>
+          <a:p>
+            <a:r>
+              <a:rPr lang="ja-JP" altLang="en-US"/>
+              <a:t>オペレーティング</a:t>
+            </a:r>
+            <a:endParaRPr lang="en-US" altLang="ja-JP"/>
+          </a:p>
+          <a:p>
+            <a:r>
+              <a:rPr lang="ja-JP" altLang="en-US"/>
+              <a:t>システム</a:t>
+            </a:r>
+            <a:endParaRPr kumimoji="1" lang="ja-JP" altLang="en-US"/>
+          </a:p>
+        </p:txBody>
+      </p:sp>
+      <p:sp>
+        <p:nvSpPr>
+          <p:cNvPr id="12" name="テキスト ボックス 11">
+            <a:extLst>
+              <a:ext uri="{FF2B5EF4-FFF2-40B4-BE49-F238E27FC236}">
+                <a16:creationId xmlns:a16="http://schemas.microsoft.com/office/drawing/2014/main" id="{6BDC4BCB-7976-485F-BA70-491587BA6884}"/>
+              </a:ext>
+            </a:extLst>
+          </p:cNvPr>
+          <p:cNvSpPr txBox="1"/>
+          <p:nvPr/>
+        </p:nvSpPr>
+        <p:spPr>
+          <a:xfrm>
+            <a:off x="3059832" y="548680"/>
+            <a:ext cx="877163" cy="369332"/>
+          </a:xfrm>
+          <a:prstGeom prst="rect">
+            <a:avLst/>
+          </a:prstGeom>
+          <a:noFill/>
+        </p:spPr>
+        <p:txBody>
+          <a:bodyPr wrap="none" rtlCol="0">
+            <a:spAutoFit/>
+          </a:bodyPr>
+          <a:lstStyle/>
+          <a:p>
+            <a:r>
+              <a:rPr kumimoji="1" lang="ja-JP" altLang="en-US"/>
+              <a:t>シェル</a:t>
+            </a:r>
+          </a:p>
+        </p:txBody>
+      </p:sp>
+      <p:sp>
+        <p:nvSpPr>
+          <p:cNvPr id="13" name="テキスト ボックス 12">
+            <a:extLst>
+              <a:ext uri="{FF2B5EF4-FFF2-40B4-BE49-F238E27FC236}">
+                <a16:creationId xmlns:a16="http://schemas.microsoft.com/office/drawing/2014/main" id="{EC13C3B9-9316-4930-9D72-CE8ECAFBEEF7}"/>
+              </a:ext>
+            </a:extLst>
+          </p:cNvPr>
+          <p:cNvSpPr txBox="1"/>
+          <p:nvPr/>
+        </p:nvSpPr>
+        <p:spPr>
+          <a:xfrm>
+            <a:off x="899592" y="581050"/>
+            <a:ext cx="877163" cy="369332"/>
+          </a:xfrm>
+          <a:prstGeom prst="rect">
+            <a:avLst/>
+          </a:prstGeom>
+          <a:noFill/>
+        </p:spPr>
+        <p:txBody>
+          <a:bodyPr wrap="none" rtlCol="0">
+            <a:spAutoFit/>
+          </a:bodyPr>
+          <a:lstStyle/>
+          <a:p>
+            <a:r>
+              <a:rPr lang="ja-JP" altLang="en-US"/>
+              <a:t>ユーザ</a:t>
+            </a:r>
+            <a:endParaRPr kumimoji="1" lang="ja-JP" altLang="en-US"/>
+          </a:p>
+        </p:txBody>
+      </p:sp>
+      <p:grpSp>
+        <p:nvGrpSpPr>
+          <p:cNvPr id="5" name="グループ化 4">
+            <a:extLst>
+              <a:ext uri="{FF2B5EF4-FFF2-40B4-BE49-F238E27FC236}">
+                <a16:creationId xmlns:a16="http://schemas.microsoft.com/office/drawing/2014/main" id="{E28EAE53-80C4-4C13-9218-112D944435E4}"/>
+              </a:ext>
+            </a:extLst>
+          </p:cNvPr>
+          <p:cNvGrpSpPr/>
+          <p:nvPr/>
+        </p:nvGrpSpPr>
+        <p:grpSpPr>
+          <a:xfrm>
+            <a:off x="2915816" y="3356992"/>
+            <a:ext cx="2952328" cy="2952328"/>
+            <a:chOff x="1763688" y="2060848"/>
+            <a:chExt cx="4248472" cy="4248472"/>
+          </a:xfrm>
+        </p:grpSpPr>
+        <p:sp>
+          <p:nvSpPr>
+            <p:cNvPr id="14" name="楕円 13">
+              <a:extLst>
+                <a:ext uri="{FF2B5EF4-FFF2-40B4-BE49-F238E27FC236}">
+                  <a16:creationId xmlns:a16="http://schemas.microsoft.com/office/drawing/2014/main" id="{6C321144-6140-41DA-87F5-14DE4BDD2EAE}"/>
+                </a:ext>
+              </a:extLst>
+            </p:cNvPr>
+            <p:cNvSpPr/>
+            <p:nvPr/>
+          </p:nvSpPr>
+          <p:spPr>
+            <a:xfrm>
+              <a:off x="1763688" y="2060848"/>
+              <a:ext cx="4248472" cy="4248472"/>
+            </a:xfrm>
+            <a:prstGeom prst="ellipse">
+              <a:avLst/>
+            </a:prstGeom>
+            <a:solidFill>
+              <a:schemeClr val="accent4">
+                <a:lumMod val="20000"/>
+                <a:lumOff val="80000"/>
+              </a:schemeClr>
+            </a:solidFill>
+            <a:ln>
+              <a:solidFill>
+                <a:schemeClr val="tx1"/>
+              </a:solidFill>
+            </a:ln>
+          </p:spPr>
+          <p:style>
+            <a:lnRef idx="2">
+              <a:schemeClr val="accent1">
+                <a:shade val="50000"/>
+              </a:schemeClr>
+            </a:lnRef>
+            <a:fillRef idx="1">
+              <a:schemeClr val="accent1"/>
+            </a:fillRef>
+            <a:effectRef idx="0">
+              <a:schemeClr val="accent1"/>
+            </a:effectRef>
+            <a:fontRef idx="minor">
+              <a:schemeClr val="lt1"/>
+            </a:fontRef>
+          </p:style>
+          <p:txBody>
+            <a:bodyPr rtlCol="0" anchor="ctr"/>
+            <a:lstStyle/>
+            <a:p>
+              <a:pPr algn="ctr"/>
+              <a:endParaRPr kumimoji="1" lang="ja-JP" altLang="en-US" sz="1200"/>
+            </a:p>
+          </p:txBody>
+        </p:sp>
+        <p:sp>
+          <p:nvSpPr>
+            <p:cNvPr id="15" name="楕円 14">
+              <a:extLst>
+                <a:ext uri="{FF2B5EF4-FFF2-40B4-BE49-F238E27FC236}">
+                  <a16:creationId xmlns:a16="http://schemas.microsoft.com/office/drawing/2014/main" id="{269A43FE-5780-4958-B1F1-F332DDBD3AB2}"/>
+                </a:ext>
+              </a:extLst>
+            </p:cNvPr>
+            <p:cNvSpPr/>
+            <p:nvPr/>
+          </p:nvSpPr>
+          <p:spPr>
+            <a:xfrm>
+              <a:off x="2411760" y="2780928"/>
+              <a:ext cx="2880320" cy="2880320"/>
+            </a:xfrm>
+            <a:prstGeom prst="ellipse">
+              <a:avLst/>
+            </a:prstGeom>
+            <a:solidFill>
+              <a:schemeClr val="accent6">
+                <a:lumMod val="20000"/>
+                <a:lumOff val="80000"/>
+              </a:schemeClr>
+            </a:solidFill>
+            <a:ln>
+              <a:solidFill>
+                <a:schemeClr val="tx1"/>
+              </a:solidFill>
+            </a:ln>
+          </p:spPr>
+          <p:style>
+            <a:lnRef idx="2">
+              <a:schemeClr val="accent1">
+                <a:shade val="50000"/>
+              </a:schemeClr>
+            </a:lnRef>
+            <a:fillRef idx="1">
+              <a:schemeClr val="accent1"/>
+            </a:fillRef>
+            <a:effectRef idx="0">
+              <a:schemeClr val="accent1"/>
+            </a:effectRef>
+            <a:fontRef idx="minor">
+              <a:schemeClr val="lt1"/>
+            </a:fontRef>
+          </p:style>
+          <p:txBody>
+            <a:bodyPr rtlCol="0" anchor="ctr"/>
+            <a:lstStyle/>
+            <a:p>
+              <a:pPr algn="ctr"/>
+              <a:endParaRPr kumimoji="1" lang="ja-JP" altLang="en-US" sz="1200"/>
+            </a:p>
+          </p:txBody>
+        </p:sp>
+        <p:sp>
+          <p:nvSpPr>
+            <p:cNvPr id="16" name="楕円 15">
+              <a:extLst>
+                <a:ext uri="{FF2B5EF4-FFF2-40B4-BE49-F238E27FC236}">
+                  <a16:creationId xmlns:a16="http://schemas.microsoft.com/office/drawing/2014/main" id="{DB35B1BD-53F5-4795-AAE0-B9F793FBA9E0}"/>
+                </a:ext>
+              </a:extLst>
+            </p:cNvPr>
+            <p:cNvSpPr/>
+            <p:nvPr/>
+          </p:nvSpPr>
+          <p:spPr>
+            <a:xfrm>
+              <a:off x="3131840" y="3501008"/>
+              <a:ext cx="1440160" cy="1440160"/>
+            </a:xfrm>
+            <a:prstGeom prst="ellipse">
+              <a:avLst/>
+            </a:prstGeom>
+            <a:solidFill>
+              <a:schemeClr val="accent5">
+                <a:lumMod val="40000"/>
+                <a:lumOff val="60000"/>
+              </a:schemeClr>
+            </a:solidFill>
+            <a:ln>
+              <a:solidFill>
+                <a:schemeClr val="tx1"/>
+              </a:solidFill>
+            </a:ln>
+          </p:spPr>
+          <p:style>
+            <a:lnRef idx="2">
+              <a:schemeClr val="accent1">
+                <a:shade val="50000"/>
+              </a:schemeClr>
+            </a:lnRef>
+            <a:fillRef idx="1">
+              <a:schemeClr val="accent1"/>
+            </a:fillRef>
+            <a:effectRef idx="0">
+              <a:schemeClr val="accent1"/>
+            </a:effectRef>
+            <a:fontRef idx="minor">
+              <a:schemeClr val="lt1"/>
+            </a:fontRef>
+          </p:style>
+          <p:txBody>
+            <a:bodyPr rtlCol="0" anchor="ctr"/>
+            <a:lstStyle/>
+            <a:p>
+              <a:pPr algn="ctr"/>
+              <a:endParaRPr kumimoji="1" lang="ja-JP" altLang="en-US" sz="1200"/>
+            </a:p>
+          </p:txBody>
+        </p:sp>
+        <p:sp>
+          <p:nvSpPr>
+            <p:cNvPr id="17" name="テキスト ボックス 16">
+              <a:extLst>
+                <a:ext uri="{FF2B5EF4-FFF2-40B4-BE49-F238E27FC236}">
+                  <a16:creationId xmlns:a16="http://schemas.microsoft.com/office/drawing/2014/main" id="{36C9E791-98C0-4E4A-80CA-7A4D012E7DA0}"/>
+                </a:ext>
+              </a:extLst>
+            </p:cNvPr>
+            <p:cNvSpPr txBox="1"/>
+            <p:nvPr/>
+          </p:nvSpPr>
+          <p:spPr>
+            <a:xfrm>
+              <a:off x="3131840" y="4077072"/>
+              <a:ext cx="1483708" cy="376463"/>
+            </a:xfrm>
+            <a:prstGeom prst="rect">
+              <a:avLst/>
+            </a:prstGeom>
+            <a:noFill/>
+          </p:spPr>
+          <p:txBody>
+            <a:bodyPr wrap="none" rtlCol="0">
+              <a:spAutoFit/>
+            </a:bodyPr>
+            <a:lstStyle/>
+            <a:p>
+              <a:r>
+                <a:rPr lang="ja-JP" altLang="en-US" sz="1100"/>
+                <a:t>ハードウェア</a:t>
+              </a:r>
+              <a:endParaRPr kumimoji="1" lang="ja-JP" altLang="en-US" sz="1100"/>
+            </a:p>
+          </p:txBody>
+        </p:sp>
+        <p:sp>
+          <p:nvSpPr>
+            <p:cNvPr id="18" name="テキスト ボックス 17">
+              <a:extLst>
+                <a:ext uri="{FF2B5EF4-FFF2-40B4-BE49-F238E27FC236}">
+                  <a16:creationId xmlns:a16="http://schemas.microsoft.com/office/drawing/2014/main" id="{7F309B21-78C1-4A00-AD12-DB37F9E8946A}"/>
+                </a:ext>
+              </a:extLst>
+            </p:cNvPr>
+            <p:cNvSpPr txBox="1"/>
+            <p:nvPr/>
+          </p:nvSpPr>
+          <p:spPr>
+            <a:xfrm>
+              <a:off x="3059832" y="2996952"/>
+              <a:ext cx="1815882" cy="597912"/>
+            </a:xfrm>
+            <a:prstGeom prst="rect">
+              <a:avLst/>
+            </a:prstGeom>
+            <a:noFill/>
+          </p:spPr>
+          <p:txBody>
+            <a:bodyPr wrap="none" rtlCol="0">
+              <a:spAutoFit/>
+            </a:bodyPr>
+            <a:lstStyle/>
+            <a:p>
+              <a:r>
+                <a:rPr kumimoji="1" lang="ja-JP" altLang="en-US" sz="1050"/>
+                <a:t>オペレーティング</a:t>
+              </a:r>
+              <a:endParaRPr kumimoji="1" lang="en-US" altLang="ja-JP" sz="1050"/>
+            </a:p>
+            <a:p>
+              <a:r>
+                <a:rPr kumimoji="1" lang="ja-JP" altLang="en-US" sz="1050"/>
+                <a:t>システム</a:t>
+              </a:r>
+            </a:p>
+          </p:txBody>
+        </p:sp>
+        <p:sp>
+          <p:nvSpPr>
+            <p:cNvPr id="19" name="テキスト ボックス 18">
+              <a:extLst>
+                <a:ext uri="{FF2B5EF4-FFF2-40B4-BE49-F238E27FC236}">
+                  <a16:creationId xmlns:a16="http://schemas.microsoft.com/office/drawing/2014/main" id="{E9699516-51E8-44ED-93C3-81E26C6A00DD}"/>
+                </a:ext>
+              </a:extLst>
+            </p:cNvPr>
+            <p:cNvSpPr txBox="1"/>
+            <p:nvPr/>
+          </p:nvSpPr>
+          <p:spPr>
+            <a:xfrm>
+              <a:off x="3419873" y="2276871"/>
+              <a:ext cx="1040810" cy="442899"/>
+            </a:xfrm>
+            <a:prstGeom prst="rect">
+              <a:avLst/>
+            </a:prstGeom>
+            <a:noFill/>
+          </p:spPr>
+          <p:txBody>
+            <a:bodyPr wrap="none" rtlCol="0">
+              <a:spAutoFit/>
+            </a:bodyPr>
+            <a:lstStyle/>
+            <a:p>
+              <a:r>
+                <a:rPr kumimoji="1" lang="ja-JP" altLang="en-US" sz="1400"/>
+                <a:t>シェル</a:t>
+              </a:r>
+            </a:p>
+          </p:txBody>
+        </p:sp>
+      </p:grpSp>
+    </p:spTree>
+    <p:extLst>
+      <p:ext uri="{BB962C8B-B14F-4D97-AF65-F5344CB8AC3E}">
+        <p14:creationId xmlns:p14="http://schemas.microsoft.com/office/powerpoint/2010/main" val="1198057"/>
+      </p:ext>
+    </p:extLst>
+  </p:cSld>
+  <p:clrMapOvr>
+    <a:masterClrMapping/>
+  </p:clrMapOvr>
+</p:sld>
+</file>
+
+<file path=ppt/slides/slide3.xml><?xml version="1.0" encoding="utf-8"?>
+<p:sld xmlns:a="http://schemas.openxmlformats.org/drawingml/2006/main" xmlns:r="http://schemas.openxmlformats.org/officeDocument/2006/relationships" xmlns:p="http://schemas.openxmlformats.org/presentationml/2006/main">
+  <p:cSld>
+    <p:spTree>
+      <p:nvGrpSpPr>
+        <p:cNvPr id="1" name=""/>
+        <p:cNvGrpSpPr/>
+        <p:nvPr/>
+      </p:nvGrpSpPr>
+      <p:grpSpPr>
+        <a:xfrm>
+          <a:off x="0" y="0"/>
+          <a:ext cx="0" cy="0"/>
+          <a:chOff x="0" y="0"/>
+          <a:chExt cx="0" cy="0"/>
+        </a:xfrm>
+      </p:grpSpPr>
       <p:pic>
         <p:nvPicPr>
           <p:cNvPr id="29" name="Picture 2" descr="フォルダのイラスト">
@@ -1520,7 +2717,7 @@
 </p:sld>
 </file>
 
-<file path=ppt/slides/slide2.xml><?xml version="1.0" encoding="utf-8"?>
+<file path=ppt/slides/slide4.xml><?xml version="1.0" encoding="utf-8"?>
 <p:sld xmlns:a="http://schemas.openxmlformats.org/drawingml/2006/main" xmlns:r="http://schemas.openxmlformats.org/officeDocument/2006/relationships" xmlns:p="http://schemas.openxmlformats.org/presentationml/2006/main">
   <p:cSld>
     <p:spTree>

--- a/command/fig/fig.pptx
+++ b/command/fig/fig.pptx
@@ -9,6 +9,7 @@
     <p:sldId id="262" r:id="rId3"/>
     <p:sldId id="259" r:id="rId4"/>
     <p:sldId id="260" r:id="rId5"/>
+    <p:sldId id="263" r:id="rId6"/>
   </p:sldIdLst>
   <p:sldSz cx="9144000" cy="6858000" type="screen4x3"/>
   <p:notesSz cx="6858000" cy="9144000"/>
@@ -3843,6 +3844,849 @@
 </p:sld>
 </file>
 
+<file path=ppt/slides/slide5.xml><?xml version="1.0" encoding="utf-8"?>
+<p:sld xmlns:a="http://schemas.openxmlformats.org/drawingml/2006/main" xmlns:r="http://schemas.openxmlformats.org/officeDocument/2006/relationships" xmlns:p="http://schemas.openxmlformats.org/presentationml/2006/main">
+  <p:cSld>
+    <p:spTree>
+      <p:nvGrpSpPr>
+        <p:cNvPr id="1" name=""/>
+        <p:cNvGrpSpPr/>
+        <p:nvPr/>
+      </p:nvGrpSpPr>
+      <p:grpSpPr>
+        <a:xfrm>
+          <a:off x="0" y="0"/>
+          <a:ext cx="0" cy="0"/>
+          <a:chOff x="0" y="0"/>
+          <a:chExt cx="0" cy="0"/>
+        </a:xfrm>
+      </p:grpSpPr>
+      <p:pic>
+        <p:nvPicPr>
+          <p:cNvPr id="2" name="Picture 2" descr="フォルダのイラスト">
+            <a:extLst>
+              <a:ext uri="{FF2B5EF4-FFF2-40B4-BE49-F238E27FC236}">
+                <a16:creationId xmlns:a16="http://schemas.microsoft.com/office/drawing/2014/main" id="{395FB5F3-17D1-496D-A66E-E968B65A02B8}"/>
+              </a:ext>
+            </a:extLst>
+          </p:cNvPr>
+          <p:cNvPicPr>
+            <a:picLocks noChangeAspect="1" noChangeArrowheads="1"/>
+          </p:cNvPicPr>
+          <p:nvPr/>
+        </p:nvPicPr>
+        <p:blipFill>
+          <a:blip r:embed="rId2" cstate="print">
+            <a:extLst>
+              <a:ext uri="{28A0092B-C50C-407E-A947-70E740481C1C}">
+                <a14:useLocalDpi xmlns:a14="http://schemas.microsoft.com/office/drawing/2010/main" val="0"/>
+              </a:ext>
+            </a:extLst>
+          </a:blip>
+          <a:srcRect/>
+          <a:stretch>
+            <a:fillRect/>
+          </a:stretch>
+        </p:blipFill>
+        <p:spPr bwMode="auto">
+          <a:xfrm>
+            <a:off x="5047191" y="476672"/>
+            <a:ext cx="764145" cy="639971"/>
+          </a:xfrm>
+          <a:prstGeom prst="rect">
+            <a:avLst/>
+          </a:prstGeom>
+          <a:noFill/>
+          <a:extLst>
+            <a:ext uri="{909E8E84-426E-40DD-AFC4-6F175D3DCCD1}">
+              <a14:hiddenFill xmlns:a14="http://schemas.microsoft.com/office/drawing/2010/main">
+                <a:solidFill>
+                  <a:srgbClr val="FFFFFF"/>
+                </a:solidFill>
+              </a14:hiddenFill>
+            </a:ext>
+          </a:extLst>
+        </p:spPr>
+      </p:pic>
+      <p:sp>
+        <p:nvSpPr>
+          <p:cNvPr id="3" name="テキスト ボックス 2">
+            <a:extLst>
+              <a:ext uri="{FF2B5EF4-FFF2-40B4-BE49-F238E27FC236}">
+                <a16:creationId xmlns:a16="http://schemas.microsoft.com/office/drawing/2014/main" id="{76E38F46-BAD8-467D-B0A6-5F7D6339E327}"/>
+              </a:ext>
+            </a:extLst>
+          </p:cNvPr>
+          <p:cNvSpPr txBox="1"/>
+          <p:nvPr/>
+        </p:nvSpPr>
+        <p:spPr>
+          <a:xfrm>
+            <a:off x="5076056" y="620688"/>
+            <a:ext cx="691215" cy="369332"/>
+          </a:xfrm>
+          <a:prstGeom prst="rect">
+            <a:avLst/>
+          </a:prstGeom>
+          <a:noFill/>
+        </p:spPr>
+        <p:txBody>
+          <a:bodyPr wrap="none" rtlCol="0">
+            <a:spAutoFit/>
+          </a:bodyPr>
+          <a:lstStyle/>
+          <a:p>
+            <a:r>
+              <a:rPr lang="en-US" altLang="ja-JP">
+                <a:solidFill>
+                  <a:schemeClr val="bg1"/>
+                </a:solidFill>
+                <a:latin typeface="Consolas" panose="020B0609020204030204" pitchFamily="49" charset="0"/>
+              </a:rPr>
+              <a:t>temp</a:t>
+            </a:r>
+            <a:endParaRPr kumimoji="1" lang="ja-JP" altLang="en-US" dirty="0">
+              <a:solidFill>
+                <a:schemeClr val="bg1"/>
+              </a:solidFill>
+              <a:latin typeface="Consolas" panose="020B0609020204030204" pitchFamily="49" charset="0"/>
+            </a:endParaRPr>
+          </a:p>
+        </p:txBody>
+      </p:sp>
+      <p:pic>
+        <p:nvPicPr>
+          <p:cNvPr id="4" name="Picture 2" descr="フォルダのイラスト">
+            <a:extLst>
+              <a:ext uri="{FF2B5EF4-FFF2-40B4-BE49-F238E27FC236}">
+                <a16:creationId xmlns:a16="http://schemas.microsoft.com/office/drawing/2014/main" id="{11CE2ACB-EBA1-4EA8-8485-CA9B9909AD30}"/>
+              </a:ext>
+            </a:extLst>
+          </p:cNvPr>
+          <p:cNvPicPr>
+            <a:picLocks noChangeAspect="1" noChangeArrowheads="1"/>
+          </p:cNvPicPr>
+          <p:nvPr/>
+        </p:nvPicPr>
+        <p:blipFill>
+          <a:blip r:embed="rId2" cstate="print">
+            <a:extLst>
+              <a:ext uri="{28A0092B-C50C-407E-A947-70E740481C1C}">
+                <a14:useLocalDpi xmlns:a14="http://schemas.microsoft.com/office/drawing/2010/main" val="0"/>
+              </a:ext>
+            </a:extLst>
+          </a:blip>
+          <a:srcRect/>
+          <a:stretch>
+            <a:fillRect/>
+          </a:stretch>
+        </p:blipFill>
+        <p:spPr bwMode="auto">
+          <a:xfrm>
+            <a:off x="5047191" y="1412776"/>
+            <a:ext cx="764145" cy="639971"/>
+          </a:xfrm>
+          <a:prstGeom prst="rect">
+            <a:avLst/>
+          </a:prstGeom>
+          <a:noFill/>
+          <a:extLst>
+            <a:ext uri="{909E8E84-426E-40DD-AFC4-6F175D3DCCD1}">
+              <a14:hiddenFill xmlns:a14="http://schemas.microsoft.com/office/drawing/2010/main">
+                <a:solidFill>
+                  <a:srgbClr val="FFFFFF"/>
+                </a:solidFill>
+              </a14:hiddenFill>
+            </a:ext>
+          </a:extLst>
+        </p:spPr>
+      </p:pic>
+      <p:sp>
+        <p:nvSpPr>
+          <p:cNvPr id="5" name="テキスト ボックス 4">
+            <a:extLst>
+              <a:ext uri="{FF2B5EF4-FFF2-40B4-BE49-F238E27FC236}">
+                <a16:creationId xmlns:a16="http://schemas.microsoft.com/office/drawing/2014/main" id="{76B66028-B7AC-45A2-88B7-C93177FEF8E8}"/>
+              </a:ext>
+            </a:extLst>
+          </p:cNvPr>
+          <p:cNvSpPr txBox="1"/>
+          <p:nvPr/>
+        </p:nvSpPr>
+        <p:spPr>
+          <a:xfrm>
+            <a:off x="5076056" y="1556792"/>
+            <a:ext cx="691215" cy="369332"/>
+          </a:xfrm>
+          <a:prstGeom prst="rect">
+            <a:avLst/>
+          </a:prstGeom>
+          <a:noFill/>
+        </p:spPr>
+        <p:txBody>
+          <a:bodyPr wrap="none" rtlCol="0">
+            <a:spAutoFit/>
+          </a:bodyPr>
+          <a:lstStyle/>
+          <a:p>
+            <a:r>
+              <a:rPr kumimoji="1" lang="en-US" altLang="ja-JP">
+                <a:solidFill>
+                  <a:schemeClr val="bg1"/>
+                </a:solidFill>
+                <a:latin typeface="Consolas" panose="020B0609020204030204" pitchFamily="49" charset="0"/>
+              </a:rPr>
+              <a:t>dir1</a:t>
+            </a:r>
+            <a:endParaRPr kumimoji="1" lang="ja-JP" altLang="en-US" dirty="0">
+              <a:solidFill>
+                <a:schemeClr val="bg1"/>
+              </a:solidFill>
+              <a:latin typeface="Consolas" panose="020B0609020204030204" pitchFamily="49" charset="0"/>
+            </a:endParaRPr>
+          </a:p>
+        </p:txBody>
+      </p:sp>
+      <p:pic>
+        <p:nvPicPr>
+          <p:cNvPr id="6" name="Picture 2" descr="フォルダのイラスト">
+            <a:extLst>
+              <a:ext uri="{FF2B5EF4-FFF2-40B4-BE49-F238E27FC236}">
+                <a16:creationId xmlns:a16="http://schemas.microsoft.com/office/drawing/2014/main" id="{9344E75E-705A-454D-B2C5-E2F529EE2CB4}"/>
+              </a:ext>
+            </a:extLst>
+          </p:cNvPr>
+          <p:cNvPicPr>
+            <a:picLocks noChangeAspect="1" noChangeArrowheads="1"/>
+          </p:cNvPicPr>
+          <p:nvPr/>
+        </p:nvPicPr>
+        <p:blipFill>
+          <a:blip r:embed="rId2" cstate="print">
+            <a:extLst>
+              <a:ext uri="{28A0092B-C50C-407E-A947-70E740481C1C}">
+                <a14:useLocalDpi xmlns:a14="http://schemas.microsoft.com/office/drawing/2010/main" val="0"/>
+              </a:ext>
+            </a:extLst>
+          </a:blip>
+          <a:srcRect/>
+          <a:stretch>
+            <a:fillRect/>
+          </a:stretch>
+        </p:blipFill>
+        <p:spPr bwMode="auto">
+          <a:xfrm>
+            <a:off x="6012160" y="1412776"/>
+            <a:ext cx="764145" cy="639971"/>
+          </a:xfrm>
+          <a:prstGeom prst="rect">
+            <a:avLst/>
+          </a:prstGeom>
+          <a:noFill/>
+          <a:extLst>
+            <a:ext uri="{909E8E84-426E-40DD-AFC4-6F175D3DCCD1}">
+              <a14:hiddenFill xmlns:a14="http://schemas.microsoft.com/office/drawing/2010/main">
+                <a:solidFill>
+                  <a:srgbClr val="FFFFFF"/>
+                </a:solidFill>
+              </a14:hiddenFill>
+            </a:ext>
+          </a:extLst>
+        </p:spPr>
+      </p:pic>
+      <p:sp>
+        <p:nvSpPr>
+          <p:cNvPr id="7" name="テキスト ボックス 6">
+            <a:extLst>
+              <a:ext uri="{FF2B5EF4-FFF2-40B4-BE49-F238E27FC236}">
+                <a16:creationId xmlns:a16="http://schemas.microsoft.com/office/drawing/2014/main" id="{FD6F4C04-45E1-4A4D-B1D1-79BFC92189F9}"/>
+              </a:ext>
+            </a:extLst>
+          </p:cNvPr>
+          <p:cNvSpPr txBox="1"/>
+          <p:nvPr/>
+        </p:nvSpPr>
+        <p:spPr>
+          <a:xfrm>
+            <a:off x="6041025" y="1556792"/>
+            <a:ext cx="691215" cy="369332"/>
+          </a:xfrm>
+          <a:prstGeom prst="rect">
+            <a:avLst/>
+          </a:prstGeom>
+          <a:noFill/>
+        </p:spPr>
+        <p:txBody>
+          <a:bodyPr wrap="none" rtlCol="0">
+            <a:spAutoFit/>
+          </a:bodyPr>
+          <a:lstStyle/>
+          <a:p>
+            <a:r>
+              <a:rPr kumimoji="1" lang="en-US" altLang="ja-JP">
+                <a:solidFill>
+                  <a:schemeClr val="bg1"/>
+                </a:solidFill>
+                <a:latin typeface="Consolas" panose="020B0609020204030204" pitchFamily="49" charset="0"/>
+              </a:rPr>
+              <a:t>dir2</a:t>
+            </a:r>
+            <a:endParaRPr kumimoji="1" lang="ja-JP" altLang="en-US" dirty="0">
+              <a:solidFill>
+                <a:schemeClr val="bg1"/>
+              </a:solidFill>
+              <a:latin typeface="Consolas" panose="020B0609020204030204" pitchFamily="49" charset="0"/>
+            </a:endParaRPr>
+          </a:p>
+        </p:txBody>
+      </p:sp>
+      <p:pic>
+        <p:nvPicPr>
+          <p:cNvPr id="8" name="Picture 2" descr="ファイルアイコン（ブランク）">
+            <a:extLst>
+              <a:ext uri="{FF2B5EF4-FFF2-40B4-BE49-F238E27FC236}">
+                <a16:creationId xmlns:a16="http://schemas.microsoft.com/office/drawing/2014/main" id="{DF3D7FF0-08F3-4264-A383-4E0EAE40F26A}"/>
+              </a:ext>
+            </a:extLst>
+          </p:cNvPr>
+          <p:cNvPicPr>
+            <a:picLocks noChangeAspect="1" noChangeArrowheads="1"/>
+          </p:cNvPicPr>
+          <p:nvPr/>
+        </p:nvPicPr>
+        <p:blipFill>
+          <a:blip r:embed="rId3" cstate="print">
+            <a:extLst>
+              <a:ext uri="{28A0092B-C50C-407E-A947-70E740481C1C}">
+                <a14:useLocalDpi xmlns:a14="http://schemas.microsoft.com/office/drawing/2010/main" val="0"/>
+              </a:ext>
+            </a:extLst>
+          </a:blip>
+          <a:srcRect/>
+          <a:stretch>
+            <a:fillRect/>
+          </a:stretch>
+        </p:blipFill>
+        <p:spPr bwMode="auto">
+          <a:xfrm>
+            <a:off x="7020272" y="1412776"/>
+            <a:ext cx="558061" cy="648072"/>
+          </a:xfrm>
+          <a:prstGeom prst="rect">
+            <a:avLst/>
+          </a:prstGeom>
+          <a:noFill/>
+          <a:extLst>
+            <a:ext uri="{909E8E84-426E-40DD-AFC4-6F175D3DCCD1}">
+              <a14:hiddenFill xmlns:a14="http://schemas.microsoft.com/office/drawing/2010/main">
+                <a:solidFill>
+                  <a:srgbClr val="FFFFFF"/>
+                </a:solidFill>
+              </a14:hiddenFill>
+            </a:ext>
+          </a:extLst>
+        </p:spPr>
+      </p:pic>
+      <p:sp>
+        <p:nvSpPr>
+          <p:cNvPr id="9" name="テキスト ボックス 8">
+            <a:extLst>
+              <a:ext uri="{FF2B5EF4-FFF2-40B4-BE49-F238E27FC236}">
+                <a16:creationId xmlns:a16="http://schemas.microsoft.com/office/drawing/2014/main" id="{F83B1ED2-A51B-41C8-A4E4-ED65E7484B39}"/>
+              </a:ext>
+            </a:extLst>
+          </p:cNvPr>
+          <p:cNvSpPr txBox="1"/>
+          <p:nvPr/>
+        </p:nvSpPr>
+        <p:spPr>
+          <a:xfrm>
+            <a:off x="6804248" y="1988840"/>
+            <a:ext cx="1115616" cy="307777"/>
+          </a:xfrm>
+          <a:prstGeom prst="rect">
+            <a:avLst/>
+          </a:prstGeom>
+          <a:noFill/>
+        </p:spPr>
+        <p:txBody>
+          <a:bodyPr wrap="square">
+            <a:spAutoFit/>
+          </a:bodyPr>
+          <a:lstStyle/>
+          <a:p>
+            <a:r>
+              <a:rPr lang="en-US" altLang="ja-JP" sz="1400">
+                <a:latin typeface="Consolas" panose="020B0609020204030204" pitchFamily="49" charset="0"/>
+              </a:rPr>
+              <a:t>file1.txt</a:t>
+            </a:r>
+            <a:endParaRPr kumimoji="1" lang="ja-JP" altLang="en-US" sz="1400" dirty="0">
+              <a:latin typeface="Consolas" panose="020B0609020204030204" pitchFamily="49" charset="0"/>
+            </a:endParaRPr>
+          </a:p>
+        </p:txBody>
+      </p:sp>
+      <p:pic>
+        <p:nvPicPr>
+          <p:cNvPr id="10" name="Picture 2" descr="ファイルアイコン（ブランク）">
+            <a:extLst>
+              <a:ext uri="{FF2B5EF4-FFF2-40B4-BE49-F238E27FC236}">
+                <a16:creationId xmlns:a16="http://schemas.microsoft.com/office/drawing/2014/main" id="{591535E1-FABE-431A-8C6D-C075086818EB}"/>
+              </a:ext>
+            </a:extLst>
+          </p:cNvPr>
+          <p:cNvPicPr>
+            <a:picLocks noChangeAspect="1" noChangeArrowheads="1"/>
+          </p:cNvPicPr>
+          <p:nvPr/>
+        </p:nvPicPr>
+        <p:blipFill>
+          <a:blip r:embed="rId3" cstate="print">
+            <a:extLst>
+              <a:ext uri="{28A0092B-C50C-407E-A947-70E740481C1C}">
+                <a14:useLocalDpi xmlns:a14="http://schemas.microsoft.com/office/drawing/2010/main" val="0"/>
+              </a:ext>
+            </a:extLst>
+          </a:blip>
+          <a:srcRect/>
+          <a:stretch>
+            <a:fillRect/>
+          </a:stretch>
+        </p:blipFill>
+        <p:spPr bwMode="auto">
+          <a:xfrm>
+            <a:off x="8028384" y="1412776"/>
+            <a:ext cx="558061" cy="648072"/>
+          </a:xfrm>
+          <a:prstGeom prst="rect">
+            <a:avLst/>
+          </a:prstGeom>
+          <a:noFill/>
+          <a:extLst>
+            <a:ext uri="{909E8E84-426E-40DD-AFC4-6F175D3DCCD1}">
+              <a14:hiddenFill xmlns:a14="http://schemas.microsoft.com/office/drawing/2010/main">
+                <a:solidFill>
+                  <a:srgbClr val="FFFFFF"/>
+                </a:solidFill>
+              </a14:hiddenFill>
+            </a:ext>
+          </a:extLst>
+        </p:spPr>
+      </p:pic>
+      <p:sp>
+        <p:nvSpPr>
+          <p:cNvPr id="11" name="テキスト ボックス 10">
+            <a:extLst>
+              <a:ext uri="{FF2B5EF4-FFF2-40B4-BE49-F238E27FC236}">
+                <a16:creationId xmlns:a16="http://schemas.microsoft.com/office/drawing/2014/main" id="{907EAB62-5135-45BD-BD93-AF97D929FA4A}"/>
+              </a:ext>
+            </a:extLst>
+          </p:cNvPr>
+          <p:cNvSpPr txBox="1"/>
+          <p:nvPr/>
+        </p:nvSpPr>
+        <p:spPr>
+          <a:xfrm>
+            <a:off x="7812360" y="1988840"/>
+            <a:ext cx="1115616" cy="307777"/>
+          </a:xfrm>
+          <a:prstGeom prst="rect">
+            <a:avLst/>
+          </a:prstGeom>
+          <a:noFill/>
+        </p:spPr>
+        <p:txBody>
+          <a:bodyPr wrap="square">
+            <a:spAutoFit/>
+          </a:bodyPr>
+          <a:lstStyle/>
+          <a:p>
+            <a:r>
+              <a:rPr lang="en-US" altLang="ja-JP" sz="1400">
+                <a:latin typeface="Consolas" panose="020B0609020204030204" pitchFamily="49" charset="0"/>
+              </a:rPr>
+              <a:t>file2.txt</a:t>
+            </a:r>
+            <a:endParaRPr kumimoji="1" lang="ja-JP" altLang="en-US" sz="1400" dirty="0">
+              <a:latin typeface="Consolas" panose="020B0609020204030204" pitchFamily="49" charset="0"/>
+            </a:endParaRPr>
+          </a:p>
+        </p:txBody>
+      </p:sp>
+      <p:pic>
+        <p:nvPicPr>
+          <p:cNvPr id="12" name="Picture 2" descr="ファイルアイコン（ブランク）">
+            <a:extLst>
+              <a:ext uri="{FF2B5EF4-FFF2-40B4-BE49-F238E27FC236}">
+                <a16:creationId xmlns:a16="http://schemas.microsoft.com/office/drawing/2014/main" id="{83BCC270-A469-42BD-9926-6A47B1549E68}"/>
+              </a:ext>
+            </a:extLst>
+          </p:cNvPr>
+          <p:cNvPicPr>
+            <a:picLocks noChangeAspect="1" noChangeArrowheads="1"/>
+          </p:cNvPicPr>
+          <p:nvPr/>
+        </p:nvPicPr>
+        <p:blipFill>
+          <a:blip r:embed="rId3" cstate="print">
+            <a:extLst>
+              <a:ext uri="{28A0092B-C50C-407E-A947-70E740481C1C}">
+                <a14:useLocalDpi xmlns:a14="http://schemas.microsoft.com/office/drawing/2010/main" val="0"/>
+              </a:ext>
+            </a:extLst>
+          </a:blip>
+          <a:srcRect/>
+          <a:stretch>
+            <a:fillRect/>
+          </a:stretch>
+        </p:blipFill>
+        <p:spPr bwMode="auto">
+          <a:xfrm>
+            <a:off x="5148064" y="2420888"/>
+            <a:ext cx="558061" cy="648072"/>
+          </a:xfrm>
+          <a:prstGeom prst="rect">
+            <a:avLst/>
+          </a:prstGeom>
+          <a:noFill/>
+          <a:extLst>
+            <a:ext uri="{909E8E84-426E-40DD-AFC4-6F175D3DCCD1}">
+              <a14:hiddenFill xmlns:a14="http://schemas.microsoft.com/office/drawing/2010/main">
+                <a:solidFill>
+                  <a:srgbClr val="FFFFFF"/>
+                </a:solidFill>
+              </a14:hiddenFill>
+            </a:ext>
+          </a:extLst>
+        </p:spPr>
+      </p:pic>
+      <p:sp>
+        <p:nvSpPr>
+          <p:cNvPr id="13" name="テキスト ボックス 12">
+            <a:extLst>
+              <a:ext uri="{FF2B5EF4-FFF2-40B4-BE49-F238E27FC236}">
+                <a16:creationId xmlns:a16="http://schemas.microsoft.com/office/drawing/2014/main" id="{CB78E968-E6C5-40A1-9B24-5226CF4E10B0}"/>
+              </a:ext>
+            </a:extLst>
+          </p:cNvPr>
+          <p:cNvSpPr txBox="1"/>
+          <p:nvPr/>
+        </p:nvSpPr>
+        <p:spPr>
+          <a:xfrm>
+            <a:off x="4967089" y="3045792"/>
+            <a:ext cx="1115616" cy="307777"/>
+          </a:xfrm>
+          <a:prstGeom prst="rect">
+            <a:avLst/>
+          </a:prstGeom>
+          <a:noFill/>
+        </p:spPr>
+        <p:txBody>
+          <a:bodyPr wrap="square">
+            <a:spAutoFit/>
+          </a:bodyPr>
+          <a:lstStyle/>
+          <a:p>
+            <a:r>
+              <a:rPr lang="en-US" altLang="ja-JP" sz="1400">
+                <a:latin typeface="Consolas" panose="020B0609020204030204" pitchFamily="49" charset="0"/>
+              </a:rPr>
+              <a:t>file3.txt</a:t>
+            </a:r>
+            <a:endParaRPr kumimoji="1" lang="ja-JP" altLang="en-US" sz="1400" dirty="0">
+              <a:latin typeface="Consolas" panose="020B0609020204030204" pitchFamily="49" charset="0"/>
+            </a:endParaRPr>
+          </a:p>
+        </p:txBody>
+      </p:sp>
+      <p:cxnSp>
+        <p:nvCxnSpPr>
+          <p:cNvPr id="14" name="コネクタ: カギ線 13">
+            <a:extLst>
+              <a:ext uri="{FF2B5EF4-FFF2-40B4-BE49-F238E27FC236}">
+                <a16:creationId xmlns:a16="http://schemas.microsoft.com/office/drawing/2014/main" id="{8C497A7B-05D1-41A2-A508-77E02433888B}"/>
+              </a:ext>
+            </a:extLst>
+          </p:cNvPr>
+          <p:cNvCxnSpPr>
+            <a:cxnSpLocks/>
+            <a:stCxn id="2" idx="2"/>
+            <a:endCxn id="6" idx="0"/>
+          </p:cNvCxnSpPr>
+          <p:nvPr/>
+        </p:nvCxnSpPr>
+        <p:spPr>
+          <a:xfrm rot="16200000" flipH="1">
+            <a:off x="5763682" y="782224"/>
+            <a:ext cx="296133" cy="964969"/>
+          </a:xfrm>
+          <a:prstGeom prst="bentConnector3">
+            <a:avLst/>
+          </a:prstGeom>
+          <a:ln w="12700">
+            <a:solidFill>
+              <a:schemeClr val="tx1"/>
+            </a:solidFill>
+          </a:ln>
+        </p:spPr>
+        <p:style>
+          <a:lnRef idx="1">
+            <a:schemeClr val="accent1"/>
+          </a:lnRef>
+          <a:fillRef idx="0">
+            <a:schemeClr val="accent1"/>
+          </a:fillRef>
+          <a:effectRef idx="0">
+            <a:schemeClr val="accent1"/>
+          </a:effectRef>
+          <a:fontRef idx="minor">
+            <a:schemeClr val="tx1"/>
+          </a:fontRef>
+        </p:style>
+      </p:cxnSp>
+      <p:cxnSp>
+        <p:nvCxnSpPr>
+          <p:cNvPr id="15" name="コネクタ: カギ線 14">
+            <a:extLst>
+              <a:ext uri="{FF2B5EF4-FFF2-40B4-BE49-F238E27FC236}">
+                <a16:creationId xmlns:a16="http://schemas.microsoft.com/office/drawing/2014/main" id="{A64F5B88-92D2-47EC-84BF-EE81F11961E1}"/>
+              </a:ext>
+            </a:extLst>
+          </p:cNvPr>
+          <p:cNvCxnSpPr>
+            <a:cxnSpLocks/>
+            <a:stCxn id="2" idx="2"/>
+            <a:endCxn id="8" idx="0"/>
+          </p:cNvCxnSpPr>
+          <p:nvPr/>
+        </p:nvCxnSpPr>
+        <p:spPr>
+          <a:xfrm rot="16200000" flipH="1">
+            <a:off x="6216217" y="329689"/>
+            <a:ext cx="296133" cy="1870039"/>
+          </a:xfrm>
+          <a:prstGeom prst="bentConnector3">
+            <a:avLst/>
+          </a:prstGeom>
+          <a:ln w="12700">
+            <a:solidFill>
+              <a:schemeClr val="tx1"/>
+            </a:solidFill>
+          </a:ln>
+        </p:spPr>
+        <p:style>
+          <a:lnRef idx="1">
+            <a:schemeClr val="accent1"/>
+          </a:lnRef>
+          <a:fillRef idx="0">
+            <a:schemeClr val="accent1"/>
+          </a:fillRef>
+          <a:effectRef idx="0">
+            <a:schemeClr val="accent1"/>
+          </a:effectRef>
+          <a:fontRef idx="minor">
+            <a:schemeClr val="tx1"/>
+          </a:fontRef>
+        </p:style>
+      </p:cxnSp>
+      <p:cxnSp>
+        <p:nvCxnSpPr>
+          <p:cNvPr id="16" name="コネクタ: カギ線 15">
+            <a:extLst>
+              <a:ext uri="{FF2B5EF4-FFF2-40B4-BE49-F238E27FC236}">
+                <a16:creationId xmlns:a16="http://schemas.microsoft.com/office/drawing/2014/main" id="{7093DEC1-B59D-4CCD-A118-458C501B857B}"/>
+              </a:ext>
+            </a:extLst>
+          </p:cNvPr>
+          <p:cNvCxnSpPr>
+            <a:cxnSpLocks/>
+            <a:stCxn id="2" idx="2"/>
+            <a:endCxn id="10" idx="0"/>
+          </p:cNvCxnSpPr>
+          <p:nvPr/>
+        </p:nvCxnSpPr>
+        <p:spPr>
+          <a:xfrm rot="16200000" flipH="1">
+            <a:off x="6720273" y="-174367"/>
+            <a:ext cx="296133" cy="2878151"/>
+          </a:xfrm>
+          <a:prstGeom prst="bentConnector3">
+            <a:avLst/>
+          </a:prstGeom>
+          <a:ln w="12700">
+            <a:solidFill>
+              <a:schemeClr val="tx1"/>
+            </a:solidFill>
+          </a:ln>
+        </p:spPr>
+        <p:style>
+          <a:lnRef idx="1">
+            <a:schemeClr val="accent1"/>
+          </a:lnRef>
+          <a:fillRef idx="0">
+            <a:schemeClr val="accent1"/>
+          </a:fillRef>
+          <a:effectRef idx="0">
+            <a:schemeClr val="accent1"/>
+          </a:effectRef>
+          <a:fontRef idx="minor">
+            <a:schemeClr val="tx1"/>
+          </a:fontRef>
+        </p:style>
+      </p:cxnSp>
+      <p:cxnSp>
+        <p:nvCxnSpPr>
+          <p:cNvPr id="17" name="直線コネクタ 16">
+            <a:extLst>
+              <a:ext uri="{FF2B5EF4-FFF2-40B4-BE49-F238E27FC236}">
+                <a16:creationId xmlns:a16="http://schemas.microsoft.com/office/drawing/2014/main" id="{5D1239D6-D67B-4E29-870D-B80F2FB31DAD}"/>
+              </a:ext>
+            </a:extLst>
+          </p:cNvPr>
+          <p:cNvCxnSpPr>
+            <a:stCxn id="2" idx="2"/>
+            <a:endCxn id="4" idx="0"/>
+          </p:cNvCxnSpPr>
+          <p:nvPr/>
+        </p:nvCxnSpPr>
+        <p:spPr>
+          <a:xfrm>
+            <a:off x="5429264" y="1116643"/>
+            <a:ext cx="0" cy="296133"/>
+          </a:xfrm>
+          <a:prstGeom prst="line">
+            <a:avLst/>
+          </a:prstGeom>
+          <a:ln w="12700">
+            <a:solidFill>
+              <a:schemeClr val="tx1"/>
+            </a:solidFill>
+          </a:ln>
+        </p:spPr>
+        <p:style>
+          <a:lnRef idx="1">
+            <a:schemeClr val="accent1"/>
+          </a:lnRef>
+          <a:fillRef idx="0">
+            <a:schemeClr val="accent1"/>
+          </a:fillRef>
+          <a:effectRef idx="0">
+            <a:schemeClr val="accent1"/>
+          </a:effectRef>
+          <a:fontRef idx="minor">
+            <a:schemeClr val="tx1"/>
+          </a:fontRef>
+        </p:style>
+      </p:cxnSp>
+      <p:cxnSp>
+        <p:nvCxnSpPr>
+          <p:cNvPr id="18" name="直線コネクタ 17">
+            <a:extLst>
+              <a:ext uri="{FF2B5EF4-FFF2-40B4-BE49-F238E27FC236}">
+                <a16:creationId xmlns:a16="http://schemas.microsoft.com/office/drawing/2014/main" id="{4C7F94A4-4341-44AE-9DF8-B9F87D646747}"/>
+              </a:ext>
+            </a:extLst>
+          </p:cNvPr>
+          <p:cNvCxnSpPr/>
+          <p:nvPr/>
+        </p:nvCxnSpPr>
+        <p:spPr>
+          <a:xfrm>
+            <a:off x="5436096" y="1988840"/>
+            <a:ext cx="0" cy="296133"/>
+          </a:xfrm>
+          <a:prstGeom prst="line">
+            <a:avLst/>
+          </a:prstGeom>
+          <a:ln w="12700">
+            <a:solidFill>
+              <a:schemeClr val="tx1"/>
+            </a:solidFill>
+          </a:ln>
+        </p:spPr>
+        <p:style>
+          <a:lnRef idx="1">
+            <a:schemeClr val="accent1"/>
+          </a:lnRef>
+          <a:fillRef idx="0">
+            <a:schemeClr val="accent1"/>
+          </a:fillRef>
+          <a:effectRef idx="0">
+            <a:schemeClr val="accent1"/>
+          </a:effectRef>
+          <a:fontRef idx="minor">
+            <a:schemeClr val="tx1"/>
+          </a:fontRef>
+        </p:style>
+      </p:cxnSp>
+      <p:sp>
+        <p:nvSpPr>
+          <p:cNvPr id="19" name="四角形: 角を丸くする 18">
+            <a:extLst>
+              <a:ext uri="{FF2B5EF4-FFF2-40B4-BE49-F238E27FC236}">
+                <a16:creationId xmlns:a16="http://schemas.microsoft.com/office/drawing/2014/main" id="{7EEBAAC7-B6C5-4576-B39F-72D835F8DB1F}"/>
+              </a:ext>
+            </a:extLst>
+          </p:cNvPr>
+          <p:cNvSpPr/>
+          <p:nvPr/>
+        </p:nvSpPr>
+        <p:spPr>
+          <a:xfrm>
+            <a:off x="5940152" y="1412776"/>
+            <a:ext cx="936104" cy="720080"/>
+          </a:xfrm>
+          <a:prstGeom prst="roundRect">
+            <a:avLst/>
+          </a:prstGeom>
+          <a:noFill/>
+          <a:ln w="28575">
+            <a:solidFill>
+              <a:srgbClr val="FF0000"/>
+            </a:solidFill>
+            <a:prstDash val="sysDash"/>
+          </a:ln>
+        </p:spPr>
+        <p:style>
+          <a:lnRef idx="2">
+            <a:schemeClr val="accent1">
+              <a:shade val="50000"/>
+            </a:schemeClr>
+          </a:lnRef>
+          <a:fillRef idx="1">
+            <a:schemeClr val="accent1"/>
+          </a:fillRef>
+          <a:effectRef idx="0">
+            <a:schemeClr val="accent1"/>
+          </a:effectRef>
+          <a:fontRef idx="minor">
+            <a:schemeClr val="lt1"/>
+          </a:fontRef>
+        </p:style>
+        <p:txBody>
+          <a:bodyPr rtlCol="0" anchor="ctr"/>
+          <a:lstStyle/>
+          <a:p>
+            <a:pPr algn="ctr"/>
+            <a:endParaRPr kumimoji="1" lang="ja-JP" altLang="en-US"/>
+          </a:p>
+        </p:txBody>
+      </p:sp>
+    </p:spTree>
+    <p:extLst>
+      <p:ext uri="{BB962C8B-B14F-4D97-AF65-F5344CB8AC3E}">
+        <p14:creationId xmlns:p14="http://schemas.microsoft.com/office/powerpoint/2010/main" val="3600838025"/>
+      </p:ext>
+    </p:extLst>
+  </p:cSld>
+  <p:clrMapOvr>
+    <a:masterClrMapping/>
+  </p:clrMapOvr>
+</p:sld>
+</file>
+
 <file path=ppt/theme/theme1.xml><?xml version="1.0" encoding="utf-8"?>
 <a:theme xmlns:a="http://schemas.openxmlformats.org/drawingml/2006/main" name="Office テーマ">
   <a:themeElements>

--- a/command/fig/fig.pptx
+++ b/command/fig/fig.pptx
@@ -10,6 +10,8 @@
     <p:sldId id="259" r:id="rId4"/>
     <p:sldId id="260" r:id="rId5"/>
     <p:sldId id="263" r:id="rId6"/>
+    <p:sldId id="264" r:id="rId7"/>
+    <p:sldId id="265" r:id="rId8"/>
   </p:sldIdLst>
   <p:sldSz cx="9144000" cy="6858000" type="screen4x3"/>
   <p:notesSz cx="6858000" cy="9144000"/>
@@ -4687,6 +4689,2214 @@
 </p:sld>
 </file>
 
+<file path=ppt/slides/slide6.xml><?xml version="1.0" encoding="utf-8"?>
+<p:sld xmlns:a="http://schemas.openxmlformats.org/drawingml/2006/main" xmlns:r="http://schemas.openxmlformats.org/officeDocument/2006/relationships" xmlns:p="http://schemas.openxmlformats.org/presentationml/2006/main">
+  <p:cSld>
+    <p:spTree>
+      <p:nvGrpSpPr>
+        <p:cNvPr id="1" name=""/>
+        <p:cNvGrpSpPr/>
+        <p:nvPr/>
+      </p:nvGrpSpPr>
+      <p:grpSpPr>
+        <a:xfrm>
+          <a:off x="0" y="0"/>
+          <a:ext cx="0" cy="0"/>
+          <a:chOff x="0" y="0"/>
+          <a:chExt cx="0" cy="0"/>
+        </a:xfrm>
+      </p:grpSpPr>
+      <p:pic>
+        <p:nvPicPr>
+          <p:cNvPr id="2" name="Picture 2" descr="フォルダのイラスト">
+            <a:extLst>
+              <a:ext uri="{FF2B5EF4-FFF2-40B4-BE49-F238E27FC236}">
+                <a16:creationId xmlns:a16="http://schemas.microsoft.com/office/drawing/2014/main" id="{2DBA3D1E-7BBC-4E01-A24A-6D73C414AF5A}"/>
+              </a:ext>
+            </a:extLst>
+          </p:cNvPr>
+          <p:cNvPicPr>
+            <a:picLocks noChangeAspect="1" noChangeArrowheads="1"/>
+          </p:cNvPicPr>
+          <p:nvPr/>
+        </p:nvPicPr>
+        <p:blipFill>
+          <a:blip r:embed="rId2" cstate="print">
+            <a:extLst>
+              <a:ext uri="{28A0092B-C50C-407E-A947-70E740481C1C}">
+                <a14:useLocalDpi xmlns:a14="http://schemas.microsoft.com/office/drawing/2010/main" val="0"/>
+              </a:ext>
+            </a:extLst>
+          </a:blip>
+          <a:srcRect/>
+          <a:stretch>
+            <a:fillRect/>
+          </a:stretch>
+        </p:blipFill>
+        <p:spPr bwMode="auto">
+          <a:xfrm>
+            <a:off x="2594219" y="908720"/>
+            <a:ext cx="680864" cy="570224"/>
+          </a:xfrm>
+          <a:prstGeom prst="rect">
+            <a:avLst/>
+          </a:prstGeom>
+          <a:noFill/>
+          <a:extLst>
+            <a:ext uri="{909E8E84-426E-40DD-AFC4-6F175D3DCCD1}">
+              <a14:hiddenFill xmlns:a14="http://schemas.microsoft.com/office/drawing/2010/main">
+                <a:solidFill>
+                  <a:srgbClr val="FFFFFF"/>
+                </a:solidFill>
+              </a14:hiddenFill>
+            </a:ext>
+          </a:extLst>
+        </p:spPr>
+      </p:pic>
+      <p:pic>
+        <p:nvPicPr>
+          <p:cNvPr id="3" name="Picture 2" descr="フォルダのイラスト">
+            <a:extLst>
+              <a:ext uri="{FF2B5EF4-FFF2-40B4-BE49-F238E27FC236}">
+                <a16:creationId xmlns:a16="http://schemas.microsoft.com/office/drawing/2014/main" id="{3DBCF99F-1CB9-4898-8675-2F5E6EEA844D}"/>
+              </a:ext>
+            </a:extLst>
+          </p:cNvPr>
+          <p:cNvPicPr>
+            <a:picLocks noChangeAspect="1" noChangeArrowheads="1"/>
+          </p:cNvPicPr>
+          <p:nvPr/>
+        </p:nvPicPr>
+        <p:blipFill>
+          <a:blip r:embed="rId2" cstate="print">
+            <a:extLst>
+              <a:ext uri="{28A0092B-C50C-407E-A947-70E740481C1C}">
+                <a14:useLocalDpi xmlns:a14="http://schemas.microsoft.com/office/drawing/2010/main" val="0"/>
+              </a:ext>
+            </a:extLst>
+          </a:blip>
+          <a:srcRect/>
+          <a:stretch>
+            <a:fillRect/>
+          </a:stretch>
+        </p:blipFill>
+        <p:spPr bwMode="auto">
+          <a:xfrm>
+            <a:off x="1845296" y="2132856"/>
+            <a:ext cx="680864" cy="570224"/>
+          </a:xfrm>
+          <a:prstGeom prst="rect">
+            <a:avLst/>
+          </a:prstGeom>
+          <a:noFill/>
+          <a:extLst>
+            <a:ext uri="{909E8E84-426E-40DD-AFC4-6F175D3DCCD1}">
+              <a14:hiddenFill xmlns:a14="http://schemas.microsoft.com/office/drawing/2010/main">
+                <a:solidFill>
+                  <a:srgbClr val="FFFFFF"/>
+                </a:solidFill>
+              </a14:hiddenFill>
+            </a:ext>
+          </a:extLst>
+        </p:spPr>
+      </p:pic>
+      <p:sp>
+        <p:nvSpPr>
+          <p:cNvPr id="4" name="テキスト ボックス 3">
+            <a:extLst>
+              <a:ext uri="{FF2B5EF4-FFF2-40B4-BE49-F238E27FC236}">
+                <a16:creationId xmlns:a16="http://schemas.microsoft.com/office/drawing/2014/main" id="{9CC501C3-64A5-4666-B587-3FA9A5CCC39D}"/>
+              </a:ext>
+            </a:extLst>
+          </p:cNvPr>
+          <p:cNvSpPr txBox="1"/>
+          <p:nvPr/>
+        </p:nvSpPr>
+        <p:spPr>
+          <a:xfrm>
+            <a:off x="2772545" y="1372706"/>
+            <a:ext cx="325730" cy="400110"/>
+          </a:xfrm>
+          <a:prstGeom prst="rect">
+            <a:avLst/>
+          </a:prstGeom>
+          <a:noFill/>
+        </p:spPr>
+        <p:txBody>
+          <a:bodyPr wrap="none" rtlCol="0">
+            <a:spAutoFit/>
+          </a:bodyPr>
+          <a:lstStyle/>
+          <a:p>
+            <a:r>
+              <a:rPr lang="en-US" sz="2000">
+                <a:latin typeface="Consolas" panose="020B0609020204030204" pitchFamily="49" charset="0"/>
+              </a:rPr>
+              <a:t>c</a:t>
+            </a:r>
+          </a:p>
+        </p:txBody>
+      </p:sp>
+      <p:sp>
+        <p:nvSpPr>
+          <p:cNvPr id="5" name="テキスト ボックス 4">
+            <a:extLst>
+              <a:ext uri="{FF2B5EF4-FFF2-40B4-BE49-F238E27FC236}">
+                <a16:creationId xmlns:a16="http://schemas.microsoft.com/office/drawing/2014/main" id="{9545FDA7-59D3-412C-A547-8D5B352CD20D}"/>
+              </a:ext>
+            </a:extLst>
+          </p:cNvPr>
+          <p:cNvSpPr txBox="1"/>
+          <p:nvPr/>
+        </p:nvSpPr>
+        <p:spPr>
+          <a:xfrm>
+            <a:off x="1802131" y="2636912"/>
+            <a:ext cx="748923" cy="400110"/>
+          </a:xfrm>
+          <a:prstGeom prst="rect">
+            <a:avLst/>
+          </a:prstGeom>
+          <a:noFill/>
+        </p:spPr>
+        <p:txBody>
+          <a:bodyPr wrap="none" rtlCol="0">
+            <a:spAutoFit/>
+          </a:bodyPr>
+          <a:lstStyle/>
+          <a:p>
+            <a:r>
+              <a:rPr lang="en-US" sz="2000">
+                <a:latin typeface="Consolas" panose="020B0609020204030204" pitchFamily="49" charset="0"/>
+              </a:rPr>
+              <a:t>Data</a:t>
+            </a:r>
+          </a:p>
+        </p:txBody>
+      </p:sp>
+      <p:pic>
+        <p:nvPicPr>
+          <p:cNvPr id="6" name="Picture 2" descr="フォルダのイラスト">
+            <a:extLst>
+              <a:ext uri="{FF2B5EF4-FFF2-40B4-BE49-F238E27FC236}">
+                <a16:creationId xmlns:a16="http://schemas.microsoft.com/office/drawing/2014/main" id="{8DF25DB7-66F8-42C6-B3D3-7AC536870AB4}"/>
+              </a:ext>
+            </a:extLst>
+          </p:cNvPr>
+          <p:cNvPicPr>
+            <a:picLocks noChangeAspect="1" noChangeArrowheads="1"/>
+          </p:cNvPicPr>
+          <p:nvPr/>
+        </p:nvPicPr>
+        <p:blipFill>
+          <a:blip r:embed="rId2" cstate="print">
+            <a:extLst>
+              <a:ext uri="{28A0092B-C50C-407E-A947-70E740481C1C}">
+                <a14:useLocalDpi xmlns:a14="http://schemas.microsoft.com/office/drawing/2010/main" val="0"/>
+              </a:ext>
+            </a:extLst>
+          </a:blip>
+          <a:srcRect/>
+          <a:stretch>
+            <a:fillRect/>
+          </a:stretch>
+        </p:blipFill>
+        <p:spPr bwMode="auto">
+          <a:xfrm>
+            <a:off x="3285456" y="2132856"/>
+            <a:ext cx="680864" cy="570224"/>
+          </a:xfrm>
+          <a:prstGeom prst="rect">
+            <a:avLst/>
+          </a:prstGeom>
+          <a:noFill/>
+          <a:extLst>
+            <a:ext uri="{909E8E84-426E-40DD-AFC4-6F175D3DCCD1}">
+              <a14:hiddenFill xmlns:a14="http://schemas.microsoft.com/office/drawing/2010/main">
+                <a:solidFill>
+                  <a:srgbClr val="FFFFFF"/>
+                </a:solidFill>
+              </a14:hiddenFill>
+            </a:ext>
+          </a:extLst>
+        </p:spPr>
+      </p:pic>
+      <p:sp>
+        <p:nvSpPr>
+          <p:cNvPr id="7" name="テキスト ボックス 6">
+            <a:extLst>
+              <a:ext uri="{FF2B5EF4-FFF2-40B4-BE49-F238E27FC236}">
+                <a16:creationId xmlns:a16="http://schemas.microsoft.com/office/drawing/2014/main" id="{E56AF916-C874-4688-988E-FB99C9D4A642}"/>
+              </a:ext>
+            </a:extLst>
+          </p:cNvPr>
+          <p:cNvSpPr txBox="1"/>
+          <p:nvPr/>
+        </p:nvSpPr>
+        <p:spPr>
+          <a:xfrm>
+            <a:off x="3285456" y="2668850"/>
+            <a:ext cx="748923" cy="400110"/>
+          </a:xfrm>
+          <a:prstGeom prst="rect">
+            <a:avLst/>
+          </a:prstGeom>
+          <a:noFill/>
+        </p:spPr>
+        <p:txBody>
+          <a:bodyPr wrap="none" rtlCol="0">
+            <a:spAutoFit/>
+          </a:bodyPr>
+          <a:lstStyle/>
+          <a:p>
+            <a:r>
+              <a:rPr lang="en-US" sz="2000">
+                <a:latin typeface="Consolas" panose="020B0609020204030204" pitchFamily="49" charset="0"/>
+              </a:rPr>
+              <a:t>Apps</a:t>
+            </a:r>
+          </a:p>
+        </p:txBody>
+      </p:sp>
+      <p:cxnSp>
+        <p:nvCxnSpPr>
+          <p:cNvPr id="8" name="コネクタ: カギ線 7">
+            <a:extLst>
+              <a:ext uri="{FF2B5EF4-FFF2-40B4-BE49-F238E27FC236}">
+                <a16:creationId xmlns:a16="http://schemas.microsoft.com/office/drawing/2014/main" id="{DF6FFA2D-D50A-40AD-9751-58D051A7D60D}"/>
+              </a:ext>
+            </a:extLst>
+          </p:cNvPr>
+          <p:cNvCxnSpPr>
+            <a:stCxn id="4" idx="2"/>
+            <a:endCxn id="6" idx="0"/>
+          </p:cNvCxnSpPr>
+          <p:nvPr/>
+        </p:nvCxnSpPr>
+        <p:spPr>
+          <a:xfrm rot="16200000" flipH="1">
+            <a:off x="3100629" y="1607597"/>
+            <a:ext cx="360040" cy="690478"/>
+          </a:xfrm>
+          <a:prstGeom prst="bentConnector3">
+            <a:avLst/>
+          </a:prstGeom>
+          <a:ln>
+            <a:solidFill>
+              <a:schemeClr val="tx1"/>
+            </a:solidFill>
+            <a:headEnd type="none" w="med" len="med"/>
+            <a:tailEnd type="none" w="med" len="med"/>
+          </a:ln>
+        </p:spPr>
+        <p:style>
+          <a:lnRef idx="1">
+            <a:schemeClr val="accent1"/>
+          </a:lnRef>
+          <a:fillRef idx="0">
+            <a:schemeClr val="accent1"/>
+          </a:fillRef>
+          <a:effectRef idx="0">
+            <a:schemeClr val="accent1"/>
+          </a:effectRef>
+          <a:fontRef idx="minor">
+            <a:schemeClr val="tx1"/>
+          </a:fontRef>
+        </p:style>
+      </p:cxnSp>
+      <p:cxnSp>
+        <p:nvCxnSpPr>
+          <p:cNvPr id="9" name="コネクタ: カギ線 8">
+            <a:extLst>
+              <a:ext uri="{FF2B5EF4-FFF2-40B4-BE49-F238E27FC236}">
+                <a16:creationId xmlns:a16="http://schemas.microsoft.com/office/drawing/2014/main" id="{7A0610B8-156B-4FD0-964C-094067BF8F12}"/>
+              </a:ext>
+            </a:extLst>
+          </p:cNvPr>
+          <p:cNvCxnSpPr>
+            <a:cxnSpLocks/>
+            <a:stCxn id="4" idx="2"/>
+            <a:endCxn id="3" idx="0"/>
+          </p:cNvCxnSpPr>
+          <p:nvPr/>
+        </p:nvCxnSpPr>
+        <p:spPr>
+          <a:xfrm rot="5400000">
+            <a:off x="2380549" y="1577995"/>
+            <a:ext cx="360040" cy="749682"/>
+          </a:xfrm>
+          <a:prstGeom prst="bentConnector3">
+            <a:avLst>
+              <a:gd name="adj1" fmla="val 50000"/>
+            </a:avLst>
+          </a:prstGeom>
+          <a:ln>
+            <a:solidFill>
+              <a:schemeClr val="tx1"/>
+            </a:solidFill>
+            <a:headEnd type="none" w="med" len="med"/>
+            <a:tailEnd type="none" w="med" len="med"/>
+          </a:ln>
+        </p:spPr>
+        <p:style>
+          <a:lnRef idx="1">
+            <a:schemeClr val="accent1"/>
+          </a:lnRef>
+          <a:fillRef idx="0">
+            <a:schemeClr val="accent1"/>
+          </a:fillRef>
+          <a:effectRef idx="0">
+            <a:schemeClr val="accent1"/>
+          </a:effectRef>
+          <a:fontRef idx="minor">
+            <a:schemeClr val="tx1"/>
+          </a:fontRef>
+        </p:style>
+      </p:cxnSp>
+      <p:pic>
+        <p:nvPicPr>
+          <p:cNvPr id="10" name="Picture 2" descr="フォルダのイラスト">
+            <a:extLst>
+              <a:ext uri="{FF2B5EF4-FFF2-40B4-BE49-F238E27FC236}">
+                <a16:creationId xmlns:a16="http://schemas.microsoft.com/office/drawing/2014/main" id="{537EA948-E458-4357-BC60-0C9228087EAB}"/>
+              </a:ext>
+            </a:extLst>
+          </p:cNvPr>
+          <p:cNvPicPr>
+            <a:picLocks noChangeAspect="1" noChangeArrowheads="1"/>
+          </p:cNvPicPr>
+          <p:nvPr/>
+        </p:nvPicPr>
+        <p:blipFill>
+          <a:blip r:embed="rId2" cstate="print">
+            <a:extLst>
+              <a:ext uri="{28A0092B-C50C-407E-A947-70E740481C1C}">
+                <a14:useLocalDpi xmlns:a14="http://schemas.microsoft.com/office/drawing/2010/main" val="0"/>
+              </a:ext>
+            </a:extLst>
+          </a:blip>
+          <a:srcRect/>
+          <a:stretch>
+            <a:fillRect/>
+          </a:stretch>
+        </p:blipFill>
+        <p:spPr bwMode="auto">
+          <a:xfrm>
+            <a:off x="1197224" y="3460938"/>
+            <a:ext cx="680864" cy="570224"/>
+          </a:xfrm>
+          <a:prstGeom prst="rect">
+            <a:avLst/>
+          </a:prstGeom>
+          <a:noFill/>
+          <a:extLst>
+            <a:ext uri="{909E8E84-426E-40DD-AFC4-6F175D3DCCD1}">
+              <a14:hiddenFill xmlns:a14="http://schemas.microsoft.com/office/drawing/2010/main">
+                <a:solidFill>
+                  <a:srgbClr val="FFFFFF"/>
+                </a:solidFill>
+              </a14:hiddenFill>
+            </a:ext>
+          </a:extLst>
+        </p:spPr>
+      </p:pic>
+      <p:sp>
+        <p:nvSpPr>
+          <p:cNvPr id="11" name="テキスト ボックス 10">
+            <a:extLst>
+              <a:ext uri="{FF2B5EF4-FFF2-40B4-BE49-F238E27FC236}">
+                <a16:creationId xmlns:a16="http://schemas.microsoft.com/office/drawing/2014/main" id="{154F54E2-95D1-4A4C-B108-8914098DFE1D}"/>
+              </a:ext>
+            </a:extLst>
+          </p:cNvPr>
+          <p:cNvSpPr txBox="1"/>
+          <p:nvPr/>
+        </p:nvSpPr>
+        <p:spPr>
+          <a:xfrm>
+            <a:off x="1194272" y="3964994"/>
+            <a:ext cx="607859" cy="400110"/>
+          </a:xfrm>
+          <a:prstGeom prst="rect">
+            <a:avLst/>
+          </a:prstGeom>
+          <a:noFill/>
+        </p:spPr>
+        <p:txBody>
+          <a:bodyPr wrap="none" rtlCol="0">
+            <a:spAutoFit/>
+          </a:bodyPr>
+          <a:lstStyle/>
+          <a:p>
+            <a:r>
+              <a:rPr lang="en-US" sz="2000">
+                <a:latin typeface="Consolas" panose="020B0609020204030204" pitchFamily="49" charset="0"/>
+              </a:rPr>
+              <a:t>Fig</a:t>
+            </a:r>
+          </a:p>
+        </p:txBody>
+      </p:sp>
+      <p:pic>
+        <p:nvPicPr>
+          <p:cNvPr id="12" name="Picture 2" descr="フォルダのイラスト">
+            <a:extLst>
+              <a:ext uri="{FF2B5EF4-FFF2-40B4-BE49-F238E27FC236}">
+                <a16:creationId xmlns:a16="http://schemas.microsoft.com/office/drawing/2014/main" id="{3F9434BD-9959-4395-BD29-5CDAC38E4352}"/>
+              </a:ext>
+            </a:extLst>
+          </p:cNvPr>
+          <p:cNvPicPr>
+            <a:picLocks noChangeAspect="1" noChangeArrowheads="1"/>
+          </p:cNvPicPr>
+          <p:nvPr/>
+        </p:nvPicPr>
+        <p:blipFill>
+          <a:blip r:embed="rId2" cstate="print">
+            <a:extLst>
+              <a:ext uri="{28A0092B-C50C-407E-A947-70E740481C1C}">
+                <a14:useLocalDpi xmlns:a14="http://schemas.microsoft.com/office/drawing/2010/main" val="0"/>
+              </a:ext>
+            </a:extLst>
+          </a:blip>
+          <a:srcRect/>
+          <a:stretch>
+            <a:fillRect/>
+          </a:stretch>
+        </p:blipFill>
+        <p:spPr bwMode="auto">
+          <a:xfrm>
+            <a:off x="2489419" y="3460938"/>
+            <a:ext cx="680864" cy="570224"/>
+          </a:xfrm>
+          <a:prstGeom prst="rect">
+            <a:avLst/>
+          </a:prstGeom>
+          <a:noFill/>
+          <a:extLst>
+            <a:ext uri="{909E8E84-426E-40DD-AFC4-6F175D3DCCD1}">
+              <a14:hiddenFill xmlns:a14="http://schemas.microsoft.com/office/drawing/2010/main">
+                <a:solidFill>
+                  <a:srgbClr val="FFFFFF"/>
+                </a:solidFill>
+              </a14:hiddenFill>
+            </a:ext>
+          </a:extLst>
+        </p:spPr>
+      </p:pic>
+      <p:sp>
+        <p:nvSpPr>
+          <p:cNvPr id="13" name="テキスト ボックス 12">
+            <a:extLst>
+              <a:ext uri="{FF2B5EF4-FFF2-40B4-BE49-F238E27FC236}">
+                <a16:creationId xmlns:a16="http://schemas.microsoft.com/office/drawing/2014/main" id="{0ECAA7C0-2D5D-4689-917E-358F24DA6A64}"/>
+              </a:ext>
+            </a:extLst>
+          </p:cNvPr>
+          <p:cNvSpPr txBox="1"/>
+          <p:nvPr/>
+        </p:nvSpPr>
+        <p:spPr>
+          <a:xfrm>
+            <a:off x="2447251" y="3964994"/>
+            <a:ext cx="889987" cy="400110"/>
+          </a:xfrm>
+          <a:prstGeom prst="rect">
+            <a:avLst/>
+          </a:prstGeom>
+          <a:noFill/>
+        </p:spPr>
+        <p:txBody>
+          <a:bodyPr wrap="none" rtlCol="0">
+            <a:spAutoFit/>
+          </a:bodyPr>
+          <a:lstStyle/>
+          <a:p>
+            <a:r>
+              <a:rPr lang="en-US" altLang="ja-JP" sz="2000">
+                <a:latin typeface="Consolas" panose="020B0609020204030204" pitchFamily="49" charset="0"/>
+              </a:rPr>
+              <a:t>Music</a:t>
+            </a:r>
+            <a:endParaRPr lang="en-US" sz="2000">
+              <a:latin typeface="Consolas" panose="020B0609020204030204" pitchFamily="49" charset="0"/>
+            </a:endParaRPr>
+          </a:p>
+        </p:txBody>
+      </p:sp>
+      <p:pic>
+        <p:nvPicPr>
+          <p:cNvPr id="14" name="Picture 4" descr="ファイルアイコン（画像）">
+            <a:extLst>
+              <a:ext uri="{FF2B5EF4-FFF2-40B4-BE49-F238E27FC236}">
+                <a16:creationId xmlns:a16="http://schemas.microsoft.com/office/drawing/2014/main" id="{EB01D42E-6A6B-46CE-A935-5B0CFC012CED}"/>
+              </a:ext>
+            </a:extLst>
+          </p:cNvPr>
+          <p:cNvPicPr>
+            <a:picLocks noChangeAspect="1" noChangeArrowheads="1"/>
+          </p:cNvPicPr>
+          <p:nvPr/>
+        </p:nvPicPr>
+        <p:blipFill>
+          <a:blip r:embed="rId3" cstate="print">
+            <a:extLst>
+              <a:ext uri="{28A0092B-C50C-407E-A947-70E740481C1C}">
+                <a14:useLocalDpi xmlns:a14="http://schemas.microsoft.com/office/drawing/2010/main" val="0"/>
+              </a:ext>
+            </a:extLst>
+          </a:blip>
+          <a:srcRect/>
+          <a:stretch>
+            <a:fillRect/>
+          </a:stretch>
+        </p:blipFill>
+        <p:spPr bwMode="auto">
+          <a:xfrm>
+            <a:off x="1228081" y="4541058"/>
+            <a:ext cx="552167" cy="641226"/>
+          </a:xfrm>
+          <a:prstGeom prst="rect">
+            <a:avLst/>
+          </a:prstGeom>
+          <a:noFill/>
+          <a:extLst>
+            <a:ext uri="{909E8E84-426E-40DD-AFC4-6F175D3DCCD1}">
+              <a14:hiddenFill xmlns:a14="http://schemas.microsoft.com/office/drawing/2010/main">
+                <a:solidFill>
+                  <a:srgbClr val="FFFFFF"/>
+                </a:solidFill>
+              </a14:hiddenFill>
+            </a:ext>
+          </a:extLst>
+        </p:spPr>
+      </p:pic>
+      <p:sp>
+        <p:nvSpPr>
+          <p:cNvPr id="15" name="テキスト ボックス 14">
+            <a:extLst>
+              <a:ext uri="{FF2B5EF4-FFF2-40B4-BE49-F238E27FC236}">
+                <a16:creationId xmlns:a16="http://schemas.microsoft.com/office/drawing/2014/main" id="{6A676615-6AB3-4ECF-80A5-54D9CC5504AE}"/>
+              </a:ext>
+            </a:extLst>
+          </p:cNvPr>
+          <p:cNvSpPr txBox="1"/>
+          <p:nvPr/>
+        </p:nvSpPr>
+        <p:spPr>
+          <a:xfrm>
+            <a:off x="848991" y="5261138"/>
+            <a:ext cx="1313180" cy="400110"/>
+          </a:xfrm>
+          <a:prstGeom prst="rect">
+            <a:avLst/>
+          </a:prstGeom>
+          <a:noFill/>
+        </p:spPr>
+        <p:txBody>
+          <a:bodyPr wrap="none" rtlCol="0">
+            <a:spAutoFit/>
+          </a:bodyPr>
+          <a:lstStyle/>
+          <a:p>
+            <a:r>
+              <a:rPr lang="en-US" altLang="ja-JP" sz="2000">
+                <a:latin typeface="Consolas" panose="020B0609020204030204" pitchFamily="49" charset="0"/>
+              </a:rPr>
+              <a:t>fig1.png</a:t>
+            </a:r>
+            <a:endParaRPr lang="en-US" sz="2000">
+              <a:latin typeface="Consolas" panose="020B0609020204030204" pitchFamily="49" charset="0"/>
+            </a:endParaRPr>
+          </a:p>
+        </p:txBody>
+      </p:sp>
+      <p:cxnSp>
+        <p:nvCxnSpPr>
+          <p:cNvPr id="16" name="コネクタ: カギ線 15">
+            <a:extLst>
+              <a:ext uri="{FF2B5EF4-FFF2-40B4-BE49-F238E27FC236}">
+                <a16:creationId xmlns:a16="http://schemas.microsoft.com/office/drawing/2014/main" id="{841E80C6-EED9-4BDE-A6E1-4E4F33FF061A}"/>
+              </a:ext>
+            </a:extLst>
+          </p:cNvPr>
+          <p:cNvCxnSpPr>
+            <a:cxnSpLocks/>
+            <a:stCxn id="5" idx="2"/>
+            <a:endCxn id="10" idx="0"/>
+          </p:cNvCxnSpPr>
+          <p:nvPr/>
+        </p:nvCxnSpPr>
+        <p:spPr>
+          <a:xfrm rot="5400000">
+            <a:off x="1645167" y="2929512"/>
+            <a:ext cx="423916" cy="638937"/>
+          </a:xfrm>
+          <a:prstGeom prst="bentConnector3">
+            <a:avLst/>
+          </a:prstGeom>
+          <a:ln>
+            <a:solidFill>
+              <a:schemeClr val="tx1"/>
+            </a:solidFill>
+            <a:headEnd type="none" w="med" len="med"/>
+            <a:tailEnd type="none" w="med" len="med"/>
+          </a:ln>
+        </p:spPr>
+        <p:style>
+          <a:lnRef idx="1">
+            <a:schemeClr val="accent1"/>
+          </a:lnRef>
+          <a:fillRef idx="0">
+            <a:schemeClr val="accent1"/>
+          </a:fillRef>
+          <a:effectRef idx="0">
+            <a:schemeClr val="accent1"/>
+          </a:effectRef>
+          <a:fontRef idx="minor">
+            <a:schemeClr val="tx1"/>
+          </a:fontRef>
+        </p:style>
+      </p:cxnSp>
+      <p:cxnSp>
+        <p:nvCxnSpPr>
+          <p:cNvPr id="17" name="コネクタ: カギ線 16">
+            <a:extLst>
+              <a:ext uri="{FF2B5EF4-FFF2-40B4-BE49-F238E27FC236}">
+                <a16:creationId xmlns:a16="http://schemas.microsoft.com/office/drawing/2014/main" id="{A3DC6917-64B0-462D-B2E3-3F0FA1E34DE9}"/>
+              </a:ext>
+            </a:extLst>
+          </p:cNvPr>
+          <p:cNvCxnSpPr>
+            <a:cxnSpLocks/>
+            <a:stCxn id="5" idx="2"/>
+            <a:endCxn id="12" idx="0"/>
+          </p:cNvCxnSpPr>
+          <p:nvPr/>
+        </p:nvCxnSpPr>
+        <p:spPr>
+          <a:xfrm rot="16200000" flipH="1">
+            <a:off x="2291264" y="2922351"/>
+            <a:ext cx="423916" cy="653258"/>
+          </a:xfrm>
+          <a:prstGeom prst="bentConnector3">
+            <a:avLst/>
+          </a:prstGeom>
+          <a:ln>
+            <a:solidFill>
+              <a:schemeClr val="tx1"/>
+            </a:solidFill>
+            <a:headEnd type="none" w="med" len="med"/>
+            <a:tailEnd type="none" w="med" len="med"/>
+          </a:ln>
+        </p:spPr>
+        <p:style>
+          <a:lnRef idx="1">
+            <a:schemeClr val="accent1"/>
+          </a:lnRef>
+          <a:fillRef idx="0">
+            <a:schemeClr val="accent1"/>
+          </a:fillRef>
+          <a:effectRef idx="0">
+            <a:schemeClr val="accent1"/>
+          </a:effectRef>
+          <a:fontRef idx="minor">
+            <a:schemeClr val="tx1"/>
+          </a:fontRef>
+        </p:style>
+      </p:cxnSp>
+      <p:cxnSp>
+        <p:nvCxnSpPr>
+          <p:cNvPr id="18" name="直線コネクタ 17">
+            <a:extLst>
+              <a:ext uri="{FF2B5EF4-FFF2-40B4-BE49-F238E27FC236}">
+                <a16:creationId xmlns:a16="http://schemas.microsoft.com/office/drawing/2014/main" id="{92C8D8EA-29DD-47BB-9A56-734D0455C4C0}"/>
+              </a:ext>
+            </a:extLst>
+          </p:cNvPr>
+          <p:cNvCxnSpPr>
+            <a:stCxn id="14" idx="0"/>
+            <a:endCxn id="11" idx="2"/>
+          </p:cNvCxnSpPr>
+          <p:nvPr/>
+        </p:nvCxnSpPr>
+        <p:spPr>
+          <a:xfrm flipH="1" flipV="1">
+            <a:off x="1498202" y="4365104"/>
+            <a:ext cx="5963" cy="175954"/>
+          </a:xfrm>
+          <a:prstGeom prst="line">
+            <a:avLst/>
+          </a:prstGeom>
+          <a:ln>
+            <a:solidFill>
+              <a:schemeClr val="tx1"/>
+            </a:solidFill>
+            <a:headEnd type="none" w="med" len="med"/>
+            <a:tailEnd type="none" w="med" len="med"/>
+          </a:ln>
+        </p:spPr>
+        <p:style>
+          <a:lnRef idx="1">
+            <a:schemeClr val="accent1"/>
+          </a:lnRef>
+          <a:fillRef idx="0">
+            <a:schemeClr val="accent1"/>
+          </a:fillRef>
+          <a:effectRef idx="0">
+            <a:schemeClr val="accent1"/>
+          </a:effectRef>
+          <a:fontRef idx="minor">
+            <a:schemeClr val="tx1"/>
+          </a:fontRef>
+        </p:style>
+      </p:cxnSp>
+      <p:sp>
+        <p:nvSpPr>
+          <p:cNvPr id="19" name="四角形: 角を丸くする 18">
+            <a:extLst>
+              <a:ext uri="{FF2B5EF4-FFF2-40B4-BE49-F238E27FC236}">
+                <a16:creationId xmlns:a16="http://schemas.microsoft.com/office/drawing/2014/main" id="{139161DD-A809-4DC3-83DF-148AEE750AAF}"/>
+              </a:ext>
+            </a:extLst>
+          </p:cNvPr>
+          <p:cNvSpPr/>
+          <p:nvPr/>
+        </p:nvSpPr>
+        <p:spPr>
+          <a:xfrm>
+            <a:off x="2349352" y="3429000"/>
+            <a:ext cx="936104" cy="648072"/>
+          </a:xfrm>
+          <a:prstGeom prst="roundRect">
+            <a:avLst/>
+          </a:prstGeom>
+          <a:noFill/>
+          <a:ln w="38100">
+            <a:solidFill>
+              <a:srgbClr val="011893"/>
+            </a:solidFill>
+            <a:prstDash val="sysDash"/>
+          </a:ln>
+        </p:spPr>
+        <p:style>
+          <a:lnRef idx="2">
+            <a:schemeClr val="accent1">
+              <a:shade val="50000"/>
+            </a:schemeClr>
+          </a:lnRef>
+          <a:fillRef idx="1">
+            <a:schemeClr val="accent1"/>
+          </a:fillRef>
+          <a:effectRef idx="0">
+            <a:schemeClr val="accent1"/>
+          </a:effectRef>
+          <a:fontRef idx="minor">
+            <a:schemeClr val="lt1"/>
+          </a:fontRef>
+        </p:style>
+        <p:txBody>
+          <a:bodyPr rtlCol="0" anchor="ctr"/>
+          <a:lstStyle/>
+          <a:p>
+            <a:pPr algn="ctr"/>
+            <a:endParaRPr kumimoji="1" lang="en-US"/>
+          </a:p>
+        </p:txBody>
+      </p:sp>
+      <p:sp>
+        <p:nvSpPr>
+          <p:cNvPr id="20" name="テキスト ボックス 19">
+            <a:extLst>
+              <a:ext uri="{FF2B5EF4-FFF2-40B4-BE49-F238E27FC236}">
+                <a16:creationId xmlns:a16="http://schemas.microsoft.com/office/drawing/2014/main" id="{5133E62D-7D96-4C03-8554-EC24613080F2}"/>
+              </a:ext>
+            </a:extLst>
+          </p:cNvPr>
+          <p:cNvSpPr txBox="1"/>
+          <p:nvPr/>
+        </p:nvSpPr>
+        <p:spPr>
+          <a:xfrm>
+            <a:off x="3357464" y="3501008"/>
+            <a:ext cx="1107996" cy="461665"/>
+          </a:xfrm>
+          <a:prstGeom prst="rect">
+            <a:avLst/>
+          </a:prstGeom>
+          <a:noFill/>
+        </p:spPr>
+        <p:txBody>
+          <a:bodyPr wrap="none" rtlCol="0">
+            <a:spAutoFit/>
+          </a:bodyPr>
+          <a:lstStyle/>
+          <a:p>
+            <a:r>
+              <a:rPr lang="ja-JP" altLang="en-US" sz="1200"/>
+              <a:t>カレント</a:t>
+            </a:r>
+            <a:endParaRPr lang="en-US" altLang="ja-JP" sz="1200"/>
+          </a:p>
+          <a:p>
+            <a:r>
+              <a:rPr lang="ja-JP" altLang="en-US" sz="1200"/>
+              <a:t>ディレクトリ</a:t>
+            </a:r>
+            <a:endParaRPr lang="en-US" sz="1200"/>
+          </a:p>
+        </p:txBody>
+      </p:sp>
+      <p:sp>
+        <p:nvSpPr>
+          <p:cNvPr id="21" name="テキスト ボックス 20">
+            <a:extLst>
+              <a:ext uri="{FF2B5EF4-FFF2-40B4-BE49-F238E27FC236}">
+                <a16:creationId xmlns:a16="http://schemas.microsoft.com/office/drawing/2014/main" id="{F832F424-14AC-4E26-A660-86D67FCC93E4}"/>
+              </a:ext>
+            </a:extLst>
+          </p:cNvPr>
+          <p:cNvSpPr txBox="1"/>
+          <p:nvPr/>
+        </p:nvSpPr>
+        <p:spPr>
+          <a:xfrm>
+            <a:off x="1485256" y="908720"/>
+            <a:ext cx="1107996" cy="461665"/>
+          </a:xfrm>
+          <a:prstGeom prst="rect">
+            <a:avLst/>
+          </a:prstGeom>
+          <a:noFill/>
+        </p:spPr>
+        <p:txBody>
+          <a:bodyPr wrap="none" rtlCol="0">
+            <a:spAutoFit/>
+          </a:bodyPr>
+          <a:lstStyle/>
+          <a:p>
+            <a:r>
+              <a:rPr lang="ja-JP" altLang="en-US" sz="1200"/>
+              <a:t>ルート</a:t>
+            </a:r>
+            <a:endParaRPr lang="en-US" altLang="ja-JP" sz="1200"/>
+          </a:p>
+          <a:p>
+            <a:r>
+              <a:rPr lang="ja-JP" altLang="en-US" sz="1200"/>
+              <a:t>ディレクトリ</a:t>
+            </a:r>
+            <a:endParaRPr lang="en-US" sz="1200"/>
+          </a:p>
+        </p:txBody>
+      </p:sp>
+      <p:sp>
+        <p:nvSpPr>
+          <p:cNvPr id="22" name="四角形: 角を丸くする 21">
+            <a:extLst>
+              <a:ext uri="{FF2B5EF4-FFF2-40B4-BE49-F238E27FC236}">
+                <a16:creationId xmlns:a16="http://schemas.microsoft.com/office/drawing/2014/main" id="{10669B46-CB3E-4E71-ABB0-8C8A272F5158}"/>
+              </a:ext>
+            </a:extLst>
+          </p:cNvPr>
+          <p:cNvSpPr/>
+          <p:nvPr/>
+        </p:nvSpPr>
+        <p:spPr>
+          <a:xfrm>
+            <a:off x="1053208" y="4509120"/>
+            <a:ext cx="936104" cy="720080"/>
+          </a:xfrm>
+          <a:prstGeom prst="roundRect">
+            <a:avLst/>
+          </a:prstGeom>
+          <a:noFill/>
+          <a:ln w="38100">
+            <a:solidFill>
+              <a:srgbClr val="FF0000"/>
+            </a:solidFill>
+            <a:prstDash val="sysDash"/>
+          </a:ln>
+        </p:spPr>
+        <p:style>
+          <a:lnRef idx="2">
+            <a:schemeClr val="accent1">
+              <a:shade val="50000"/>
+            </a:schemeClr>
+          </a:lnRef>
+          <a:fillRef idx="1">
+            <a:schemeClr val="accent1"/>
+          </a:fillRef>
+          <a:effectRef idx="0">
+            <a:schemeClr val="accent1"/>
+          </a:effectRef>
+          <a:fontRef idx="minor">
+            <a:schemeClr val="lt1"/>
+          </a:fontRef>
+        </p:style>
+        <p:txBody>
+          <a:bodyPr rtlCol="0" anchor="ctr"/>
+          <a:lstStyle/>
+          <a:p>
+            <a:pPr algn="ctr"/>
+            <a:endParaRPr kumimoji="1" lang="en-US"/>
+          </a:p>
+        </p:txBody>
+      </p:sp>
+      <p:sp>
+        <p:nvSpPr>
+          <p:cNvPr id="23" name="テキスト ボックス 22">
+            <a:extLst>
+              <a:ext uri="{FF2B5EF4-FFF2-40B4-BE49-F238E27FC236}">
+                <a16:creationId xmlns:a16="http://schemas.microsoft.com/office/drawing/2014/main" id="{59E38A7E-55AC-4E53-9E80-1C0F52D28122}"/>
+              </a:ext>
+            </a:extLst>
+          </p:cNvPr>
+          <p:cNvSpPr txBox="1"/>
+          <p:nvPr/>
+        </p:nvSpPr>
+        <p:spPr>
+          <a:xfrm>
+            <a:off x="251520" y="4653136"/>
+            <a:ext cx="800219" cy="461665"/>
+          </a:xfrm>
+          <a:prstGeom prst="rect">
+            <a:avLst/>
+          </a:prstGeom>
+          <a:noFill/>
+        </p:spPr>
+        <p:txBody>
+          <a:bodyPr wrap="none" rtlCol="0">
+            <a:spAutoFit/>
+          </a:bodyPr>
+          <a:lstStyle/>
+          <a:p>
+            <a:r>
+              <a:rPr lang="ja-JP" altLang="en-US" sz="1200"/>
+              <a:t>目的の</a:t>
+            </a:r>
+            <a:endParaRPr lang="en-US" altLang="ja-JP" sz="1200"/>
+          </a:p>
+          <a:p>
+            <a:r>
+              <a:rPr lang="ja-JP" altLang="en-US" sz="1200"/>
+              <a:t>ファイル</a:t>
+            </a:r>
+            <a:endParaRPr lang="en-US" sz="1200"/>
+          </a:p>
+        </p:txBody>
+      </p:sp>
+      <p:sp>
+        <p:nvSpPr>
+          <p:cNvPr id="24" name="テキスト ボックス 23">
+            <a:extLst>
+              <a:ext uri="{FF2B5EF4-FFF2-40B4-BE49-F238E27FC236}">
+                <a16:creationId xmlns:a16="http://schemas.microsoft.com/office/drawing/2014/main" id="{73C61BD4-B1E9-4FBB-AF6A-E47A94868EB6}"/>
+              </a:ext>
+            </a:extLst>
+          </p:cNvPr>
+          <p:cNvSpPr txBox="1"/>
+          <p:nvPr/>
+        </p:nvSpPr>
+        <p:spPr>
+          <a:xfrm>
+            <a:off x="5085656" y="4581128"/>
+            <a:ext cx="3930884" cy="523220"/>
+          </a:xfrm>
+          <a:prstGeom prst="rect">
+            <a:avLst/>
+          </a:prstGeom>
+          <a:noFill/>
+          <a:ln>
+            <a:solidFill>
+              <a:schemeClr val="tx1"/>
+            </a:solidFill>
+          </a:ln>
+        </p:spPr>
+        <p:txBody>
+          <a:bodyPr wrap="none" rtlCol="0">
+            <a:spAutoFit/>
+          </a:bodyPr>
+          <a:lstStyle/>
+          <a:p>
+            <a:r>
+              <a:rPr lang="en-US" sz="2800">
+                <a:latin typeface="Consolas" panose="020B0609020204030204" pitchFamily="49" charset="0"/>
+              </a:rPr>
+              <a:t>c/Data/Fig/fig1.png</a:t>
+            </a:r>
+          </a:p>
+        </p:txBody>
+      </p:sp>
+      <p:sp>
+        <p:nvSpPr>
+          <p:cNvPr id="25" name="テキスト ボックス 24">
+            <a:extLst>
+              <a:ext uri="{FF2B5EF4-FFF2-40B4-BE49-F238E27FC236}">
+                <a16:creationId xmlns:a16="http://schemas.microsoft.com/office/drawing/2014/main" id="{BD25392A-6411-4299-BC4C-D44EF3486E82}"/>
+              </a:ext>
+            </a:extLst>
+          </p:cNvPr>
+          <p:cNvSpPr txBox="1"/>
+          <p:nvPr/>
+        </p:nvSpPr>
+        <p:spPr>
+          <a:xfrm>
+            <a:off x="5085656" y="5373216"/>
+            <a:ext cx="3142207" cy="523220"/>
+          </a:xfrm>
+          <a:prstGeom prst="rect">
+            <a:avLst/>
+          </a:prstGeom>
+          <a:noFill/>
+          <a:ln>
+            <a:solidFill>
+              <a:schemeClr val="tx1"/>
+            </a:solidFill>
+          </a:ln>
+        </p:spPr>
+        <p:txBody>
+          <a:bodyPr wrap="none" rtlCol="0">
+            <a:spAutoFit/>
+          </a:bodyPr>
+          <a:lstStyle/>
+          <a:p>
+            <a:r>
+              <a:rPr lang="en-US" sz="2800">
+                <a:solidFill>
+                  <a:srgbClr val="FF0000"/>
+                </a:solidFill>
+                <a:latin typeface="Consolas" panose="020B0609020204030204" pitchFamily="49" charset="0"/>
+              </a:rPr>
+              <a:t>..</a:t>
+            </a:r>
+            <a:r>
+              <a:rPr lang="en-US" sz="2800">
+                <a:latin typeface="Consolas" panose="020B0609020204030204" pitchFamily="49" charset="0"/>
+              </a:rPr>
+              <a:t>/Fig/fig1.png</a:t>
+            </a:r>
+          </a:p>
+        </p:txBody>
+      </p:sp>
+      <p:sp>
+        <p:nvSpPr>
+          <p:cNvPr id="26" name="テキスト ボックス 25">
+            <a:extLst>
+              <a:ext uri="{FF2B5EF4-FFF2-40B4-BE49-F238E27FC236}">
+                <a16:creationId xmlns:a16="http://schemas.microsoft.com/office/drawing/2014/main" id="{08F6128B-7478-4E9B-AB37-3B759DD97801}"/>
+              </a:ext>
+            </a:extLst>
+          </p:cNvPr>
+          <p:cNvSpPr txBox="1"/>
+          <p:nvPr/>
+        </p:nvSpPr>
+        <p:spPr>
+          <a:xfrm>
+            <a:off x="3392691" y="4581128"/>
+            <a:ext cx="1620957" cy="523220"/>
+          </a:xfrm>
+          <a:prstGeom prst="rect">
+            <a:avLst/>
+          </a:prstGeom>
+          <a:noFill/>
+        </p:spPr>
+        <p:txBody>
+          <a:bodyPr wrap="none" rtlCol="0">
+            <a:spAutoFit/>
+          </a:bodyPr>
+          <a:lstStyle/>
+          <a:p>
+            <a:r>
+              <a:rPr lang="ja-JP" altLang="en-US" sz="2800"/>
+              <a:t>絶対パス</a:t>
+            </a:r>
+            <a:endParaRPr lang="en-US" sz="2800"/>
+          </a:p>
+        </p:txBody>
+      </p:sp>
+      <p:sp>
+        <p:nvSpPr>
+          <p:cNvPr id="27" name="テキスト ボックス 26">
+            <a:extLst>
+              <a:ext uri="{FF2B5EF4-FFF2-40B4-BE49-F238E27FC236}">
+                <a16:creationId xmlns:a16="http://schemas.microsoft.com/office/drawing/2014/main" id="{5D497C3B-9A8F-40A2-AB4E-F87A0200A512}"/>
+              </a:ext>
+            </a:extLst>
+          </p:cNvPr>
+          <p:cNvSpPr txBox="1"/>
+          <p:nvPr/>
+        </p:nvSpPr>
+        <p:spPr>
+          <a:xfrm>
+            <a:off x="3357464" y="5373216"/>
+            <a:ext cx="1620957" cy="523220"/>
+          </a:xfrm>
+          <a:prstGeom prst="rect">
+            <a:avLst/>
+          </a:prstGeom>
+          <a:noFill/>
+        </p:spPr>
+        <p:txBody>
+          <a:bodyPr wrap="none" rtlCol="0">
+            <a:spAutoFit/>
+          </a:bodyPr>
+          <a:lstStyle/>
+          <a:p>
+            <a:r>
+              <a:rPr lang="ja-JP" altLang="en-US" sz="2800"/>
+              <a:t>相対パス</a:t>
+            </a:r>
+            <a:endParaRPr lang="en-US" sz="2800"/>
+          </a:p>
+        </p:txBody>
+      </p:sp>
+    </p:spTree>
+    <p:extLst>
+      <p:ext uri="{BB962C8B-B14F-4D97-AF65-F5344CB8AC3E}">
+        <p14:creationId xmlns:p14="http://schemas.microsoft.com/office/powerpoint/2010/main" val="1097486416"/>
+      </p:ext>
+    </p:extLst>
+  </p:cSld>
+  <p:clrMapOvr>
+    <a:masterClrMapping/>
+  </p:clrMapOvr>
+</p:sld>
+</file>
+
+<file path=ppt/slides/slide7.xml><?xml version="1.0" encoding="utf-8"?>
+<p:sld xmlns:a="http://schemas.openxmlformats.org/drawingml/2006/main" xmlns:r="http://schemas.openxmlformats.org/officeDocument/2006/relationships" xmlns:p="http://schemas.openxmlformats.org/presentationml/2006/main">
+  <p:cSld>
+    <p:spTree>
+      <p:nvGrpSpPr>
+        <p:cNvPr id="1" name=""/>
+        <p:cNvGrpSpPr/>
+        <p:nvPr/>
+      </p:nvGrpSpPr>
+      <p:grpSpPr>
+        <a:xfrm>
+          <a:off x="0" y="0"/>
+          <a:ext cx="0" cy="0"/>
+          <a:chOff x="0" y="0"/>
+          <a:chExt cx="0" cy="0"/>
+        </a:xfrm>
+      </p:grpSpPr>
+      <p:pic>
+        <p:nvPicPr>
+          <p:cNvPr id="2" name="Picture 2" descr="フォルダのイラスト">
+            <a:extLst>
+              <a:ext uri="{FF2B5EF4-FFF2-40B4-BE49-F238E27FC236}">
+                <a16:creationId xmlns:a16="http://schemas.microsoft.com/office/drawing/2014/main" id="{D7EEAEA2-049D-4B78-842C-13552E0E4897}"/>
+              </a:ext>
+            </a:extLst>
+          </p:cNvPr>
+          <p:cNvPicPr>
+            <a:picLocks noChangeAspect="1" noChangeArrowheads="1"/>
+          </p:cNvPicPr>
+          <p:nvPr/>
+        </p:nvPicPr>
+        <p:blipFill>
+          <a:blip r:embed="rId2" cstate="print">
+            <a:extLst>
+              <a:ext uri="{28A0092B-C50C-407E-A947-70E740481C1C}">
+                <a14:useLocalDpi xmlns:a14="http://schemas.microsoft.com/office/drawing/2010/main" val="0"/>
+              </a:ext>
+            </a:extLst>
+          </a:blip>
+          <a:srcRect/>
+          <a:stretch>
+            <a:fillRect/>
+          </a:stretch>
+        </p:blipFill>
+        <p:spPr bwMode="auto">
+          <a:xfrm>
+            <a:off x="294663" y="2636912"/>
+            <a:ext cx="764145" cy="639971"/>
+          </a:xfrm>
+          <a:prstGeom prst="rect">
+            <a:avLst/>
+          </a:prstGeom>
+          <a:noFill/>
+          <a:extLst>
+            <a:ext uri="{909E8E84-426E-40DD-AFC4-6F175D3DCCD1}">
+              <a14:hiddenFill xmlns:a14="http://schemas.microsoft.com/office/drawing/2010/main">
+                <a:solidFill>
+                  <a:srgbClr val="FFFFFF"/>
+                </a:solidFill>
+              </a14:hiddenFill>
+            </a:ext>
+          </a:extLst>
+        </p:spPr>
+      </p:pic>
+      <p:sp>
+        <p:nvSpPr>
+          <p:cNvPr id="3" name="テキスト ボックス 2">
+            <a:extLst>
+              <a:ext uri="{FF2B5EF4-FFF2-40B4-BE49-F238E27FC236}">
+                <a16:creationId xmlns:a16="http://schemas.microsoft.com/office/drawing/2014/main" id="{0BF906F6-27FD-46D2-B65F-EE0EE102C52C}"/>
+              </a:ext>
+            </a:extLst>
+          </p:cNvPr>
+          <p:cNvSpPr txBox="1"/>
+          <p:nvPr/>
+        </p:nvSpPr>
+        <p:spPr>
+          <a:xfrm>
+            <a:off x="323528" y="2780928"/>
+            <a:ext cx="691215" cy="369332"/>
+          </a:xfrm>
+          <a:prstGeom prst="rect">
+            <a:avLst/>
+          </a:prstGeom>
+          <a:noFill/>
+        </p:spPr>
+        <p:txBody>
+          <a:bodyPr wrap="none" rtlCol="0">
+            <a:spAutoFit/>
+          </a:bodyPr>
+          <a:lstStyle/>
+          <a:p>
+            <a:r>
+              <a:rPr lang="en-US" altLang="ja-JP" dirty="0">
+                <a:solidFill>
+                  <a:schemeClr val="bg1"/>
+                </a:solidFill>
+                <a:latin typeface="Consolas" panose="020B0609020204030204" pitchFamily="49" charset="0"/>
+              </a:rPr>
+              <a:t>temp</a:t>
+            </a:r>
+            <a:endParaRPr kumimoji="1" lang="ja-JP" altLang="en-US" dirty="0">
+              <a:solidFill>
+                <a:schemeClr val="bg1"/>
+              </a:solidFill>
+              <a:latin typeface="Consolas" panose="020B0609020204030204" pitchFamily="49" charset="0"/>
+            </a:endParaRPr>
+          </a:p>
+        </p:txBody>
+      </p:sp>
+      <p:pic>
+        <p:nvPicPr>
+          <p:cNvPr id="4" name="Picture 2" descr="フォルダのイラスト">
+            <a:extLst>
+              <a:ext uri="{FF2B5EF4-FFF2-40B4-BE49-F238E27FC236}">
+                <a16:creationId xmlns:a16="http://schemas.microsoft.com/office/drawing/2014/main" id="{419BEB2B-B014-4EBF-B9F9-AF9A69DDE845}"/>
+              </a:ext>
+            </a:extLst>
+          </p:cNvPr>
+          <p:cNvPicPr>
+            <a:picLocks noChangeAspect="1" noChangeArrowheads="1"/>
+          </p:cNvPicPr>
+          <p:nvPr/>
+        </p:nvPicPr>
+        <p:blipFill>
+          <a:blip r:embed="rId2" cstate="print">
+            <a:extLst>
+              <a:ext uri="{28A0092B-C50C-407E-A947-70E740481C1C}">
+                <a14:useLocalDpi xmlns:a14="http://schemas.microsoft.com/office/drawing/2010/main" val="0"/>
+              </a:ext>
+            </a:extLst>
+          </a:blip>
+          <a:srcRect/>
+          <a:stretch>
+            <a:fillRect/>
+          </a:stretch>
+        </p:blipFill>
+        <p:spPr bwMode="auto">
+          <a:xfrm>
+            <a:off x="294663" y="3573016"/>
+            <a:ext cx="764145" cy="639971"/>
+          </a:xfrm>
+          <a:prstGeom prst="rect">
+            <a:avLst/>
+          </a:prstGeom>
+          <a:noFill/>
+          <a:extLst>
+            <a:ext uri="{909E8E84-426E-40DD-AFC4-6F175D3DCCD1}">
+              <a14:hiddenFill xmlns:a14="http://schemas.microsoft.com/office/drawing/2010/main">
+                <a:solidFill>
+                  <a:srgbClr val="FFFFFF"/>
+                </a:solidFill>
+              </a14:hiddenFill>
+            </a:ext>
+          </a:extLst>
+        </p:spPr>
+      </p:pic>
+      <p:sp>
+        <p:nvSpPr>
+          <p:cNvPr id="5" name="テキスト ボックス 4">
+            <a:extLst>
+              <a:ext uri="{FF2B5EF4-FFF2-40B4-BE49-F238E27FC236}">
+                <a16:creationId xmlns:a16="http://schemas.microsoft.com/office/drawing/2014/main" id="{A37A3A0E-AA0F-4137-A01E-017A88CE8723}"/>
+              </a:ext>
+            </a:extLst>
+          </p:cNvPr>
+          <p:cNvSpPr txBox="1"/>
+          <p:nvPr/>
+        </p:nvSpPr>
+        <p:spPr>
+          <a:xfrm>
+            <a:off x="323528" y="3717032"/>
+            <a:ext cx="691215" cy="369332"/>
+          </a:xfrm>
+          <a:prstGeom prst="rect">
+            <a:avLst/>
+          </a:prstGeom>
+          <a:noFill/>
+        </p:spPr>
+        <p:txBody>
+          <a:bodyPr wrap="none" rtlCol="0">
+            <a:spAutoFit/>
+          </a:bodyPr>
+          <a:lstStyle/>
+          <a:p>
+            <a:r>
+              <a:rPr kumimoji="1" lang="en-US" altLang="ja-JP">
+                <a:solidFill>
+                  <a:schemeClr val="bg1"/>
+                </a:solidFill>
+                <a:latin typeface="Consolas" panose="020B0609020204030204" pitchFamily="49" charset="0"/>
+              </a:rPr>
+              <a:t>dir1</a:t>
+            </a:r>
+            <a:endParaRPr kumimoji="1" lang="ja-JP" altLang="en-US" dirty="0">
+              <a:solidFill>
+                <a:schemeClr val="bg1"/>
+              </a:solidFill>
+              <a:latin typeface="Consolas" panose="020B0609020204030204" pitchFamily="49" charset="0"/>
+            </a:endParaRPr>
+          </a:p>
+        </p:txBody>
+      </p:sp>
+      <p:pic>
+        <p:nvPicPr>
+          <p:cNvPr id="6" name="Picture 2" descr="フォルダのイラスト">
+            <a:extLst>
+              <a:ext uri="{FF2B5EF4-FFF2-40B4-BE49-F238E27FC236}">
+                <a16:creationId xmlns:a16="http://schemas.microsoft.com/office/drawing/2014/main" id="{1D56687F-947D-4CCB-893B-55536EF79D74}"/>
+              </a:ext>
+            </a:extLst>
+          </p:cNvPr>
+          <p:cNvPicPr>
+            <a:picLocks noChangeAspect="1" noChangeArrowheads="1"/>
+          </p:cNvPicPr>
+          <p:nvPr/>
+        </p:nvPicPr>
+        <p:blipFill>
+          <a:blip r:embed="rId2" cstate="print">
+            <a:extLst>
+              <a:ext uri="{28A0092B-C50C-407E-A947-70E740481C1C}">
+                <a14:useLocalDpi xmlns:a14="http://schemas.microsoft.com/office/drawing/2010/main" val="0"/>
+              </a:ext>
+            </a:extLst>
+          </a:blip>
+          <a:srcRect/>
+          <a:stretch>
+            <a:fillRect/>
+          </a:stretch>
+        </p:blipFill>
+        <p:spPr bwMode="auto">
+          <a:xfrm>
+            <a:off x="1259632" y="3573016"/>
+            <a:ext cx="764145" cy="639971"/>
+          </a:xfrm>
+          <a:prstGeom prst="rect">
+            <a:avLst/>
+          </a:prstGeom>
+          <a:noFill/>
+          <a:extLst>
+            <a:ext uri="{909E8E84-426E-40DD-AFC4-6F175D3DCCD1}">
+              <a14:hiddenFill xmlns:a14="http://schemas.microsoft.com/office/drawing/2010/main">
+                <a:solidFill>
+                  <a:srgbClr val="FFFFFF"/>
+                </a:solidFill>
+              </a14:hiddenFill>
+            </a:ext>
+          </a:extLst>
+        </p:spPr>
+      </p:pic>
+      <p:sp>
+        <p:nvSpPr>
+          <p:cNvPr id="7" name="テキスト ボックス 6">
+            <a:extLst>
+              <a:ext uri="{FF2B5EF4-FFF2-40B4-BE49-F238E27FC236}">
+                <a16:creationId xmlns:a16="http://schemas.microsoft.com/office/drawing/2014/main" id="{5B96721C-7959-40F5-AB0D-5CCBE18BFEEA}"/>
+              </a:ext>
+            </a:extLst>
+          </p:cNvPr>
+          <p:cNvSpPr txBox="1"/>
+          <p:nvPr/>
+        </p:nvSpPr>
+        <p:spPr>
+          <a:xfrm>
+            <a:off x="1288497" y="3717032"/>
+            <a:ext cx="691215" cy="369332"/>
+          </a:xfrm>
+          <a:prstGeom prst="rect">
+            <a:avLst/>
+          </a:prstGeom>
+          <a:noFill/>
+        </p:spPr>
+        <p:txBody>
+          <a:bodyPr wrap="none" rtlCol="0">
+            <a:spAutoFit/>
+          </a:bodyPr>
+          <a:lstStyle/>
+          <a:p>
+            <a:r>
+              <a:rPr kumimoji="1" lang="en-US" altLang="ja-JP">
+                <a:solidFill>
+                  <a:schemeClr val="bg1"/>
+                </a:solidFill>
+                <a:latin typeface="Consolas" panose="020B0609020204030204" pitchFamily="49" charset="0"/>
+              </a:rPr>
+              <a:t>dir2</a:t>
+            </a:r>
+            <a:endParaRPr kumimoji="1" lang="ja-JP" altLang="en-US" dirty="0">
+              <a:solidFill>
+                <a:schemeClr val="bg1"/>
+              </a:solidFill>
+              <a:latin typeface="Consolas" panose="020B0609020204030204" pitchFamily="49" charset="0"/>
+            </a:endParaRPr>
+          </a:p>
+        </p:txBody>
+      </p:sp>
+      <p:pic>
+        <p:nvPicPr>
+          <p:cNvPr id="8" name="Picture 2" descr="ファイルアイコン（ブランク）">
+            <a:extLst>
+              <a:ext uri="{FF2B5EF4-FFF2-40B4-BE49-F238E27FC236}">
+                <a16:creationId xmlns:a16="http://schemas.microsoft.com/office/drawing/2014/main" id="{78F121E4-4D55-4D30-B2D0-B00E01C658D8}"/>
+              </a:ext>
+            </a:extLst>
+          </p:cNvPr>
+          <p:cNvPicPr>
+            <a:picLocks noChangeAspect="1" noChangeArrowheads="1"/>
+          </p:cNvPicPr>
+          <p:nvPr/>
+        </p:nvPicPr>
+        <p:blipFill>
+          <a:blip r:embed="rId3" cstate="print">
+            <a:extLst>
+              <a:ext uri="{28A0092B-C50C-407E-A947-70E740481C1C}">
+                <a14:useLocalDpi xmlns:a14="http://schemas.microsoft.com/office/drawing/2010/main" val="0"/>
+              </a:ext>
+            </a:extLst>
+          </a:blip>
+          <a:srcRect/>
+          <a:stretch>
+            <a:fillRect/>
+          </a:stretch>
+        </p:blipFill>
+        <p:spPr bwMode="auto">
+          <a:xfrm>
+            <a:off x="2267744" y="3573016"/>
+            <a:ext cx="558061" cy="648072"/>
+          </a:xfrm>
+          <a:prstGeom prst="rect">
+            <a:avLst/>
+          </a:prstGeom>
+          <a:noFill/>
+          <a:extLst>
+            <a:ext uri="{909E8E84-426E-40DD-AFC4-6F175D3DCCD1}">
+              <a14:hiddenFill xmlns:a14="http://schemas.microsoft.com/office/drawing/2010/main">
+                <a:solidFill>
+                  <a:srgbClr val="FFFFFF"/>
+                </a:solidFill>
+              </a14:hiddenFill>
+            </a:ext>
+          </a:extLst>
+        </p:spPr>
+      </p:pic>
+      <p:sp>
+        <p:nvSpPr>
+          <p:cNvPr id="9" name="テキスト ボックス 8">
+            <a:extLst>
+              <a:ext uri="{FF2B5EF4-FFF2-40B4-BE49-F238E27FC236}">
+                <a16:creationId xmlns:a16="http://schemas.microsoft.com/office/drawing/2014/main" id="{8FF09EBB-09D6-4F05-94BC-DD973A5DEB8D}"/>
+              </a:ext>
+            </a:extLst>
+          </p:cNvPr>
+          <p:cNvSpPr txBox="1"/>
+          <p:nvPr/>
+        </p:nvSpPr>
+        <p:spPr>
+          <a:xfrm>
+            <a:off x="2051720" y="4149080"/>
+            <a:ext cx="1115616" cy="307777"/>
+          </a:xfrm>
+          <a:prstGeom prst="rect">
+            <a:avLst/>
+          </a:prstGeom>
+          <a:noFill/>
+        </p:spPr>
+        <p:txBody>
+          <a:bodyPr wrap="square">
+            <a:spAutoFit/>
+          </a:bodyPr>
+          <a:lstStyle/>
+          <a:p>
+            <a:r>
+              <a:rPr lang="en-US" altLang="ja-JP" sz="1400">
+                <a:latin typeface="Consolas" panose="020B0609020204030204" pitchFamily="49" charset="0"/>
+              </a:rPr>
+              <a:t>file1.txt</a:t>
+            </a:r>
+            <a:endParaRPr kumimoji="1" lang="ja-JP" altLang="en-US" sz="1400" dirty="0">
+              <a:latin typeface="Consolas" panose="020B0609020204030204" pitchFamily="49" charset="0"/>
+            </a:endParaRPr>
+          </a:p>
+        </p:txBody>
+      </p:sp>
+      <p:pic>
+        <p:nvPicPr>
+          <p:cNvPr id="10" name="Picture 2" descr="ファイルアイコン（ブランク）">
+            <a:extLst>
+              <a:ext uri="{FF2B5EF4-FFF2-40B4-BE49-F238E27FC236}">
+                <a16:creationId xmlns:a16="http://schemas.microsoft.com/office/drawing/2014/main" id="{AB949FBD-F224-4E38-A4B3-DC9A835A7B4C}"/>
+              </a:ext>
+            </a:extLst>
+          </p:cNvPr>
+          <p:cNvPicPr>
+            <a:picLocks noChangeAspect="1" noChangeArrowheads="1"/>
+          </p:cNvPicPr>
+          <p:nvPr/>
+        </p:nvPicPr>
+        <p:blipFill>
+          <a:blip r:embed="rId3" cstate="print">
+            <a:extLst>
+              <a:ext uri="{28A0092B-C50C-407E-A947-70E740481C1C}">
+                <a14:useLocalDpi xmlns:a14="http://schemas.microsoft.com/office/drawing/2010/main" val="0"/>
+              </a:ext>
+            </a:extLst>
+          </a:blip>
+          <a:srcRect/>
+          <a:stretch>
+            <a:fillRect/>
+          </a:stretch>
+        </p:blipFill>
+        <p:spPr bwMode="auto">
+          <a:xfrm>
+            <a:off x="3275856" y="3573016"/>
+            <a:ext cx="558061" cy="648072"/>
+          </a:xfrm>
+          <a:prstGeom prst="rect">
+            <a:avLst/>
+          </a:prstGeom>
+          <a:noFill/>
+          <a:extLst>
+            <a:ext uri="{909E8E84-426E-40DD-AFC4-6F175D3DCCD1}">
+              <a14:hiddenFill xmlns:a14="http://schemas.microsoft.com/office/drawing/2010/main">
+                <a:solidFill>
+                  <a:srgbClr val="FFFFFF"/>
+                </a:solidFill>
+              </a14:hiddenFill>
+            </a:ext>
+          </a:extLst>
+        </p:spPr>
+      </p:pic>
+      <p:sp>
+        <p:nvSpPr>
+          <p:cNvPr id="11" name="テキスト ボックス 10">
+            <a:extLst>
+              <a:ext uri="{FF2B5EF4-FFF2-40B4-BE49-F238E27FC236}">
+                <a16:creationId xmlns:a16="http://schemas.microsoft.com/office/drawing/2014/main" id="{98E3D2B9-F80D-414A-8D7D-AF5B4EADB1E5}"/>
+              </a:ext>
+            </a:extLst>
+          </p:cNvPr>
+          <p:cNvSpPr txBox="1"/>
+          <p:nvPr/>
+        </p:nvSpPr>
+        <p:spPr>
+          <a:xfrm>
+            <a:off x="3059832" y="4149080"/>
+            <a:ext cx="1115616" cy="307777"/>
+          </a:xfrm>
+          <a:prstGeom prst="rect">
+            <a:avLst/>
+          </a:prstGeom>
+          <a:noFill/>
+        </p:spPr>
+        <p:txBody>
+          <a:bodyPr wrap="square">
+            <a:spAutoFit/>
+          </a:bodyPr>
+          <a:lstStyle/>
+          <a:p>
+            <a:r>
+              <a:rPr lang="en-US" altLang="ja-JP" sz="1400">
+                <a:latin typeface="Consolas" panose="020B0609020204030204" pitchFamily="49" charset="0"/>
+              </a:rPr>
+              <a:t>file2.txt</a:t>
+            </a:r>
+            <a:endParaRPr kumimoji="1" lang="ja-JP" altLang="en-US" sz="1400" dirty="0">
+              <a:latin typeface="Consolas" panose="020B0609020204030204" pitchFamily="49" charset="0"/>
+            </a:endParaRPr>
+          </a:p>
+        </p:txBody>
+      </p:sp>
+      <p:pic>
+        <p:nvPicPr>
+          <p:cNvPr id="12" name="Picture 2" descr="ファイルアイコン（ブランク）">
+            <a:extLst>
+              <a:ext uri="{FF2B5EF4-FFF2-40B4-BE49-F238E27FC236}">
+                <a16:creationId xmlns:a16="http://schemas.microsoft.com/office/drawing/2014/main" id="{C08A0C95-574D-46B0-8170-93603C7DD859}"/>
+              </a:ext>
+            </a:extLst>
+          </p:cNvPr>
+          <p:cNvPicPr>
+            <a:picLocks noChangeAspect="1" noChangeArrowheads="1"/>
+          </p:cNvPicPr>
+          <p:nvPr/>
+        </p:nvPicPr>
+        <p:blipFill>
+          <a:blip r:embed="rId3" cstate="print">
+            <a:extLst>
+              <a:ext uri="{28A0092B-C50C-407E-A947-70E740481C1C}">
+                <a14:useLocalDpi xmlns:a14="http://schemas.microsoft.com/office/drawing/2010/main" val="0"/>
+              </a:ext>
+            </a:extLst>
+          </a:blip>
+          <a:srcRect/>
+          <a:stretch>
+            <a:fillRect/>
+          </a:stretch>
+        </p:blipFill>
+        <p:spPr bwMode="auto">
+          <a:xfrm>
+            <a:off x="395536" y="4581128"/>
+            <a:ext cx="558061" cy="648072"/>
+          </a:xfrm>
+          <a:prstGeom prst="rect">
+            <a:avLst/>
+          </a:prstGeom>
+          <a:noFill/>
+          <a:extLst>
+            <a:ext uri="{909E8E84-426E-40DD-AFC4-6F175D3DCCD1}">
+              <a14:hiddenFill xmlns:a14="http://schemas.microsoft.com/office/drawing/2010/main">
+                <a:solidFill>
+                  <a:srgbClr val="FFFFFF"/>
+                </a:solidFill>
+              </a14:hiddenFill>
+            </a:ext>
+          </a:extLst>
+        </p:spPr>
+      </p:pic>
+      <p:sp>
+        <p:nvSpPr>
+          <p:cNvPr id="13" name="テキスト ボックス 12">
+            <a:extLst>
+              <a:ext uri="{FF2B5EF4-FFF2-40B4-BE49-F238E27FC236}">
+                <a16:creationId xmlns:a16="http://schemas.microsoft.com/office/drawing/2014/main" id="{8C084E1C-5F9F-40B6-912B-D052757A7B16}"/>
+              </a:ext>
+            </a:extLst>
+          </p:cNvPr>
+          <p:cNvSpPr txBox="1"/>
+          <p:nvPr/>
+        </p:nvSpPr>
+        <p:spPr>
+          <a:xfrm>
+            <a:off x="214561" y="5206032"/>
+            <a:ext cx="1115616" cy="307777"/>
+          </a:xfrm>
+          <a:prstGeom prst="rect">
+            <a:avLst/>
+          </a:prstGeom>
+          <a:noFill/>
+        </p:spPr>
+        <p:txBody>
+          <a:bodyPr wrap="square">
+            <a:spAutoFit/>
+          </a:bodyPr>
+          <a:lstStyle/>
+          <a:p>
+            <a:r>
+              <a:rPr lang="en-US" altLang="ja-JP" sz="1400">
+                <a:latin typeface="Consolas" panose="020B0609020204030204" pitchFamily="49" charset="0"/>
+              </a:rPr>
+              <a:t>file3.txt</a:t>
+            </a:r>
+            <a:endParaRPr kumimoji="1" lang="ja-JP" altLang="en-US" sz="1400" dirty="0">
+              <a:latin typeface="Consolas" panose="020B0609020204030204" pitchFamily="49" charset="0"/>
+            </a:endParaRPr>
+          </a:p>
+        </p:txBody>
+      </p:sp>
+      <p:cxnSp>
+        <p:nvCxnSpPr>
+          <p:cNvPr id="14" name="コネクタ: カギ線 13">
+            <a:extLst>
+              <a:ext uri="{FF2B5EF4-FFF2-40B4-BE49-F238E27FC236}">
+                <a16:creationId xmlns:a16="http://schemas.microsoft.com/office/drawing/2014/main" id="{466F770A-7333-47CA-9D90-802E42EEDC8E}"/>
+              </a:ext>
+            </a:extLst>
+          </p:cNvPr>
+          <p:cNvCxnSpPr>
+            <a:cxnSpLocks/>
+            <a:stCxn id="2" idx="2"/>
+            <a:endCxn id="6" idx="0"/>
+          </p:cNvCxnSpPr>
+          <p:nvPr/>
+        </p:nvCxnSpPr>
+        <p:spPr>
+          <a:xfrm rot="16200000" flipH="1">
+            <a:off x="1011154" y="2942464"/>
+            <a:ext cx="296133" cy="964969"/>
+          </a:xfrm>
+          <a:prstGeom prst="bentConnector3">
+            <a:avLst/>
+          </a:prstGeom>
+          <a:ln w="12700">
+            <a:solidFill>
+              <a:schemeClr val="tx1"/>
+            </a:solidFill>
+          </a:ln>
+        </p:spPr>
+        <p:style>
+          <a:lnRef idx="1">
+            <a:schemeClr val="accent1"/>
+          </a:lnRef>
+          <a:fillRef idx="0">
+            <a:schemeClr val="accent1"/>
+          </a:fillRef>
+          <a:effectRef idx="0">
+            <a:schemeClr val="accent1"/>
+          </a:effectRef>
+          <a:fontRef idx="minor">
+            <a:schemeClr val="tx1"/>
+          </a:fontRef>
+        </p:style>
+      </p:cxnSp>
+      <p:cxnSp>
+        <p:nvCxnSpPr>
+          <p:cNvPr id="15" name="コネクタ: カギ線 14">
+            <a:extLst>
+              <a:ext uri="{FF2B5EF4-FFF2-40B4-BE49-F238E27FC236}">
+                <a16:creationId xmlns:a16="http://schemas.microsoft.com/office/drawing/2014/main" id="{AE0F92D3-F55D-410F-A23A-30C1C2DE1A24}"/>
+              </a:ext>
+            </a:extLst>
+          </p:cNvPr>
+          <p:cNvCxnSpPr>
+            <a:cxnSpLocks/>
+            <a:stCxn id="2" idx="2"/>
+            <a:endCxn id="8" idx="0"/>
+          </p:cNvCxnSpPr>
+          <p:nvPr/>
+        </p:nvCxnSpPr>
+        <p:spPr>
+          <a:xfrm rot="16200000" flipH="1">
+            <a:off x="1463689" y="2489929"/>
+            <a:ext cx="296133" cy="1870039"/>
+          </a:xfrm>
+          <a:prstGeom prst="bentConnector3">
+            <a:avLst/>
+          </a:prstGeom>
+          <a:ln w="12700">
+            <a:solidFill>
+              <a:schemeClr val="tx1"/>
+            </a:solidFill>
+          </a:ln>
+        </p:spPr>
+        <p:style>
+          <a:lnRef idx="1">
+            <a:schemeClr val="accent1"/>
+          </a:lnRef>
+          <a:fillRef idx="0">
+            <a:schemeClr val="accent1"/>
+          </a:fillRef>
+          <a:effectRef idx="0">
+            <a:schemeClr val="accent1"/>
+          </a:effectRef>
+          <a:fontRef idx="minor">
+            <a:schemeClr val="tx1"/>
+          </a:fontRef>
+        </p:style>
+      </p:cxnSp>
+      <p:cxnSp>
+        <p:nvCxnSpPr>
+          <p:cNvPr id="16" name="コネクタ: カギ線 15">
+            <a:extLst>
+              <a:ext uri="{FF2B5EF4-FFF2-40B4-BE49-F238E27FC236}">
+                <a16:creationId xmlns:a16="http://schemas.microsoft.com/office/drawing/2014/main" id="{355CDED7-9365-4C47-AE35-9F7D0AF092FF}"/>
+              </a:ext>
+            </a:extLst>
+          </p:cNvPr>
+          <p:cNvCxnSpPr>
+            <a:cxnSpLocks/>
+            <a:stCxn id="2" idx="2"/>
+            <a:endCxn id="10" idx="0"/>
+          </p:cNvCxnSpPr>
+          <p:nvPr/>
+        </p:nvCxnSpPr>
+        <p:spPr>
+          <a:xfrm rot="16200000" flipH="1">
+            <a:off x="1967745" y="1985873"/>
+            <a:ext cx="296133" cy="2878151"/>
+          </a:xfrm>
+          <a:prstGeom prst="bentConnector3">
+            <a:avLst/>
+          </a:prstGeom>
+          <a:ln w="12700">
+            <a:solidFill>
+              <a:schemeClr val="tx1"/>
+            </a:solidFill>
+          </a:ln>
+        </p:spPr>
+        <p:style>
+          <a:lnRef idx="1">
+            <a:schemeClr val="accent1"/>
+          </a:lnRef>
+          <a:fillRef idx="0">
+            <a:schemeClr val="accent1"/>
+          </a:fillRef>
+          <a:effectRef idx="0">
+            <a:schemeClr val="accent1"/>
+          </a:effectRef>
+          <a:fontRef idx="minor">
+            <a:schemeClr val="tx1"/>
+          </a:fontRef>
+        </p:style>
+      </p:cxnSp>
+      <p:cxnSp>
+        <p:nvCxnSpPr>
+          <p:cNvPr id="17" name="直線コネクタ 16">
+            <a:extLst>
+              <a:ext uri="{FF2B5EF4-FFF2-40B4-BE49-F238E27FC236}">
+                <a16:creationId xmlns:a16="http://schemas.microsoft.com/office/drawing/2014/main" id="{E3FDD4B9-A90E-4F84-90B9-BFF25CB4A332}"/>
+              </a:ext>
+            </a:extLst>
+          </p:cNvPr>
+          <p:cNvCxnSpPr>
+            <a:stCxn id="2" idx="2"/>
+            <a:endCxn id="4" idx="0"/>
+          </p:cNvCxnSpPr>
+          <p:nvPr/>
+        </p:nvCxnSpPr>
+        <p:spPr>
+          <a:xfrm>
+            <a:off x="676736" y="3276883"/>
+            <a:ext cx="0" cy="296133"/>
+          </a:xfrm>
+          <a:prstGeom prst="line">
+            <a:avLst/>
+          </a:prstGeom>
+          <a:ln w="12700">
+            <a:solidFill>
+              <a:schemeClr val="tx1"/>
+            </a:solidFill>
+          </a:ln>
+        </p:spPr>
+        <p:style>
+          <a:lnRef idx="1">
+            <a:schemeClr val="accent1"/>
+          </a:lnRef>
+          <a:fillRef idx="0">
+            <a:schemeClr val="accent1"/>
+          </a:fillRef>
+          <a:effectRef idx="0">
+            <a:schemeClr val="accent1"/>
+          </a:effectRef>
+          <a:fontRef idx="minor">
+            <a:schemeClr val="tx1"/>
+          </a:fontRef>
+        </p:style>
+      </p:cxnSp>
+      <p:cxnSp>
+        <p:nvCxnSpPr>
+          <p:cNvPr id="18" name="直線コネクタ 17">
+            <a:extLst>
+              <a:ext uri="{FF2B5EF4-FFF2-40B4-BE49-F238E27FC236}">
+                <a16:creationId xmlns:a16="http://schemas.microsoft.com/office/drawing/2014/main" id="{366F1DFD-C35D-4CD5-A6D7-C8B5E75CDD5B}"/>
+              </a:ext>
+            </a:extLst>
+          </p:cNvPr>
+          <p:cNvCxnSpPr/>
+          <p:nvPr/>
+        </p:nvCxnSpPr>
+        <p:spPr>
+          <a:xfrm>
+            <a:off x="683568" y="4149080"/>
+            <a:ext cx="0" cy="296133"/>
+          </a:xfrm>
+          <a:prstGeom prst="line">
+            <a:avLst/>
+          </a:prstGeom>
+          <a:ln w="12700">
+            <a:solidFill>
+              <a:schemeClr val="tx1"/>
+            </a:solidFill>
+          </a:ln>
+        </p:spPr>
+        <p:style>
+          <a:lnRef idx="1">
+            <a:schemeClr val="accent1"/>
+          </a:lnRef>
+          <a:fillRef idx="0">
+            <a:schemeClr val="accent1"/>
+          </a:fillRef>
+          <a:effectRef idx="0">
+            <a:schemeClr val="accent1"/>
+          </a:effectRef>
+          <a:fontRef idx="minor">
+            <a:schemeClr val="tx1"/>
+          </a:fontRef>
+        </p:style>
+      </p:cxnSp>
+      <p:sp>
+        <p:nvSpPr>
+          <p:cNvPr id="19" name="四角形: 角を丸くする 18">
+            <a:extLst>
+              <a:ext uri="{FF2B5EF4-FFF2-40B4-BE49-F238E27FC236}">
+                <a16:creationId xmlns:a16="http://schemas.microsoft.com/office/drawing/2014/main" id="{34339B44-53A6-4F61-A8FE-27773EF36B1B}"/>
+              </a:ext>
+            </a:extLst>
+          </p:cNvPr>
+          <p:cNvSpPr/>
+          <p:nvPr/>
+        </p:nvSpPr>
+        <p:spPr>
+          <a:xfrm>
+            <a:off x="1187624" y="3573016"/>
+            <a:ext cx="936104" cy="720080"/>
+          </a:xfrm>
+          <a:prstGeom prst="roundRect">
+            <a:avLst/>
+          </a:prstGeom>
+          <a:noFill/>
+          <a:ln w="28575">
+            <a:solidFill>
+              <a:srgbClr val="FF0000"/>
+            </a:solidFill>
+            <a:prstDash val="sysDash"/>
+          </a:ln>
+        </p:spPr>
+        <p:style>
+          <a:lnRef idx="2">
+            <a:schemeClr val="accent1">
+              <a:shade val="50000"/>
+            </a:schemeClr>
+          </a:lnRef>
+          <a:fillRef idx="1">
+            <a:schemeClr val="accent1"/>
+          </a:fillRef>
+          <a:effectRef idx="0">
+            <a:schemeClr val="accent1"/>
+          </a:effectRef>
+          <a:fontRef idx="minor">
+            <a:schemeClr val="lt1"/>
+          </a:fontRef>
+        </p:style>
+        <p:txBody>
+          <a:bodyPr rtlCol="0" anchor="ctr"/>
+          <a:lstStyle/>
+          <a:p>
+            <a:pPr algn="ctr"/>
+            <a:endParaRPr kumimoji="1" lang="ja-JP" altLang="en-US"/>
+          </a:p>
+        </p:txBody>
+      </p:sp>
+      <p:sp>
+        <p:nvSpPr>
+          <p:cNvPr id="20" name="テキスト ボックス 19">
+            <a:extLst>
+              <a:ext uri="{FF2B5EF4-FFF2-40B4-BE49-F238E27FC236}">
+                <a16:creationId xmlns:a16="http://schemas.microsoft.com/office/drawing/2014/main" id="{BDB36ACD-4312-4A68-B206-9C442FEAE355}"/>
+              </a:ext>
+            </a:extLst>
+          </p:cNvPr>
+          <p:cNvSpPr txBox="1"/>
+          <p:nvPr/>
+        </p:nvSpPr>
+        <p:spPr>
+          <a:xfrm>
+            <a:off x="1115616" y="2132856"/>
+            <a:ext cx="1107996" cy="461665"/>
+          </a:xfrm>
+          <a:prstGeom prst="rect">
+            <a:avLst/>
+          </a:prstGeom>
+          <a:noFill/>
+        </p:spPr>
+        <p:txBody>
+          <a:bodyPr wrap="none" rtlCol="0">
+            <a:spAutoFit/>
+          </a:bodyPr>
+          <a:lstStyle/>
+          <a:p>
+            <a:r>
+              <a:rPr kumimoji="1" lang="ja-JP" altLang="en-US" sz="1200"/>
+              <a:t>カレント</a:t>
+            </a:r>
+            <a:endParaRPr kumimoji="1" lang="en-US" altLang="ja-JP" sz="1200"/>
+          </a:p>
+          <a:p>
+            <a:r>
+              <a:rPr kumimoji="1" lang="ja-JP" altLang="en-US" sz="1200"/>
+              <a:t>ディレクトリ</a:t>
+            </a:r>
+          </a:p>
+        </p:txBody>
+      </p:sp>
+      <p:sp>
+        <p:nvSpPr>
+          <p:cNvPr id="21" name="矢印: 左カーブ 20">
+            <a:extLst>
+              <a:ext uri="{FF2B5EF4-FFF2-40B4-BE49-F238E27FC236}">
+                <a16:creationId xmlns:a16="http://schemas.microsoft.com/office/drawing/2014/main" id="{33FA41E9-87D6-4560-8D31-B0762CE8CD1D}"/>
+              </a:ext>
+            </a:extLst>
+          </p:cNvPr>
+          <p:cNvSpPr/>
+          <p:nvPr/>
+        </p:nvSpPr>
+        <p:spPr>
+          <a:xfrm rot="5400000">
+            <a:off x="1943708" y="4113076"/>
+            <a:ext cx="360040" cy="1008112"/>
+          </a:xfrm>
+          <a:prstGeom prst="curvedLeftArrow">
+            <a:avLst/>
+          </a:prstGeom>
+          <a:solidFill>
+            <a:srgbClr val="FF0000"/>
+          </a:solidFill>
+          <a:ln>
+            <a:solidFill>
+              <a:schemeClr val="tx1"/>
+            </a:solidFill>
+          </a:ln>
+        </p:spPr>
+        <p:style>
+          <a:lnRef idx="2">
+            <a:schemeClr val="accent1">
+              <a:shade val="50000"/>
+            </a:schemeClr>
+          </a:lnRef>
+          <a:fillRef idx="1">
+            <a:schemeClr val="accent1"/>
+          </a:fillRef>
+          <a:effectRef idx="0">
+            <a:schemeClr val="accent1"/>
+          </a:effectRef>
+          <a:fontRef idx="minor">
+            <a:schemeClr val="lt1"/>
+          </a:fontRef>
+        </p:style>
+        <p:txBody>
+          <a:bodyPr rtlCol="0" anchor="ctr"/>
+          <a:lstStyle/>
+          <a:p>
+            <a:pPr algn="ctr"/>
+            <a:endParaRPr kumimoji="1" lang="en-US">
+              <a:solidFill>
+                <a:schemeClr val="tx1"/>
+              </a:solidFill>
+            </a:endParaRPr>
+          </a:p>
+        </p:txBody>
+      </p:sp>
+      <p:cxnSp>
+        <p:nvCxnSpPr>
+          <p:cNvPr id="22" name="直線矢印コネクタ 21">
+            <a:extLst>
+              <a:ext uri="{FF2B5EF4-FFF2-40B4-BE49-F238E27FC236}">
+                <a16:creationId xmlns:a16="http://schemas.microsoft.com/office/drawing/2014/main" id="{EC7E392D-29F2-4424-8E2B-D12F563BD9C7}"/>
+              </a:ext>
+            </a:extLst>
+          </p:cNvPr>
+          <p:cNvCxnSpPr>
+            <a:cxnSpLocks/>
+          </p:cNvCxnSpPr>
+          <p:nvPr/>
+        </p:nvCxnSpPr>
+        <p:spPr>
+          <a:xfrm>
+            <a:off x="1403648" y="2636912"/>
+            <a:ext cx="0" cy="906487"/>
+          </a:xfrm>
+          <a:prstGeom prst="straightConnector1">
+            <a:avLst/>
+          </a:prstGeom>
+          <a:ln>
+            <a:solidFill>
+              <a:schemeClr val="tx1"/>
+            </a:solidFill>
+            <a:headEnd type="none" w="med" len="med"/>
+            <a:tailEnd type="triangle"/>
+          </a:ln>
+        </p:spPr>
+        <p:style>
+          <a:lnRef idx="1">
+            <a:schemeClr val="accent1"/>
+          </a:lnRef>
+          <a:fillRef idx="0">
+            <a:schemeClr val="accent1"/>
+          </a:fillRef>
+          <a:effectRef idx="0">
+            <a:schemeClr val="accent1"/>
+          </a:effectRef>
+          <a:fontRef idx="minor">
+            <a:schemeClr val="tx1"/>
+          </a:fontRef>
+        </p:style>
+      </p:cxnSp>
+      <p:sp>
+        <p:nvSpPr>
+          <p:cNvPr id="23" name="テキスト ボックス 22">
+            <a:extLst>
+              <a:ext uri="{FF2B5EF4-FFF2-40B4-BE49-F238E27FC236}">
+                <a16:creationId xmlns:a16="http://schemas.microsoft.com/office/drawing/2014/main" id="{336DFFA9-123D-48BC-8215-87C3BE45F3D2}"/>
+              </a:ext>
+            </a:extLst>
+          </p:cNvPr>
+          <p:cNvSpPr txBox="1"/>
+          <p:nvPr/>
+        </p:nvSpPr>
+        <p:spPr>
+          <a:xfrm>
+            <a:off x="107504" y="1556792"/>
+            <a:ext cx="4283968" cy="461665"/>
+          </a:xfrm>
+          <a:prstGeom prst="rect">
+            <a:avLst/>
+          </a:prstGeom>
+          <a:noFill/>
+          <a:ln>
+            <a:solidFill>
+              <a:schemeClr val="tx1"/>
+            </a:solidFill>
+          </a:ln>
+        </p:spPr>
+        <p:txBody>
+          <a:bodyPr wrap="square">
+            <a:spAutoFit/>
+          </a:bodyPr>
+          <a:lstStyle/>
+          <a:p>
+            <a:r>
+              <a:rPr lang="en-US" sz="2400">
+                <a:solidFill>
+                  <a:prstClr val="black"/>
+                </a:solidFill>
+                <a:latin typeface="Lucida Console" panose="020B0609040504020204" pitchFamily="49" charset="0"/>
+              </a:rPr>
+              <a:t>$ mv ../file1.txt .</a:t>
+            </a:r>
+          </a:p>
+        </p:txBody>
+      </p:sp>
+    </p:spTree>
+    <p:extLst>
+      <p:ext uri="{BB962C8B-B14F-4D97-AF65-F5344CB8AC3E}">
+        <p14:creationId xmlns:p14="http://schemas.microsoft.com/office/powerpoint/2010/main" val="915946611"/>
+      </p:ext>
+    </p:extLst>
+  </p:cSld>
+  <p:clrMapOvr>
+    <a:masterClrMapping/>
+  </p:clrMapOvr>
+</p:sld>
+</file>
+
 <file path=ppt/theme/theme1.xml><?xml version="1.0" encoding="utf-8"?>
 <a:theme xmlns:a="http://schemas.openxmlformats.org/drawingml/2006/main" name="Office テーマ">
   <a:themeElements>

--- a/command/fig/fig.pptx
+++ b/command/fig/fig.pptx
@@ -9,9 +9,10 @@
     <p:sldId id="262" r:id="rId3"/>
     <p:sldId id="259" r:id="rId4"/>
     <p:sldId id="260" r:id="rId5"/>
-    <p:sldId id="263" r:id="rId6"/>
-    <p:sldId id="264" r:id="rId7"/>
-    <p:sldId id="265" r:id="rId8"/>
+    <p:sldId id="266" r:id="rId6"/>
+    <p:sldId id="263" r:id="rId7"/>
+    <p:sldId id="264" r:id="rId8"/>
+    <p:sldId id="265" r:id="rId9"/>
   </p:sldIdLst>
   <p:sldSz cx="9144000" cy="6858000" type="screen4x3"/>
   <p:notesSz cx="6858000" cy="9144000"/>
@@ -3868,7 +3869,7 @@
           <p:cNvPr id="2" name="Picture 2" descr="フォルダのイラスト">
             <a:extLst>
               <a:ext uri="{FF2B5EF4-FFF2-40B4-BE49-F238E27FC236}">
-                <a16:creationId xmlns:a16="http://schemas.microsoft.com/office/drawing/2014/main" id="{395FB5F3-17D1-496D-A66E-E968B65A02B8}"/>
+                <a16:creationId xmlns:a16="http://schemas.microsoft.com/office/drawing/2014/main" id="{B7466932-AD0B-4E35-BC03-7E07BA8C6C5E}"/>
               </a:ext>
             </a:extLst>
           </p:cNvPr>
@@ -3892,7 +3893,7 @@
         </p:blipFill>
         <p:spPr bwMode="auto">
           <a:xfrm>
-            <a:off x="5047191" y="476672"/>
+            <a:off x="654703" y="2276872"/>
             <a:ext cx="764145" cy="639971"/>
           </a:xfrm>
           <a:prstGeom prst="rect">
@@ -3915,7 +3916,7 @@
           <p:cNvPr id="3" name="テキスト ボックス 2">
             <a:extLst>
               <a:ext uri="{FF2B5EF4-FFF2-40B4-BE49-F238E27FC236}">
-                <a16:creationId xmlns:a16="http://schemas.microsoft.com/office/drawing/2014/main" id="{76E38F46-BAD8-467D-B0A6-5F7D6339E327}"/>
+                <a16:creationId xmlns:a16="http://schemas.microsoft.com/office/drawing/2014/main" id="{68DD8B74-D933-4631-978B-2C7303428D5C}"/>
               </a:ext>
             </a:extLst>
           </p:cNvPr>
@@ -3924,7 +3925,7 @@
         </p:nvSpPr>
         <p:spPr>
           <a:xfrm>
-            <a:off x="5076056" y="620688"/>
+            <a:off x="683568" y="2420888"/>
             <a:ext cx="691215" cy="369332"/>
           </a:xfrm>
           <a:prstGeom prst="rect">
@@ -3961,7 +3962,7 @@
           <p:cNvPr id="4" name="Picture 2" descr="フォルダのイラスト">
             <a:extLst>
               <a:ext uri="{FF2B5EF4-FFF2-40B4-BE49-F238E27FC236}">
-                <a16:creationId xmlns:a16="http://schemas.microsoft.com/office/drawing/2014/main" id="{11CE2ACB-EBA1-4EA8-8485-CA9B9909AD30}"/>
+                <a16:creationId xmlns:a16="http://schemas.microsoft.com/office/drawing/2014/main" id="{EF768FEE-B05A-4633-A6D1-C29BABB15EFE}"/>
               </a:ext>
             </a:extLst>
           </p:cNvPr>
@@ -3985,7 +3986,7 @@
         </p:blipFill>
         <p:spPr bwMode="auto">
           <a:xfrm>
-            <a:off x="5047191" y="1412776"/>
+            <a:off x="654703" y="3212976"/>
             <a:ext cx="764145" cy="639971"/>
           </a:xfrm>
           <a:prstGeom prst="rect">
@@ -4008,7 +4009,7 @@
           <p:cNvPr id="5" name="テキスト ボックス 4">
             <a:extLst>
               <a:ext uri="{FF2B5EF4-FFF2-40B4-BE49-F238E27FC236}">
-                <a16:creationId xmlns:a16="http://schemas.microsoft.com/office/drawing/2014/main" id="{76B66028-B7AC-45A2-88B7-C93177FEF8E8}"/>
+                <a16:creationId xmlns:a16="http://schemas.microsoft.com/office/drawing/2014/main" id="{7694ACDE-0084-4A92-BAC3-FD89731DBFEA}"/>
               </a:ext>
             </a:extLst>
           </p:cNvPr>
@@ -4017,7 +4018,7 @@
         </p:nvSpPr>
         <p:spPr>
           <a:xfrm>
-            <a:off x="5076056" y="1556792"/>
+            <a:off x="683568" y="3356992"/>
             <a:ext cx="691215" cy="369332"/>
           </a:xfrm>
           <a:prstGeom prst="rect">
@@ -4054,7 +4055,7 @@
           <p:cNvPr id="6" name="Picture 2" descr="フォルダのイラスト">
             <a:extLst>
               <a:ext uri="{FF2B5EF4-FFF2-40B4-BE49-F238E27FC236}">
-                <a16:creationId xmlns:a16="http://schemas.microsoft.com/office/drawing/2014/main" id="{9344E75E-705A-454D-B2C5-E2F529EE2CB4}"/>
+                <a16:creationId xmlns:a16="http://schemas.microsoft.com/office/drawing/2014/main" id="{5BA84870-F8F2-4231-B12C-EF676B993A8E}"/>
               </a:ext>
             </a:extLst>
           </p:cNvPr>
@@ -4078,7 +4079,7 @@
         </p:blipFill>
         <p:spPr bwMode="auto">
           <a:xfrm>
-            <a:off x="6012160" y="1412776"/>
+            <a:off x="1619672" y="3212976"/>
             <a:ext cx="764145" cy="639971"/>
           </a:xfrm>
           <a:prstGeom prst="rect">
@@ -4101,7 +4102,7 @@
           <p:cNvPr id="7" name="テキスト ボックス 6">
             <a:extLst>
               <a:ext uri="{FF2B5EF4-FFF2-40B4-BE49-F238E27FC236}">
-                <a16:creationId xmlns:a16="http://schemas.microsoft.com/office/drawing/2014/main" id="{FD6F4C04-45E1-4A4D-B1D1-79BFC92189F9}"/>
+                <a16:creationId xmlns:a16="http://schemas.microsoft.com/office/drawing/2014/main" id="{B7A22B88-7696-40F8-A873-FAE479947017}"/>
               </a:ext>
             </a:extLst>
           </p:cNvPr>
@@ -4110,7 +4111,7 @@
         </p:nvSpPr>
         <p:spPr>
           <a:xfrm>
-            <a:off x="6041025" y="1556792"/>
+            <a:off x="1648537" y="3356992"/>
             <a:ext cx="691215" cy="369332"/>
           </a:xfrm>
           <a:prstGeom prst="rect">
@@ -4147,7 +4148,7 @@
           <p:cNvPr id="8" name="Picture 2" descr="ファイルアイコン（ブランク）">
             <a:extLst>
               <a:ext uri="{FF2B5EF4-FFF2-40B4-BE49-F238E27FC236}">
-                <a16:creationId xmlns:a16="http://schemas.microsoft.com/office/drawing/2014/main" id="{DF3D7FF0-08F3-4264-A383-4E0EAE40F26A}"/>
+                <a16:creationId xmlns:a16="http://schemas.microsoft.com/office/drawing/2014/main" id="{B693CF39-9D31-4229-A702-54E042F55CC9}"/>
               </a:ext>
             </a:extLst>
           </p:cNvPr>
@@ -4171,7 +4172,7 @@
         </p:blipFill>
         <p:spPr bwMode="auto">
           <a:xfrm>
-            <a:off x="7020272" y="1412776"/>
+            <a:off x="2627784" y="3212976"/>
             <a:ext cx="558061" cy="648072"/>
           </a:xfrm>
           <a:prstGeom prst="rect">
@@ -4194,7 +4195,7 @@
           <p:cNvPr id="9" name="テキスト ボックス 8">
             <a:extLst>
               <a:ext uri="{FF2B5EF4-FFF2-40B4-BE49-F238E27FC236}">
-                <a16:creationId xmlns:a16="http://schemas.microsoft.com/office/drawing/2014/main" id="{F83B1ED2-A51B-41C8-A4E4-ED65E7484B39}"/>
+                <a16:creationId xmlns:a16="http://schemas.microsoft.com/office/drawing/2014/main" id="{54C76A6E-75DC-4771-9A82-BC13FEA1C0FD}"/>
               </a:ext>
             </a:extLst>
           </p:cNvPr>
@@ -4203,7 +4204,7 @@
         </p:nvSpPr>
         <p:spPr>
           <a:xfrm>
-            <a:off x="6804248" y="1988840"/>
+            <a:off x="2411760" y="3789040"/>
             <a:ext cx="1115616" cy="307777"/>
           </a:xfrm>
           <a:prstGeom prst="rect">
@@ -4234,7 +4235,7 @@
           <p:cNvPr id="10" name="Picture 2" descr="ファイルアイコン（ブランク）">
             <a:extLst>
               <a:ext uri="{FF2B5EF4-FFF2-40B4-BE49-F238E27FC236}">
-                <a16:creationId xmlns:a16="http://schemas.microsoft.com/office/drawing/2014/main" id="{591535E1-FABE-431A-8C6D-C075086818EB}"/>
+                <a16:creationId xmlns:a16="http://schemas.microsoft.com/office/drawing/2014/main" id="{E74E8DDA-83CD-4A1F-9F60-2718593B005E}"/>
               </a:ext>
             </a:extLst>
           </p:cNvPr>
@@ -4258,7 +4259,7 @@
         </p:blipFill>
         <p:spPr bwMode="auto">
           <a:xfrm>
-            <a:off x="8028384" y="1412776"/>
+            <a:off x="3635896" y="3212976"/>
             <a:ext cx="558061" cy="648072"/>
           </a:xfrm>
           <a:prstGeom prst="rect">
@@ -4281,7 +4282,7 @@
           <p:cNvPr id="11" name="テキスト ボックス 10">
             <a:extLst>
               <a:ext uri="{FF2B5EF4-FFF2-40B4-BE49-F238E27FC236}">
-                <a16:creationId xmlns:a16="http://schemas.microsoft.com/office/drawing/2014/main" id="{907EAB62-5135-45BD-BD93-AF97D929FA4A}"/>
+                <a16:creationId xmlns:a16="http://schemas.microsoft.com/office/drawing/2014/main" id="{4FD61267-35D2-497D-94A0-87CE9A015F22}"/>
               </a:ext>
             </a:extLst>
           </p:cNvPr>
@@ -4290,7 +4291,7 @@
         </p:nvSpPr>
         <p:spPr>
           <a:xfrm>
-            <a:off x="7812360" y="1988840"/>
+            <a:off x="3419872" y="3789040"/>
             <a:ext cx="1115616" cy="307777"/>
           </a:xfrm>
           <a:prstGeom prst="rect">
@@ -4321,7 +4322,7 @@
           <p:cNvPr id="12" name="Picture 2" descr="ファイルアイコン（ブランク）">
             <a:extLst>
               <a:ext uri="{FF2B5EF4-FFF2-40B4-BE49-F238E27FC236}">
-                <a16:creationId xmlns:a16="http://schemas.microsoft.com/office/drawing/2014/main" id="{83BCC270-A469-42BD-9926-6A47B1549E68}"/>
+                <a16:creationId xmlns:a16="http://schemas.microsoft.com/office/drawing/2014/main" id="{EA64691E-D06E-4339-ADD0-292608F226F7}"/>
               </a:ext>
             </a:extLst>
           </p:cNvPr>
@@ -4345,7 +4346,7 @@
         </p:blipFill>
         <p:spPr bwMode="auto">
           <a:xfrm>
-            <a:off x="5148064" y="2420888"/>
+            <a:off x="755576" y="4221088"/>
             <a:ext cx="558061" cy="648072"/>
           </a:xfrm>
           <a:prstGeom prst="rect">
@@ -4368,7 +4369,7 @@
           <p:cNvPr id="13" name="テキスト ボックス 12">
             <a:extLst>
               <a:ext uri="{FF2B5EF4-FFF2-40B4-BE49-F238E27FC236}">
-                <a16:creationId xmlns:a16="http://schemas.microsoft.com/office/drawing/2014/main" id="{CB78E968-E6C5-40A1-9B24-5226CF4E10B0}"/>
+                <a16:creationId xmlns:a16="http://schemas.microsoft.com/office/drawing/2014/main" id="{241F6602-BC3D-40D0-B23C-6A5BA1DD91CF}"/>
               </a:ext>
             </a:extLst>
           </p:cNvPr>
@@ -4377,7 +4378,7 @@
         </p:nvSpPr>
         <p:spPr>
           <a:xfrm>
-            <a:off x="4967089" y="3045792"/>
+            <a:off x="574601" y="4845992"/>
             <a:ext cx="1115616" cy="307777"/>
           </a:xfrm>
           <a:prstGeom prst="rect">
@@ -4408,7 +4409,7 @@
           <p:cNvPr id="14" name="コネクタ: カギ線 13">
             <a:extLst>
               <a:ext uri="{FF2B5EF4-FFF2-40B4-BE49-F238E27FC236}">
-                <a16:creationId xmlns:a16="http://schemas.microsoft.com/office/drawing/2014/main" id="{8C497A7B-05D1-41A2-A508-77E02433888B}"/>
+                <a16:creationId xmlns:a16="http://schemas.microsoft.com/office/drawing/2014/main" id="{E0B2DB76-6595-4318-8E6E-271BD81A6314}"/>
               </a:ext>
             </a:extLst>
           </p:cNvPr>
@@ -4421,7 +4422,7 @@
         </p:nvCxnSpPr>
         <p:spPr>
           <a:xfrm rot="16200000" flipH="1">
-            <a:off x="5763682" y="782224"/>
+            <a:off x="1371194" y="2582424"/>
             <a:ext cx="296133" cy="964969"/>
           </a:xfrm>
           <a:prstGeom prst="bentConnector3">
@@ -4453,7 +4454,7 @@
           <p:cNvPr id="15" name="コネクタ: カギ線 14">
             <a:extLst>
               <a:ext uri="{FF2B5EF4-FFF2-40B4-BE49-F238E27FC236}">
-                <a16:creationId xmlns:a16="http://schemas.microsoft.com/office/drawing/2014/main" id="{A64F5B88-92D2-47EC-84BF-EE81F11961E1}"/>
+                <a16:creationId xmlns:a16="http://schemas.microsoft.com/office/drawing/2014/main" id="{39539BB6-A57A-44AA-9B23-34AC476AB5CB}"/>
               </a:ext>
             </a:extLst>
           </p:cNvPr>
@@ -4466,7 +4467,7 @@
         </p:nvCxnSpPr>
         <p:spPr>
           <a:xfrm rot="16200000" flipH="1">
-            <a:off x="6216217" y="329689"/>
+            <a:off x="1823729" y="2129889"/>
             <a:ext cx="296133" cy="1870039"/>
           </a:xfrm>
           <a:prstGeom prst="bentConnector3">
@@ -4498,7 +4499,7 @@
           <p:cNvPr id="16" name="コネクタ: カギ線 15">
             <a:extLst>
               <a:ext uri="{FF2B5EF4-FFF2-40B4-BE49-F238E27FC236}">
-                <a16:creationId xmlns:a16="http://schemas.microsoft.com/office/drawing/2014/main" id="{7093DEC1-B59D-4CCD-A118-458C501B857B}"/>
+                <a16:creationId xmlns:a16="http://schemas.microsoft.com/office/drawing/2014/main" id="{D187A022-5251-424D-AEAC-A2751F8FACAA}"/>
               </a:ext>
             </a:extLst>
           </p:cNvPr>
@@ -4511,7 +4512,7 @@
         </p:nvCxnSpPr>
         <p:spPr>
           <a:xfrm rot="16200000" flipH="1">
-            <a:off x="6720273" y="-174367"/>
+            <a:off x="2327785" y="1625833"/>
             <a:ext cx="296133" cy="2878151"/>
           </a:xfrm>
           <a:prstGeom prst="bentConnector3">
@@ -4543,7 +4544,7 @@
           <p:cNvPr id="17" name="直線コネクタ 16">
             <a:extLst>
               <a:ext uri="{FF2B5EF4-FFF2-40B4-BE49-F238E27FC236}">
-                <a16:creationId xmlns:a16="http://schemas.microsoft.com/office/drawing/2014/main" id="{5D1239D6-D67B-4E29-870D-B80F2FB31DAD}"/>
+                <a16:creationId xmlns:a16="http://schemas.microsoft.com/office/drawing/2014/main" id="{F07EE6F7-04E5-4087-B4CA-C05B53D73E74}"/>
               </a:ext>
             </a:extLst>
           </p:cNvPr>
@@ -4555,7 +4556,7 @@
         </p:nvCxnSpPr>
         <p:spPr>
           <a:xfrm>
-            <a:off x="5429264" y="1116643"/>
+            <a:off x="1036776" y="2916843"/>
             <a:ext cx="0" cy="296133"/>
           </a:xfrm>
           <a:prstGeom prst="line">
@@ -4587,7 +4588,7 @@
           <p:cNvPr id="18" name="直線コネクタ 17">
             <a:extLst>
               <a:ext uri="{FF2B5EF4-FFF2-40B4-BE49-F238E27FC236}">
-                <a16:creationId xmlns:a16="http://schemas.microsoft.com/office/drawing/2014/main" id="{4C7F94A4-4341-44AE-9DF8-B9F87D646747}"/>
+                <a16:creationId xmlns:a16="http://schemas.microsoft.com/office/drawing/2014/main" id="{E484E688-CAF2-4D8C-83E1-DD2F683F6D0A}"/>
               </a:ext>
             </a:extLst>
           </p:cNvPr>
@@ -4596,7 +4597,7 @@
         </p:nvCxnSpPr>
         <p:spPr>
           <a:xfrm>
-            <a:off x="5436096" y="1988840"/>
+            <a:off x="1043608" y="3789040"/>
             <a:ext cx="0" cy="296133"/>
           </a:xfrm>
           <a:prstGeom prst="line">
@@ -4628,7 +4629,7 @@
           <p:cNvPr id="19" name="四角形: 角を丸くする 18">
             <a:extLst>
               <a:ext uri="{FF2B5EF4-FFF2-40B4-BE49-F238E27FC236}">
-                <a16:creationId xmlns:a16="http://schemas.microsoft.com/office/drawing/2014/main" id="{7EEBAAC7-B6C5-4576-B39F-72D835F8DB1F}"/>
+                <a16:creationId xmlns:a16="http://schemas.microsoft.com/office/drawing/2014/main" id="{9394D612-DC69-4C65-BA84-F50DA68DAB4A}"/>
               </a:ext>
             </a:extLst>
           </p:cNvPr>
@@ -4637,7 +4638,7 @@
         </p:nvSpPr>
         <p:spPr>
           <a:xfrm>
-            <a:off x="5940152" y="1412776"/>
+            <a:off x="539552" y="2204864"/>
             <a:ext cx="936104" cy="720080"/>
           </a:xfrm>
           <a:prstGeom prst="roundRect">
@@ -4676,10 +4677,1151 @@
           </a:p>
         </p:txBody>
       </p:sp>
+      <p:sp>
+        <p:nvSpPr>
+          <p:cNvPr id="20" name="テキスト ボックス 19">
+            <a:extLst>
+              <a:ext uri="{FF2B5EF4-FFF2-40B4-BE49-F238E27FC236}">
+                <a16:creationId xmlns:a16="http://schemas.microsoft.com/office/drawing/2014/main" id="{A0424F14-3A67-449C-8CB7-A757C32061CE}"/>
+              </a:ext>
+            </a:extLst>
+          </p:cNvPr>
+          <p:cNvSpPr txBox="1"/>
+          <p:nvPr/>
+        </p:nvSpPr>
+        <p:spPr>
+          <a:xfrm>
+            <a:off x="179512" y="1844824"/>
+            <a:ext cx="1723549" cy="276999"/>
+          </a:xfrm>
+          <a:prstGeom prst="rect">
+            <a:avLst/>
+          </a:prstGeom>
+          <a:noFill/>
+        </p:spPr>
+        <p:txBody>
+          <a:bodyPr wrap="none" rtlCol="0">
+            <a:spAutoFit/>
+          </a:bodyPr>
+          <a:lstStyle/>
+          <a:p>
+            <a:r>
+              <a:rPr kumimoji="1" lang="ja-JP" altLang="en-US" sz="1200"/>
+              <a:t>カレントディレクトリ</a:t>
+            </a:r>
+          </a:p>
+        </p:txBody>
+      </p:sp>
+      <p:sp>
+        <p:nvSpPr>
+          <p:cNvPr id="21" name="テキスト ボックス 20">
+            <a:extLst>
+              <a:ext uri="{FF2B5EF4-FFF2-40B4-BE49-F238E27FC236}">
+                <a16:creationId xmlns:a16="http://schemas.microsoft.com/office/drawing/2014/main" id="{5ACA160D-5C88-4D7F-A0E5-74EAE4366D56}"/>
+              </a:ext>
+            </a:extLst>
+          </p:cNvPr>
+          <p:cNvSpPr txBox="1"/>
+          <p:nvPr/>
+        </p:nvSpPr>
+        <p:spPr>
+          <a:xfrm>
+            <a:off x="179512" y="1268760"/>
+            <a:ext cx="4283968" cy="461665"/>
+          </a:xfrm>
+          <a:prstGeom prst="rect">
+            <a:avLst/>
+          </a:prstGeom>
+          <a:noFill/>
+          <a:ln>
+            <a:solidFill>
+              <a:schemeClr val="tx1"/>
+            </a:solidFill>
+          </a:ln>
+        </p:spPr>
+        <p:txBody>
+          <a:bodyPr wrap="square">
+            <a:spAutoFit/>
+          </a:bodyPr>
+          <a:lstStyle/>
+          <a:p>
+            <a:r>
+              <a:rPr lang="en-US" sz="2400">
+                <a:solidFill>
+                  <a:prstClr val="black"/>
+                </a:solidFill>
+                <a:latin typeface="Lucida Console" panose="020B0609040504020204" pitchFamily="49" charset="0"/>
+              </a:rPr>
+              <a:t>$ mv file1.txt dir2</a:t>
+            </a:r>
+          </a:p>
+        </p:txBody>
+      </p:sp>
+      <p:sp>
+        <p:nvSpPr>
+          <p:cNvPr id="22" name="矢印: 左カーブ 21">
+            <a:extLst>
+              <a:ext uri="{FF2B5EF4-FFF2-40B4-BE49-F238E27FC236}">
+                <a16:creationId xmlns:a16="http://schemas.microsoft.com/office/drawing/2014/main" id="{5D56AFD4-7DD2-45E9-9406-9C1D1E352B9A}"/>
+              </a:ext>
+            </a:extLst>
+          </p:cNvPr>
+          <p:cNvSpPr/>
+          <p:nvPr/>
+        </p:nvSpPr>
+        <p:spPr>
+          <a:xfrm rot="5400000">
+            <a:off x="2303748" y="3753036"/>
+            <a:ext cx="360040" cy="1008112"/>
+          </a:xfrm>
+          <a:prstGeom prst="curvedLeftArrow">
+            <a:avLst/>
+          </a:prstGeom>
+          <a:solidFill>
+            <a:srgbClr val="FF0000"/>
+          </a:solidFill>
+          <a:ln>
+            <a:solidFill>
+              <a:schemeClr val="tx1"/>
+            </a:solidFill>
+          </a:ln>
+        </p:spPr>
+        <p:style>
+          <a:lnRef idx="2">
+            <a:schemeClr val="accent1">
+              <a:shade val="50000"/>
+            </a:schemeClr>
+          </a:lnRef>
+          <a:fillRef idx="1">
+            <a:schemeClr val="accent1"/>
+          </a:fillRef>
+          <a:effectRef idx="0">
+            <a:schemeClr val="accent1"/>
+          </a:effectRef>
+          <a:fontRef idx="minor">
+            <a:schemeClr val="lt1"/>
+          </a:fontRef>
+        </p:style>
+        <p:txBody>
+          <a:bodyPr rtlCol="0" anchor="ctr"/>
+          <a:lstStyle/>
+          <a:p>
+            <a:pPr algn="ctr"/>
+            <a:endParaRPr kumimoji="1" lang="en-US">
+              <a:solidFill>
+                <a:schemeClr val="tx1"/>
+              </a:solidFill>
+            </a:endParaRPr>
+          </a:p>
+        </p:txBody>
+      </p:sp>
+      <p:pic>
+        <p:nvPicPr>
+          <p:cNvPr id="23" name="Picture 2" descr="フォルダのイラスト">
+            <a:extLst>
+              <a:ext uri="{FF2B5EF4-FFF2-40B4-BE49-F238E27FC236}">
+                <a16:creationId xmlns:a16="http://schemas.microsoft.com/office/drawing/2014/main" id="{E2A49D54-E1E6-485E-B12E-7BB51FE9E476}"/>
+              </a:ext>
+            </a:extLst>
+          </p:cNvPr>
+          <p:cNvPicPr>
+            <a:picLocks noChangeAspect="1" noChangeArrowheads="1"/>
+          </p:cNvPicPr>
+          <p:nvPr/>
+        </p:nvPicPr>
+        <p:blipFill>
+          <a:blip r:embed="rId2" cstate="print">
+            <a:extLst>
+              <a:ext uri="{28A0092B-C50C-407E-A947-70E740481C1C}">
+                <a14:useLocalDpi xmlns:a14="http://schemas.microsoft.com/office/drawing/2010/main" val="0"/>
+              </a:ext>
+            </a:extLst>
+          </a:blip>
+          <a:srcRect/>
+          <a:stretch>
+            <a:fillRect/>
+          </a:stretch>
+        </p:blipFill>
+        <p:spPr bwMode="auto">
+          <a:xfrm>
+            <a:off x="4940134" y="2300040"/>
+            <a:ext cx="764145" cy="639971"/>
+          </a:xfrm>
+          <a:prstGeom prst="rect">
+            <a:avLst/>
+          </a:prstGeom>
+          <a:noFill/>
+          <a:extLst>
+            <a:ext uri="{909E8E84-426E-40DD-AFC4-6F175D3DCCD1}">
+              <a14:hiddenFill xmlns:a14="http://schemas.microsoft.com/office/drawing/2010/main">
+                <a:solidFill>
+                  <a:srgbClr val="FFFFFF"/>
+                </a:solidFill>
+              </a14:hiddenFill>
+            </a:ext>
+          </a:extLst>
+        </p:spPr>
+      </p:pic>
+      <p:sp>
+        <p:nvSpPr>
+          <p:cNvPr id="24" name="テキスト ボックス 23">
+            <a:extLst>
+              <a:ext uri="{FF2B5EF4-FFF2-40B4-BE49-F238E27FC236}">
+                <a16:creationId xmlns:a16="http://schemas.microsoft.com/office/drawing/2014/main" id="{6B812786-8D05-4771-9FCC-C4AAAFC4BA10}"/>
+              </a:ext>
+            </a:extLst>
+          </p:cNvPr>
+          <p:cNvSpPr txBox="1"/>
+          <p:nvPr/>
+        </p:nvSpPr>
+        <p:spPr>
+          <a:xfrm>
+            <a:off x="4968999" y="2444056"/>
+            <a:ext cx="691215" cy="369332"/>
+          </a:xfrm>
+          <a:prstGeom prst="rect">
+            <a:avLst/>
+          </a:prstGeom>
+          <a:noFill/>
+        </p:spPr>
+        <p:txBody>
+          <a:bodyPr wrap="none" rtlCol="0">
+            <a:spAutoFit/>
+          </a:bodyPr>
+          <a:lstStyle/>
+          <a:p>
+            <a:r>
+              <a:rPr lang="en-US" altLang="ja-JP" dirty="0">
+                <a:solidFill>
+                  <a:schemeClr val="bg1"/>
+                </a:solidFill>
+                <a:latin typeface="Consolas" panose="020B0609020204030204" pitchFamily="49" charset="0"/>
+              </a:rPr>
+              <a:t>temp</a:t>
+            </a:r>
+            <a:endParaRPr kumimoji="1" lang="ja-JP" altLang="en-US" dirty="0">
+              <a:solidFill>
+                <a:schemeClr val="bg1"/>
+              </a:solidFill>
+              <a:latin typeface="Consolas" panose="020B0609020204030204" pitchFamily="49" charset="0"/>
+            </a:endParaRPr>
+          </a:p>
+        </p:txBody>
+      </p:sp>
+      <p:pic>
+        <p:nvPicPr>
+          <p:cNvPr id="25" name="Picture 2" descr="フォルダのイラスト">
+            <a:extLst>
+              <a:ext uri="{FF2B5EF4-FFF2-40B4-BE49-F238E27FC236}">
+                <a16:creationId xmlns:a16="http://schemas.microsoft.com/office/drawing/2014/main" id="{A1280F38-BD5C-4BDC-BC95-097C5298C4B5}"/>
+              </a:ext>
+            </a:extLst>
+          </p:cNvPr>
+          <p:cNvPicPr>
+            <a:picLocks noChangeAspect="1" noChangeArrowheads="1"/>
+          </p:cNvPicPr>
+          <p:nvPr/>
+        </p:nvPicPr>
+        <p:blipFill>
+          <a:blip r:embed="rId2" cstate="print">
+            <a:extLst>
+              <a:ext uri="{28A0092B-C50C-407E-A947-70E740481C1C}">
+                <a14:useLocalDpi xmlns:a14="http://schemas.microsoft.com/office/drawing/2010/main" val="0"/>
+              </a:ext>
+            </a:extLst>
+          </a:blip>
+          <a:srcRect/>
+          <a:stretch>
+            <a:fillRect/>
+          </a:stretch>
+        </p:blipFill>
+        <p:spPr bwMode="auto">
+          <a:xfrm>
+            <a:off x="4940134" y="3236144"/>
+            <a:ext cx="764145" cy="639971"/>
+          </a:xfrm>
+          <a:prstGeom prst="rect">
+            <a:avLst/>
+          </a:prstGeom>
+          <a:noFill/>
+          <a:extLst>
+            <a:ext uri="{909E8E84-426E-40DD-AFC4-6F175D3DCCD1}">
+              <a14:hiddenFill xmlns:a14="http://schemas.microsoft.com/office/drawing/2010/main">
+                <a:solidFill>
+                  <a:srgbClr val="FFFFFF"/>
+                </a:solidFill>
+              </a14:hiddenFill>
+            </a:ext>
+          </a:extLst>
+        </p:spPr>
+      </p:pic>
+      <p:sp>
+        <p:nvSpPr>
+          <p:cNvPr id="26" name="テキスト ボックス 25">
+            <a:extLst>
+              <a:ext uri="{FF2B5EF4-FFF2-40B4-BE49-F238E27FC236}">
+                <a16:creationId xmlns:a16="http://schemas.microsoft.com/office/drawing/2014/main" id="{BC0534A5-9986-48C2-B323-8FA928B61523}"/>
+              </a:ext>
+            </a:extLst>
+          </p:cNvPr>
+          <p:cNvSpPr txBox="1"/>
+          <p:nvPr/>
+        </p:nvSpPr>
+        <p:spPr>
+          <a:xfrm>
+            <a:off x="4968999" y="3380160"/>
+            <a:ext cx="691215" cy="369332"/>
+          </a:xfrm>
+          <a:prstGeom prst="rect">
+            <a:avLst/>
+          </a:prstGeom>
+          <a:noFill/>
+        </p:spPr>
+        <p:txBody>
+          <a:bodyPr wrap="none" rtlCol="0">
+            <a:spAutoFit/>
+          </a:bodyPr>
+          <a:lstStyle/>
+          <a:p>
+            <a:r>
+              <a:rPr kumimoji="1" lang="en-US" altLang="ja-JP">
+                <a:solidFill>
+                  <a:schemeClr val="bg1"/>
+                </a:solidFill>
+                <a:latin typeface="Consolas" panose="020B0609020204030204" pitchFamily="49" charset="0"/>
+              </a:rPr>
+              <a:t>dir1</a:t>
+            </a:r>
+            <a:endParaRPr kumimoji="1" lang="ja-JP" altLang="en-US" dirty="0">
+              <a:solidFill>
+                <a:schemeClr val="bg1"/>
+              </a:solidFill>
+              <a:latin typeface="Consolas" panose="020B0609020204030204" pitchFamily="49" charset="0"/>
+            </a:endParaRPr>
+          </a:p>
+        </p:txBody>
+      </p:sp>
+      <p:pic>
+        <p:nvPicPr>
+          <p:cNvPr id="27" name="Picture 2" descr="フォルダのイラスト">
+            <a:extLst>
+              <a:ext uri="{FF2B5EF4-FFF2-40B4-BE49-F238E27FC236}">
+                <a16:creationId xmlns:a16="http://schemas.microsoft.com/office/drawing/2014/main" id="{FFB0ACBE-FB27-48DF-BCD4-310A840E56BC}"/>
+              </a:ext>
+            </a:extLst>
+          </p:cNvPr>
+          <p:cNvPicPr>
+            <a:picLocks noChangeAspect="1" noChangeArrowheads="1"/>
+          </p:cNvPicPr>
+          <p:nvPr/>
+        </p:nvPicPr>
+        <p:blipFill>
+          <a:blip r:embed="rId2" cstate="print">
+            <a:extLst>
+              <a:ext uri="{28A0092B-C50C-407E-A947-70E740481C1C}">
+                <a14:useLocalDpi xmlns:a14="http://schemas.microsoft.com/office/drawing/2010/main" val="0"/>
+              </a:ext>
+            </a:extLst>
+          </a:blip>
+          <a:srcRect/>
+          <a:stretch>
+            <a:fillRect/>
+          </a:stretch>
+        </p:blipFill>
+        <p:spPr bwMode="auto">
+          <a:xfrm>
+            <a:off x="5905103" y="3236144"/>
+            <a:ext cx="764145" cy="639971"/>
+          </a:xfrm>
+          <a:prstGeom prst="rect">
+            <a:avLst/>
+          </a:prstGeom>
+          <a:noFill/>
+          <a:extLst>
+            <a:ext uri="{909E8E84-426E-40DD-AFC4-6F175D3DCCD1}">
+              <a14:hiddenFill xmlns:a14="http://schemas.microsoft.com/office/drawing/2010/main">
+                <a:solidFill>
+                  <a:srgbClr val="FFFFFF"/>
+                </a:solidFill>
+              </a14:hiddenFill>
+            </a:ext>
+          </a:extLst>
+        </p:spPr>
+      </p:pic>
+      <p:sp>
+        <p:nvSpPr>
+          <p:cNvPr id="28" name="テキスト ボックス 27">
+            <a:extLst>
+              <a:ext uri="{FF2B5EF4-FFF2-40B4-BE49-F238E27FC236}">
+                <a16:creationId xmlns:a16="http://schemas.microsoft.com/office/drawing/2014/main" id="{BF4D0A0F-4493-45A4-9CA8-0B7DF22413C2}"/>
+              </a:ext>
+            </a:extLst>
+          </p:cNvPr>
+          <p:cNvSpPr txBox="1"/>
+          <p:nvPr/>
+        </p:nvSpPr>
+        <p:spPr>
+          <a:xfrm>
+            <a:off x="5933968" y="3380160"/>
+            <a:ext cx="691215" cy="369332"/>
+          </a:xfrm>
+          <a:prstGeom prst="rect">
+            <a:avLst/>
+          </a:prstGeom>
+          <a:noFill/>
+        </p:spPr>
+        <p:txBody>
+          <a:bodyPr wrap="none" rtlCol="0">
+            <a:spAutoFit/>
+          </a:bodyPr>
+          <a:lstStyle/>
+          <a:p>
+            <a:r>
+              <a:rPr kumimoji="1" lang="en-US" altLang="ja-JP">
+                <a:solidFill>
+                  <a:schemeClr val="bg1"/>
+                </a:solidFill>
+                <a:latin typeface="Consolas" panose="020B0609020204030204" pitchFamily="49" charset="0"/>
+              </a:rPr>
+              <a:t>dir2</a:t>
+            </a:r>
+            <a:endParaRPr kumimoji="1" lang="ja-JP" altLang="en-US" dirty="0">
+              <a:solidFill>
+                <a:schemeClr val="bg1"/>
+              </a:solidFill>
+              <a:latin typeface="Consolas" panose="020B0609020204030204" pitchFamily="49" charset="0"/>
+            </a:endParaRPr>
+          </a:p>
+        </p:txBody>
+      </p:sp>
+      <p:pic>
+        <p:nvPicPr>
+          <p:cNvPr id="29" name="Picture 2" descr="ファイルアイコン（ブランク）">
+            <a:extLst>
+              <a:ext uri="{FF2B5EF4-FFF2-40B4-BE49-F238E27FC236}">
+                <a16:creationId xmlns:a16="http://schemas.microsoft.com/office/drawing/2014/main" id="{F7A5D923-A7DE-4BAE-920F-1B32676EDBA0}"/>
+              </a:ext>
+            </a:extLst>
+          </p:cNvPr>
+          <p:cNvPicPr>
+            <a:picLocks noChangeAspect="1" noChangeArrowheads="1"/>
+          </p:cNvPicPr>
+          <p:nvPr/>
+        </p:nvPicPr>
+        <p:blipFill>
+          <a:blip r:embed="rId3" cstate="print">
+            <a:extLst>
+              <a:ext uri="{28A0092B-C50C-407E-A947-70E740481C1C}">
+                <a14:useLocalDpi xmlns:a14="http://schemas.microsoft.com/office/drawing/2010/main" val="0"/>
+              </a:ext>
+            </a:extLst>
+          </a:blip>
+          <a:srcRect/>
+          <a:stretch>
+            <a:fillRect/>
+          </a:stretch>
+        </p:blipFill>
+        <p:spPr bwMode="auto">
+          <a:xfrm>
+            <a:off x="6913215" y="3236144"/>
+            <a:ext cx="558061" cy="648072"/>
+          </a:xfrm>
+          <a:prstGeom prst="rect">
+            <a:avLst/>
+          </a:prstGeom>
+          <a:noFill/>
+          <a:extLst>
+            <a:ext uri="{909E8E84-426E-40DD-AFC4-6F175D3DCCD1}">
+              <a14:hiddenFill xmlns:a14="http://schemas.microsoft.com/office/drawing/2010/main">
+                <a:solidFill>
+                  <a:srgbClr val="FFFFFF"/>
+                </a:solidFill>
+              </a14:hiddenFill>
+            </a:ext>
+          </a:extLst>
+        </p:spPr>
+      </p:pic>
+      <p:sp>
+        <p:nvSpPr>
+          <p:cNvPr id="30" name="テキスト ボックス 29">
+            <a:extLst>
+              <a:ext uri="{FF2B5EF4-FFF2-40B4-BE49-F238E27FC236}">
+                <a16:creationId xmlns:a16="http://schemas.microsoft.com/office/drawing/2014/main" id="{278A9C07-DA3F-4E56-9042-007A73226E53}"/>
+              </a:ext>
+            </a:extLst>
+          </p:cNvPr>
+          <p:cNvSpPr txBox="1"/>
+          <p:nvPr/>
+        </p:nvSpPr>
+        <p:spPr>
+          <a:xfrm>
+            <a:off x="6697191" y="3812208"/>
+            <a:ext cx="1115616" cy="307777"/>
+          </a:xfrm>
+          <a:prstGeom prst="rect">
+            <a:avLst/>
+          </a:prstGeom>
+          <a:noFill/>
+        </p:spPr>
+        <p:txBody>
+          <a:bodyPr wrap="square">
+            <a:spAutoFit/>
+          </a:bodyPr>
+          <a:lstStyle/>
+          <a:p>
+            <a:r>
+              <a:rPr lang="en-US" altLang="ja-JP" sz="1400">
+                <a:latin typeface="Consolas" panose="020B0609020204030204" pitchFamily="49" charset="0"/>
+              </a:rPr>
+              <a:t>file1.txt</a:t>
+            </a:r>
+            <a:endParaRPr kumimoji="1" lang="ja-JP" altLang="en-US" sz="1400" dirty="0">
+              <a:latin typeface="Consolas" panose="020B0609020204030204" pitchFamily="49" charset="0"/>
+            </a:endParaRPr>
+          </a:p>
+        </p:txBody>
+      </p:sp>
+      <p:pic>
+        <p:nvPicPr>
+          <p:cNvPr id="31" name="Picture 2" descr="ファイルアイコン（ブランク）">
+            <a:extLst>
+              <a:ext uri="{FF2B5EF4-FFF2-40B4-BE49-F238E27FC236}">
+                <a16:creationId xmlns:a16="http://schemas.microsoft.com/office/drawing/2014/main" id="{329039EA-0996-485E-BA36-B4CE331F88CF}"/>
+              </a:ext>
+            </a:extLst>
+          </p:cNvPr>
+          <p:cNvPicPr>
+            <a:picLocks noChangeAspect="1" noChangeArrowheads="1"/>
+          </p:cNvPicPr>
+          <p:nvPr/>
+        </p:nvPicPr>
+        <p:blipFill>
+          <a:blip r:embed="rId3" cstate="print">
+            <a:extLst>
+              <a:ext uri="{28A0092B-C50C-407E-A947-70E740481C1C}">
+                <a14:useLocalDpi xmlns:a14="http://schemas.microsoft.com/office/drawing/2010/main" val="0"/>
+              </a:ext>
+            </a:extLst>
+          </a:blip>
+          <a:srcRect/>
+          <a:stretch>
+            <a:fillRect/>
+          </a:stretch>
+        </p:blipFill>
+        <p:spPr bwMode="auto">
+          <a:xfrm>
+            <a:off x="7921327" y="3236144"/>
+            <a:ext cx="558061" cy="648072"/>
+          </a:xfrm>
+          <a:prstGeom prst="rect">
+            <a:avLst/>
+          </a:prstGeom>
+          <a:noFill/>
+          <a:extLst>
+            <a:ext uri="{909E8E84-426E-40DD-AFC4-6F175D3DCCD1}">
+              <a14:hiddenFill xmlns:a14="http://schemas.microsoft.com/office/drawing/2010/main">
+                <a:solidFill>
+                  <a:srgbClr val="FFFFFF"/>
+                </a:solidFill>
+              </a14:hiddenFill>
+            </a:ext>
+          </a:extLst>
+        </p:spPr>
+      </p:pic>
+      <p:sp>
+        <p:nvSpPr>
+          <p:cNvPr id="32" name="テキスト ボックス 31">
+            <a:extLst>
+              <a:ext uri="{FF2B5EF4-FFF2-40B4-BE49-F238E27FC236}">
+                <a16:creationId xmlns:a16="http://schemas.microsoft.com/office/drawing/2014/main" id="{C446E0A6-1630-4193-927D-E2ED1FF998D7}"/>
+              </a:ext>
+            </a:extLst>
+          </p:cNvPr>
+          <p:cNvSpPr txBox="1"/>
+          <p:nvPr/>
+        </p:nvSpPr>
+        <p:spPr>
+          <a:xfrm>
+            <a:off x="7705303" y="3812208"/>
+            <a:ext cx="1115616" cy="307777"/>
+          </a:xfrm>
+          <a:prstGeom prst="rect">
+            <a:avLst/>
+          </a:prstGeom>
+          <a:noFill/>
+        </p:spPr>
+        <p:txBody>
+          <a:bodyPr wrap="square">
+            <a:spAutoFit/>
+          </a:bodyPr>
+          <a:lstStyle/>
+          <a:p>
+            <a:r>
+              <a:rPr lang="en-US" altLang="ja-JP" sz="1400">
+                <a:latin typeface="Consolas" panose="020B0609020204030204" pitchFamily="49" charset="0"/>
+              </a:rPr>
+              <a:t>file2.txt</a:t>
+            </a:r>
+            <a:endParaRPr kumimoji="1" lang="ja-JP" altLang="en-US" sz="1400" dirty="0">
+              <a:latin typeface="Consolas" panose="020B0609020204030204" pitchFamily="49" charset="0"/>
+            </a:endParaRPr>
+          </a:p>
+        </p:txBody>
+      </p:sp>
+      <p:pic>
+        <p:nvPicPr>
+          <p:cNvPr id="33" name="Picture 2" descr="ファイルアイコン（ブランク）">
+            <a:extLst>
+              <a:ext uri="{FF2B5EF4-FFF2-40B4-BE49-F238E27FC236}">
+                <a16:creationId xmlns:a16="http://schemas.microsoft.com/office/drawing/2014/main" id="{6EA98117-7242-4FD5-BF45-B2313A4EAF5F}"/>
+              </a:ext>
+            </a:extLst>
+          </p:cNvPr>
+          <p:cNvPicPr>
+            <a:picLocks noChangeAspect="1" noChangeArrowheads="1"/>
+          </p:cNvPicPr>
+          <p:nvPr/>
+        </p:nvPicPr>
+        <p:blipFill>
+          <a:blip r:embed="rId3" cstate="print">
+            <a:extLst>
+              <a:ext uri="{28A0092B-C50C-407E-A947-70E740481C1C}">
+                <a14:useLocalDpi xmlns:a14="http://schemas.microsoft.com/office/drawing/2010/main" val="0"/>
+              </a:ext>
+            </a:extLst>
+          </a:blip>
+          <a:srcRect/>
+          <a:stretch>
+            <a:fillRect/>
+          </a:stretch>
+        </p:blipFill>
+        <p:spPr bwMode="auto">
+          <a:xfrm>
+            <a:off x="5041007" y="4244256"/>
+            <a:ext cx="558061" cy="648072"/>
+          </a:xfrm>
+          <a:prstGeom prst="rect">
+            <a:avLst/>
+          </a:prstGeom>
+          <a:noFill/>
+          <a:extLst>
+            <a:ext uri="{909E8E84-426E-40DD-AFC4-6F175D3DCCD1}">
+              <a14:hiddenFill xmlns:a14="http://schemas.microsoft.com/office/drawing/2010/main">
+                <a:solidFill>
+                  <a:srgbClr val="FFFFFF"/>
+                </a:solidFill>
+              </a14:hiddenFill>
+            </a:ext>
+          </a:extLst>
+        </p:spPr>
+      </p:pic>
+      <p:sp>
+        <p:nvSpPr>
+          <p:cNvPr id="34" name="テキスト ボックス 33">
+            <a:extLst>
+              <a:ext uri="{FF2B5EF4-FFF2-40B4-BE49-F238E27FC236}">
+                <a16:creationId xmlns:a16="http://schemas.microsoft.com/office/drawing/2014/main" id="{07807482-7EC2-4102-A6F0-BEB8E64A2E1D}"/>
+              </a:ext>
+            </a:extLst>
+          </p:cNvPr>
+          <p:cNvSpPr txBox="1"/>
+          <p:nvPr/>
+        </p:nvSpPr>
+        <p:spPr>
+          <a:xfrm>
+            <a:off x="4860032" y="4869160"/>
+            <a:ext cx="1115616" cy="307777"/>
+          </a:xfrm>
+          <a:prstGeom prst="rect">
+            <a:avLst/>
+          </a:prstGeom>
+          <a:noFill/>
+        </p:spPr>
+        <p:txBody>
+          <a:bodyPr wrap="square">
+            <a:spAutoFit/>
+          </a:bodyPr>
+          <a:lstStyle/>
+          <a:p>
+            <a:r>
+              <a:rPr lang="en-US" altLang="ja-JP" sz="1400">
+                <a:latin typeface="Consolas" panose="020B0609020204030204" pitchFamily="49" charset="0"/>
+              </a:rPr>
+              <a:t>file3.txt</a:t>
+            </a:r>
+            <a:endParaRPr kumimoji="1" lang="ja-JP" altLang="en-US" sz="1400" dirty="0">
+              <a:latin typeface="Consolas" panose="020B0609020204030204" pitchFamily="49" charset="0"/>
+            </a:endParaRPr>
+          </a:p>
+        </p:txBody>
+      </p:sp>
+      <p:cxnSp>
+        <p:nvCxnSpPr>
+          <p:cNvPr id="35" name="コネクタ: カギ線 34">
+            <a:extLst>
+              <a:ext uri="{FF2B5EF4-FFF2-40B4-BE49-F238E27FC236}">
+                <a16:creationId xmlns:a16="http://schemas.microsoft.com/office/drawing/2014/main" id="{D6A0B35A-2E1E-408F-A9E5-A53000DD9CAE}"/>
+              </a:ext>
+            </a:extLst>
+          </p:cNvPr>
+          <p:cNvCxnSpPr>
+            <a:cxnSpLocks/>
+            <a:stCxn id="23" idx="2"/>
+            <a:endCxn id="27" idx="0"/>
+          </p:cNvCxnSpPr>
+          <p:nvPr/>
+        </p:nvCxnSpPr>
+        <p:spPr>
+          <a:xfrm rot="16200000" flipH="1">
+            <a:off x="5656625" y="2605592"/>
+            <a:ext cx="296133" cy="964969"/>
+          </a:xfrm>
+          <a:prstGeom prst="bentConnector3">
+            <a:avLst/>
+          </a:prstGeom>
+          <a:ln w="12700">
+            <a:solidFill>
+              <a:schemeClr val="tx1"/>
+            </a:solidFill>
+          </a:ln>
+        </p:spPr>
+        <p:style>
+          <a:lnRef idx="1">
+            <a:schemeClr val="accent1"/>
+          </a:lnRef>
+          <a:fillRef idx="0">
+            <a:schemeClr val="accent1"/>
+          </a:fillRef>
+          <a:effectRef idx="0">
+            <a:schemeClr val="accent1"/>
+          </a:effectRef>
+          <a:fontRef idx="minor">
+            <a:schemeClr val="tx1"/>
+          </a:fontRef>
+        </p:style>
+      </p:cxnSp>
+      <p:cxnSp>
+        <p:nvCxnSpPr>
+          <p:cNvPr id="36" name="コネクタ: カギ線 35">
+            <a:extLst>
+              <a:ext uri="{FF2B5EF4-FFF2-40B4-BE49-F238E27FC236}">
+                <a16:creationId xmlns:a16="http://schemas.microsoft.com/office/drawing/2014/main" id="{E13640B6-AEF2-4379-961B-0963E3CC76B3}"/>
+              </a:ext>
+            </a:extLst>
+          </p:cNvPr>
+          <p:cNvCxnSpPr>
+            <a:cxnSpLocks/>
+            <a:stCxn id="23" idx="2"/>
+            <a:endCxn id="29" idx="0"/>
+          </p:cNvCxnSpPr>
+          <p:nvPr/>
+        </p:nvCxnSpPr>
+        <p:spPr>
+          <a:xfrm rot="16200000" flipH="1">
+            <a:off x="6109160" y="2153057"/>
+            <a:ext cx="296133" cy="1870039"/>
+          </a:xfrm>
+          <a:prstGeom prst="bentConnector3">
+            <a:avLst/>
+          </a:prstGeom>
+          <a:ln w="12700">
+            <a:solidFill>
+              <a:schemeClr val="tx1"/>
+            </a:solidFill>
+          </a:ln>
+        </p:spPr>
+        <p:style>
+          <a:lnRef idx="1">
+            <a:schemeClr val="accent1"/>
+          </a:lnRef>
+          <a:fillRef idx="0">
+            <a:schemeClr val="accent1"/>
+          </a:fillRef>
+          <a:effectRef idx="0">
+            <a:schemeClr val="accent1"/>
+          </a:effectRef>
+          <a:fontRef idx="minor">
+            <a:schemeClr val="tx1"/>
+          </a:fontRef>
+        </p:style>
+      </p:cxnSp>
+      <p:cxnSp>
+        <p:nvCxnSpPr>
+          <p:cNvPr id="37" name="コネクタ: カギ線 36">
+            <a:extLst>
+              <a:ext uri="{FF2B5EF4-FFF2-40B4-BE49-F238E27FC236}">
+                <a16:creationId xmlns:a16="http://schemas.microsoft.com/office/drawing/2014/main" id="{0A6D8577-5673-49FF-9406-039325ADC170}"/>
+              </a:ext>
+            </a:extLst>
+          </p:cNvPr>
+          <p:cNvCxnSpPr>
+            <a:cxnSpLocks/>
+            <a:stCxn id="23" idx="2"/>
+            <a:endCxn id="31" idx="0"/>
+          </p:cNvCxnSpPr>
+          <p:nvPr/>
+        </p:nvCxnSpPr>
+        <p:spPr>
+          <a:xfrm rot="16200000" flipH="1">
+            <a:off x="6613216" y="1649001"/>
+            <a:ext cx="296133" cy="2878151"/>
+          </a:xfrm>
+          <a:prstGeom prst="bentConnector3">
+            <a:avLst/>
+          </a:prstGeom>
+          <a:ln w="12700">
+            <a:solidFill>
+              <a:schemeClr val="tx1"/>
+            </a:solidFill>
+          </a:ln>
+        </p:spPr>
+        <p:style>
+          <a:lnRef idx="1">
+            <a:schemeClr val="accent1"/>
+          </a:lnRef>
+          <a:fillRef idx="0">
+            <a:schemeClr val="accent1"/>
+          </a:fillRef>
+          <a:effectRef idx="0">
+            <a:schemeClr val="accent1"/>
+          </a:effectRef>
+          <a:fontRef idx="minor">
+            <a:schemeClr val="tx1"/>
+          </a:fontRef>
+        </p:style>
+      </p:cxnSp>
+      <p:cxnSp>
+        <p:nvCxnSpPr>
+          <p:cNvPr id="38" name="直線コネクタ 37">
+            <a:extLst>
+              <a:ext uri="{FF2B5EF4-FFF2-40B4-BE49-F238E27FC236}">
+                <a16:creationId xmlns:a16="http://schemas.microsoft.com/office/drawing/2014/main" id="{530D430E-1683-4639-803F-DC5AEEA8125D}"/>
+              </a:ext>
+            </a:extLst>
+          </p:cNvPr>
+          <p:cNvCxnSpPr>
+            <a:stCxn id="23" idx="2"/>
+            <a:endCxn id="25" idx="0"/>
+          </p:cNvCxnSpPr>
+          <p:nvPr/>
+        </p:nvCxnSpPr>
+        <p:spPr>
+          <a:xfrm>
+            <a:off x="5322207" y="2940011"/>
+            <a:ext cx="0" cy="296133"/>
+          </a:xfrm>
+          <a:prstGeom prst="line">
+            <a:avLst/>
+          </a:prstGeom>
+          <a:ln w="12700">
+            <a:solidFill>
+              <a:schemeClr val="tx1"/>
+            </a:solidFill>
+          </a:ln>
+        </p:spPr>
+        <p:style>
+          <a:lnRef idx="1">
+            <a:schemeClr val="accent1"/>
+          </a:lnRef>
+          <a:fillRef idx="0">
+            <a:schemeClr val="accent1"/>
+          </a:fillRef>
+          <a:effectRef idx="0">
+            <a:schemeClr val="accent1"/>
+          </a:effectRef>
+          <a:fontRef idx="minor">
+            <a:schemeClr val="tx1"/>
+          </a:fontRef>
+        </p:style>
+      </p:cxnSp>
+      <p:cxnSp>
+        <p:nvCxnSpPr>
+          <p:cNvPr id="39" name="直線コネクタ 38">
+            <a:extLst>
+              <a:ext uri="{FF2B5EF4-FFF2-40B4-BE49-F238E27FC236}">
+                <a16:creationId xmlns:a16="http://schemas.microsoft.com/office/drawing/2014/main" id="{C24213E1-3B41-4E8B-84F2-10D3379A4C92}"/>
+              </a:ext>
+            </a:extLst>
+          </p:cNvPr>
+          <p:cNvCxnSpPr/>
+          <p:nvPr/>
+        </p:nvCxnSpPr>
+        <p:spPr>
+          <a:xfrm>
+            <a:off x="5329039" y="3812208"/>
+            <a:ext cx="0" cy="296133"/>
+          </a:xfrm>
+          <a:prstGeom prst="line">
+            <a:avLst/>
+          </a:prstGeom>
+          <a:ln w="12700">
+            <a:solidFill>
+              <a:schemeClr val="tx1"/>
+            </a:solidFill>
+          </a:ln>
+        </p:spPr>
+        <p:style>
+          <a:lnRef idx="1">
+            <a:schemeClr val="accent1"/>
+          </a:lnRef>
+          <a:fillRef idx="0">
+            <a:schemeClr val="accent1"/>
+          </a:fillRef>
+          <a:effectRef idx="0">
+            <a:schemeClr val="accent1"/>
+          </a:effectRef>
+          <a:fontRef idx="minor">
+            <a:schemeClr val="tx1"/>
+          </a:fontRef>
+        </p:style>
+      </p:cxnSp>
+      <p:sp>
+        <p:nvSpPr>
+          <p:cNvPr id="40" name="四角形: 角を丸くする 39">
+            <a:extLst>
+              <a:ext uri="{FF2B5EF4-FFF2-40B4-BE49-F238E27FC236}">
+                <a16:creationId xmlns:a16="http://schemas.microsoft.com/office/drawing/2014/main" id="{180707DB-45D0-4F45-8B70-81866631015B}"/>
+              </a:ext>
+            </a:extLst>
+          </p:cNvPr>
+          <p:cNvSpPr/>
+          <p:nvPr/>
+        </p:nvSpPr>
+        <p:spPr>
+          <a:xfrm>
+            <a:off x="5833095" y="3236144"/>
+            <a:ext cx="936104" cy="720080"/>
+          </a:xfrm>
+          <a:prstGeom prst="roundRect">
+            <a:avLst/>
+          </a:prstGeom>
+          <a:noFill/>
+          <a:ln w="28575">
+            <a:solidFill>
+              <a:srgbClr val="FF0000"/>
+            </a:solidFill>
+            <a:prstDash val="sysDash"/>
+          </a:ln>
+        </p:spPr>
+        <p:style>
+          <a:lnRef idx="2">
+            <a:schemeClr val="accent1">
+              <a:shade val="50000"/>
+            </a:schemeClr>
+          </a:lnRef>
+          <a:fillRef idx="1">
+            <a:schemeClr val="accent1"/>
+          </a:fillRef>
+          <a:effectRef idx="0">
+            <a:schemeClr val="accent1"/>
+          </a:effectRef>
+          <a:fontRef idx="minor">
+            <a:schemeClr val="lt1"/>
+          </a:fontRef>
+        </p:style>
+        <p:txBody>
+          <a:bodyPr rtlCol="0" anchor="ctr"/>
+          <a:lstStyle/>
+          <a:p>
+            <a:pPr algn="ctr"/>
+            <a:endParaRPr kumimoji="1" lang="ja-JP" altLang="en-US"/>
+          </a:p>
+        </p:txBody>
+      </p:sp>
+      <p:sp>
+        <p:nvSpPr>
+          <p:cNvPr id="41" name="テキスト ボックス 40">
+            <a:extLst>
+              <a:ext uri="{FF2B5EF4-FFF2-40B4-BE49-F238E27FC236}">
+                <a16:creationId xmlns:a16="http://schemas.microsoft.com/office/drawing/2014/main" id="{2886F092-DAAD-44C8-BABC-3A40AD542596}"/>
+              </a:ext>
+            </a:extLst>
+          </p:cNvPr>
+          <p:cNvSpPr txBox="1"/>
+          <p:nvPr/>
+        </p:nvSpPr>
+        <p:spPr>
+          <a:xfrm>
+            <a:off x="5761087" y="1795984"/>
+            <a:ext cx="1107996" cy="461665"/>
+          </a:xfrm>
+          <a:prstGeom prst="rect">
+            <a:avLst/>
+          </a:prstGeom>
+          <a:noFill/>
+        </p:spPr>
+        <p:txBody>
+          <a:bodyPr wrap="none" rtlCol="0">
+            <a:spAutoFit/>
+          </a:bodyPr>
+          <a:lstStyle/>
+          <a:p>
+            <a:r>
+              <a:rPr kumimoji="1" lang="ja-JP" altLang="en-US" sz="1200"/>
+              <a:t>カレント</a:t>
+            </a:r>
+            <a:endParaRPr kumimoji="1" lang="en-US" altLang="ja-JP" sz="1200"/>
+          </a:p>
+          <a:p>
+            <a:r>
+              <a:rPr kumimoji="1" lang="ja-JP" altLang="en-US" sz="1200"/>
+              <a:t>ディレクトリ</a:t>
+            </a:r>
+          </a:p>
+        </p:txBody>
+      </p:sp>
+      <p:sp>
+        <p:nvSpPr>
+          <p:cNvPr id="42" name="矢印: 左カーブ 41">
+            <a:extLst>
+              <a:ext uri="{FF2B5EF4-FFF2-40B4-BE49-F238E27FC236}">
+                <a16:creationId xmlns:a16="http://schemas.microsoft.com/office/drawing/2014/main" id="{58D03786-9220-416A-95A1-077E8A7E60D1}"/>
+              </a:ext>
+            </a:extLst>
+          </p:cNvPr>
+          <p:cNvSpPr/>
+          <p:nvPr/>
+        </p:nvSpPr>
+        <p:spPr>
+          <a:xfrm rot="5400000">
+            <a:off x="6589179" y="3776204"/>
+            <a:ext cx="360040" cy="1008112"/>
+          </a:xfrm>
+          <a:prstGeom prst="curvedLeftArrow">
+            <a:avLst/>
+          </a:prstGeom>
+          <a:solidFill>
+            <a:srgbClr val="FF0000"/>
+          </a:solidFill>
+          <a:ln>
+            <a:solidFill>
+              <a:schemeClr val="tx1"/>
+            </a:solidFill>
+          </a:ln>
+        </p:spPr>
+        <p:style>
+          <a:lnRef idx="2">
+            <a:schemeClr val="accent1">
+              <a:shade val="50000"/>
+            </a:schemeClr>
+          </a:lnRef>
+          <a:fillRef idx="1">
+            <a:schemeClr val="accent1"/>
+          </a:fillRef>
+          <a:effectRef idx="0">
+            <a:schemeClr val="accent1"/>
+          </a:effectRef>
+          <a:fontRef idx="minor">
+            <a:schemeClr val="lt1"/>
+          </a:fontRef>
+        </p:style>
+        <p:txBody>
+          <a:bodyPr rtlCol="0" anchor="ctr"/>
+          <a:lstStyle/>
+          <a:p>
+            <a:pPr algn="ctr"/>
+            <a:endParaRPr kumimoji="1" lang="en-US">
+              <a:solidFill>
+                <a:schemeClr val="tx1"/>
+              </a:solidFill>
+            </a:endParaRPr>
+          </a:p>
+        </p:txBody>
+      </p:sp>
+      <p:cxnSp>
+        <p:nvCxnSpPr>
+          <p:cNvPr id="43" name="直線矢印コネクタ 42">
+            <a:extLst>
+              <a:ext uri="{FF2B5EF4-FFF2-40B4-BE49-F238E27FC236}">
+                <a16:creationId xmlns:a16="http://schemas.microsoft.com/office/drawing/2014/main" id="{86121B97-28CD-41A9-B31A-39A587891D72}"/>
+              </a:ext>
+            </a:extLst>
+          </p:cNvPr>
+          <p:cNvCxnSpPr>
+            <a:cxnSpLocks/>
+          </p:cNvCxnSpPr>
+          <p:nvPr/>
+        </p:nvCxnSpPr>
+        <p:spPr>
+          <a:xfrm>
+            <a:off x="6049119" y="2300040"/>
+            <a:ext cx="0" cy="906487"/>
+          </a:xfrm>
+          <a:prstGeom prst="straightConnector1">
+            <a:avLst/>
+          </a:prstGeom>
+          <a:ln>
+            <a:solidFill>
+              <a:schemeClr val="tx1"/>
+            </a:solidFill>
+            <a:headEnd type="none" w="med" len="med"/>
+            <a:tailEnd type="triangle"/>
+          </a:ln>
+        </p:spPr>
+        <p:style>
+          <a:lnRef idx="1">
+            <a:schemeClr val="accent1"/>
+          </a:lnRef>
+          <a:fillRef idx="0">
+            <a:schemeClr val="accent1"/>
+          </a:fillRef>
+          <a:effectRef idx="0">
+            <a:schemeClr val="accent1"/>
+          </a:effectRef>
+          <a:fontRef idx="minor">
+            <a:schemeClr val="tx1"/>
+          </a:fontRef>
+        </p:style>
+      </p:cxnSp>
+      <p:sp>
+        <p:nvSpPr>
+          <p:cNvPr id="44" name="テキスト ボックス 43">
+            <a:extLst>
+              <a:ext uri="{FF2B5EF4-FFF2-40B4-BE49-F238E27FC236}">
+                <a16:creationId xmlns:a16="http://schemas.microsoft.com/office/drawing/2014/main" id="{93370F17-28BC-40C3-A0FD-38862166C252}"/>
+              </a:ext>
+            </a:extLst>
+          </p:cNvPr>
+          <p:cNvSpPr txBox="1"/>
+          <p:nvPr/>
+        </p:nvSpPr>
+        <p:spPr>
+          <a:xfrm>
+            <a:off x="4644008" y="1268760"/>
+            <a:ext cx="4283968" cy="461665"/>
+          </a:xfrm>
+          <a:prstGeom prst="rect">
+            <a:avLst/>
+          </a:prstGeom>
+          <a:noFill/>
+          <a:ln>
+            <a:solidFill>
+              <a:schemeClr val="tx1"/>
+            </a:solidFill>
+          </a:ln>
+        </p:spPr>
+        <p:txBody>
+          <a:bodyPr wrap="square">
+            <a:spAutoFit/>
+          </a:bodyPr>
+          <a:lstStyle/>
+          <a:p>
+            <a:r>
+              <a:rPr lang="en-US" sz="2400">
+                <a:solidFill>
+                  <a:prstClr val="black"/>
+                </a:solidFill>
+                <a:latin typeface="Lucida Console" panose="020B0609040504020204" pitchFamily="49" charset="0"/>
+              </a:rPr>
+              <a:t>$ mv ../file1.txt .</a:t>
+            </a:r>
+          </a:p>
+        </p:txBody>
+      </p:sp>
     </p:spTree>
     <p:extLst>
       <p:ext uri="{BB962C8B-B14F-4D97-AF65-F5344CB8AC3E}">
-        <p14:creationId xmlns:p14="http://schemas.microsoft.com/office/powerpoint/2010/main" val="3600838025"/>
+        <p14:creationId xmlns:p14="http://schemas.microsoft.com/office/powerpoint/2010/main" val="1352173870"/>
       </p:ext>
     </p:extLst>
   </p:cSld>
@@ -4708,6 +5850,1106 @@
       </p:grpSpPr>
       <p:pic>
         <p:nvPicPr>
+          <p:cNvPr id="20" name="Picture 2" descr="フォルダのイラスト">
+            <a:extLst>
+              <a:ext uri="{FF2B5EF4-FFF2-40B4-BE49-F238E27FC236}">
+                <a16:creationId xmlns:a16="http://schemas.microsoft.com/office/drawing/2014/main" id="{AF8BCC63-E845-4576-8B34-F4716082CF2B}"/>
+              </a:ext>
+            </a:extLst>
+          </p:cNvPr>
+          <p:cNvPicPr>
+            <a:picLocks noChangeAspect="1" noChangeArrowheads="1"/>
+          </p:cNvPicPr>
+          <p:nvPr/>
+        </p:nvPicPr>
+        <p:blipFill>
+          <a:blip r:embed="rId2" cstate="print">
+            <a:extLst>
+              <a:ext uri="{28A0092B-C50C-407E-A947-70E740481C1C}">
+                <a14:useLocalDpi xmlns:a14="http://schemas.microsoft.com/office/drawing/2010/main" val="0"/>
+              </a:ext>
+            </a:extLst>
+          </a:blip>
+          <a:srcRect/>
+          <a:stretch>
+            <a:fillRect/>
+          </a:stretch>
+        </p:blipFill>
+        <p:spPr bwMode="auto">
+          <a:xfrm>
+            <a:off x="733543" y="3365094"/>
+            <a:ext cx="764145" cy="639971"/>
+          </a:xfrm>
+          <a:prstGeom prst="rect">
+            <a:avLst/>
+          </a:prstGeom>
+          <a:noFill/>
+          <a:extLst>
+            <a:ext uri="{909E8E84-426E-40DD-AFC4-6F175D3DCCD1}">
+              <a14:hiddenFill xmlns:a14="http://schemas.microsoft.com/office/drawing/2010/main">
+                <a:solidFill>
+                  <a:srgbClr val="FFFFFF"/>
+                </a:solidFill>
+              </a14:hiddenFill>
+            </a:ext>
+          </a:extLst>
+        </p:spPr>
+      </p:pic>
+      <p:sp>
+        <p:nvSpPr>
+          <p:cNvPr id="21" name="テキスト ボックス 20">
+            <a:extLst>
+              <a:ext uri="{FF2B5EF4-FFF2-40B4-BE49-F238E27FC236}">
+                <a16:creationId xmlns:a16="http://schemas.microsoft.com/office/drawing/2014/main" id="{7097FC05-91DE-470F-B103-3B9E33936B9D}"/>
+              </a:ext>
+            </a:extLst>
+          </p:cNvPr>
+          <p:cNvSpPr txBox="1"/>
+          <p:nvPr/>
+        </p:nvSpPr>
+        <p:spPr>
+          <a:xfrm>
+            <a:off x="762408" y="3509110"/>
+            <a:ext cx="691215" cy="369332"/>
+          </a:xfrm>
+          <a:prstGeom prst="rect">
+            <a:avLst/>
+          </a:prstGeom>
+          <a:noFill/>
+        </p:spPr>
+        <p:txBody>
+          <a:bodyPr wrap="none" rtlCol="0">
+            <a:spAutoFit/>
+          </a:bodyPr>
+          <a:lstStyle/>
+          <a:p>
+            <a:r>
+              <a:rPr lang="en-US" altLang="ja-JP">
+                <a:solidFill>
+                  <a:schemeClr val="bg1"/>
+                </a:solidFill>
+                <a:latin typeface="Consolas" panose="020B0609020204030204" pitchFamily="49" charset="0"/>
+              </a:rPr>
+              <a:t>temp</a:t>
+            </a:r>
+            <a:endParaRPr kumimoji="1" lang="ja-JP" altLang="en-US" dirty="0">
+              <a:solidFill>
+                <a:schemeClr val="bg1"/>
+              </a:solidFill>
+              <a:latin typeface="Consolas" panose="020B0609020204030204" pitchFamily="49" charset="0"/>
+            </a:endParaRPr>
+          </a:p>
+        </p:txBody>
+      </p:sp>
+      <p:pic>
+        <p:nvPicPr>
+          <p:cNvPr id="22" name="Picture 2" descr="フォルダのイラスト">
+            <a:extLst>
+              <a:ext uri="{FF2B5EF4-FFF2-40B4-BE49-F238E27FC236}">
+                <a16:creationId xmlns:a16="http://schemas.microsoft.com/office/drawing/2014/main" id="{04A7C351-0532-4712-B458-5F3228DC4069}"/>
+              </a:ext>
+            </a:extLst>
+          </p:cNvPr>
+          <p:cNvPicPr>
+            <a:picLocks noChangeAspect="1" noChangeArrowheads="1"/>
+          </p:cNvPicPr>
+          <p:nvPr/>
+        </p:nvPicPr>
+        <p:blipFill>
+          <a:blip r:embed="rId2" cstate="print">
+            <a:extLst>
+              <a:ext uri="{28A0092B-C50C-407E-A947-70E740481C1C}">
+                <a14:useLocalDpi xmlns:a14="http://schemas.microsoft.com/office/drawing/2010/main" val="0"/>
+              </a:ext>
+            </a:extLst>
+          </a:blip>
+          <a:srcRect/>
+          <a:stretch>
+            <a:fillRect/>
+          </a:stretch>
+        </p:blipFill>
+        <p:spPr bwMode="auto">
+          <a:xfrm>
+            <a:off x="733543" y="4301198"/>
+            <a:ext cx="764145" cy="639971"/>
+          </a:xfrm>
+          <a:prstGeom prst="rect">
+            <a:avLst/>
+          </a:prstGeom>
+          <a:noFill/>
+          <a:extLst>
+            <a:ext uri="{909E8E84-426E-40DD-AFC4-6F175D3DCCD1}">
+              <a14:hiddenFill xmlns:a14="http://schemas.microsoft.com/office/drawing/2010/main">
+                <a:solidFill>
+                  <a:srgbClr val="FFFFFF"/>
+                </a:solidFill>
+              </a14:hiddenFill>
+            </a:ext>
+          </a:extLst>
+        </p:spPr>
+      </p:pic>
+      <p:sp>
+        <p:nvSpPr>
+          <p:cNvPr id="23" name="テキスト ボックス 22">
+            <a:extLst>
+              <a:ext uri="{FF2B5EF4-FFF2-40B4-BE49-F238E27FC236}">
+                <a16:creationId xmlns:a16="http://schemas.microsoft.com/office/drawing/2014/main" id="{0A37B4BD-1E8A-4B0C-ADE5-483971031ECB}"/>
+              </a:ext>
+            </a:extLst>
+          </p:cNvPr>
+          <p:cNvSpPr txBox="1"/>
+          <p:nvPr/>
+        </p:nvSpPr>
+        <p:spPr>
+          <a:xfrm>
+            <a:off x="762408" y="4445214"/>
+            <a:ext cx="691215" cy="369332"/>
+          </a:xfrm>
+          <a:prstGeom prst="rect">
+            <a:avLst/>
+          </a:prstGeom>
+          <a:noFill/>
+        </p:spPr>
+        <p:txBody>
+          <a:bodyPr wrap="none" rtlCol="0">
+            <a:spAutoFit/>
+          </a:bodyPr>
+          <a:lstStyle/>
+          <a:p>
+            <a:r>
+              <a:rPr kumimoji="1" lang="en-US" altLang="ja-JP">
+                <a:solidFill>
+                  <a:schemeClr val="bg1"/>
+                </a:solidFill>
+                <a:latin typeface="Consolas" panose="020B0609020204030204" pitchFamily="49" charset="0"/>
+              </a:rPr>
+              <a:t>dir1</a:t>
+            </a:r>
+            <a:endParaRPr kumimoji="1" lang="ja-JP" altLang="en-US" dirty="0">
+              <a:solidFill>
+                <a:schemeClr val="bg1"/>
+              </a:solidFill>
+              <a:latin typeface="Consolas" panose="020B0609020204030204" pitchFamily="49" charset="0"/>
+            </a:endParaRPr>
+          </a:p>
+        </p:txBody>
+      </p:sp>
+      <p:pic>
+        <p:nvPicPr>
+          <p:cNvPr id="24" name="Picture 2" descr="フォルダのイラスト">
+            <a:extLst>
+              <a:ext uri="{FF2B5EF4-FFF2-40B4-BE49-F238E27FC236}">
+                <a16:creationId xmlns:a16="http://schemas.microsoft.com/office/drawing/2014/main" id="{0326AE61-6EDD-4B70-878A-35C8C2EA1A0A}"/>
+              </a:ext>
+            </a:extLst>
+          </p:cNvPr>
+          <p:cNvPicPr>
+            <a:picLocks noChangeAspect="1" noChangeArrowheads="1"/>
+          </p:cNvPicPr>
+          <p:nvPr/>
+        </p:nvPicPr>
+        <p:blipFill>
+          <a:blip r:embed="rId2" cstate="print">
+            <a:extLst>
+              <a:ext uri="{28A0092B-C50C-407E-A947-70E740481C1C}">
+                <a14:useLocalDpi xmlns:a14="http://schemas.microsoft.com/office/drawing/2010/main" val="0"/>
+              </a:ext>
+            </a:extLst>
+          </a:blip>
+          <a:srcRect/>
+          <a:stretch>
+            <a:fillRect/>
+          </a:stretch>
+        </p:blipFill>
+        <p:spPr bwMode="auto">
+          <a:xfrm>
+            <a:off x="1698512" y="4301198"/>
+            <a:ext cx="764145" cy="639971"/>
+          </a:xfrm>
+          <a:prstGeom prst="rect">
+            <a:avLst/>
+          </a:prstGeom>
+          <a:noFill/>
+          <a:extLst>
+            <a:ext uri="{909E8E84-426E-40DD-AFC4-6F175D3DCCD1}">
+              <a14:hiddenFill xmlns:a14="http://schemas.microsoft.com/office/drawing/2010/main">
+                <a:solidFill>
+                  <a:srgbClr val="FFFFFF"/>
+                </a:solidFill>
+              </a14:hiddenFill>
+            </a:ext>
+          </a:extLst>
+        </p:spPr>
+      </p:pic>
+      <p:sp>
+        <p:nvSpPr>
+          <p:cNvPr id="25" name="テキスト ボックス 24">
+            <a:extLst>
+              <a:ext uri="{FF2B5EF4-FFF2-40B4-BE49-F238E27FC236}">
+                <a16:creationId xmlns:a16="http://schemas.microsoft.com/office/drawing/2014/main" id="{976BC82D-EF3C-4A7D-9A31-FE8CE6862C36}"/>
+              </a:ext>
+            </a:extLst>
+          </p:cNvPr>
+          <p:cNvSpPr txBox="1"/>
+          <p:nvPr/>
+        </p:nvSpPr>
+        <p:spPr>
+          <a:xfrm>
+            <a:off x="1727377" y="4445214"/>
+            <a:ext cx="691215" cy="369332"/>
+          </a:xfrm>
+          <a:prstGeom prst="rect">
+            <a:avLst/>
+          </a:prstGeom>
+          <a:noFill/>
+        </p:spPr>
+        <p:txBody>
+          <a:bodyPr wrap="none" rtlCol="0">
+            <a:spAutoFit/>
+          </a:bodyPr>
+          <a:lstStyle/>
+          <a:p>
+            <a:r>
+              <a:rPr kumimoji="1" lang="en-US" altLang="ja-JP">
+                <a:solidFill>
+                  <a:schemeClr val="bg1"/>
+                </a:solidFill>
+                <a:latin typeface="Consolas" panose="020B0609020204030204" pitchFamily="49" charset="0"/>
+              </a:rPr>
+              <a:t>dir2</a:t>
+            </a:r>
+            <a:endParaRPr kumimoji="1" lang="ja-JP" altLang="en-US" dirty="0">
+              <a:solidFill>
+                <a:schemeClr val="bg1"/>
+              </a:solidFill>
+              <a:latin typeface="Consolas" panose="020B0609020204030204" pitchFamily="49" charset="0"/>
+            </a:endParaRPr>
+          </a:p>
+        </p:txBody>
+      </p:sp>
+      <p:pic>
+        <p:nvPicPr>
+          <p:cNvPr id="26" name="Picture 2" descr="ファイルアイコン（ブランク）">
+            <a:extLst>
+              <a:ext uri="{FF2B5EF4-FFF2-40B4-BE49-F238E27FC236}">
+                <a16:creationId xmlns:a16="http://schemas.microsoft.com/office/drawing/2014/main" id="{B71E753F-7E8C-46BB-8690-D49B4A34FCA7}"/>
+              </a:ext>
+            </a:extLst>
+          </p:cNvPr>
+          <p:cNvPicPr>
+            <a:picLocks noChangeAspect="1" noChangeArrowheads="1"/>
+          </p:cNvPicPr>
+          <p:nvPr/>
+        </p:nvPicPr>
+        <p:blipFill>
+          <a:blip r:embed="rId3" cstate="print">
+            <a:extLst>
+              <a:ext uri="{28A0092B-C50C-407E-A947-70E740481C1C}">
+                <a14:useLocalDpi xmlns:a14="http://schemas.microsoft.com/office/drawing/2010/main" val="0"/>
+              </a:ext>
+            </a:extLst>
+          </a:blip>
+          <a:srcRect/>
+          <a:stretch>
+            <a:fillRect/>
+          </a:stretch>
+        </p:blipFill>
+        <p:spPr bwMode="auto">
+          <a:xfrm>
+            <a:off x="2706624" y="4301198"/>
+            <a:ext cx="558061" cy="648072"/>
+          </a:xfrm>
+          <a:prstGeom prst="rect">
+            <a:avLst/>
+          </a:prstGeom>
+          <a:noFill/>
+          <a:extLst>
+            <a:ext uri="{909E8E84-426E-40DD-AFC4-6F175D3DCCD1}">
+              <a14:hiddenFill xmlns:a14="http://schemas.microsoft.com/office/drawing/2010/main">
+                <a:solidFill>
+                  <a:srgbClr val="FFFFFF"/>
+                </a:solidFill>
+              </a14:hiddenFill>
+            </a:ext>
+          </a:extLst>
+        </p:spPr>
+      </p:pic>
+      <p:sp>
+        <p:nvSpPr>
+          <p:cNvPr id="27" name="テキスト ボックス 26">
+            <a:extLst>
+              <a:ext uri="{FF2B5EF4-FFF2-40B4-BE49-F238E27FC236}">
+                <a16:creationId xmlns:a16="http://schemas.microsoft.com/office/drawing/2014/main" id="{0AD59C73-7FF6-44D0-B07B-11179842062E}"/>
+              </a:ext>
+            </a:extLst>
+          </p:cNvPr>
+          <p:cNvSpPr txBox="1"/>
+          <p:nvPr/>
+        </p:nvSpPr>
+        <p:spPr>
+          <a:xfrm>
+            <a:off x="2490600" y="4877262"/>
+            <a:ext cx="1115616" cy="307777"/>
+          </a:xfrm>
+          <a:prstGeom prst="rect">
+            <a:avLst/>
+          </a:prstGeom>
+          <a:noFill/>
+        </p:spPr>
+        <p:txBody>
+          <a:bodyPr wrap="square">
+            <a:spAutoFit/>
+          </a:bodyPr>
+          <a:lstStyle/>
+          <a:p>
+            <a:r>
+              <a:rPr lang="en-US" altLang="ja-JP" sz="1400">
+                <a:latin typeface="Consolas" panose="020B0609020204030204" pitchFamily="49" charset="0"/>
+              </a:rPr>
+              <a:t>file1.txt</a:t>
+            </a:r>
+            <a:endParaRPr kumimoji="1" lang="ja-JP" altLang="en-US" sz="1400" dirty="0">
+              <a:latin typeface="Consolas" panose="020B0609020204030204" pitchFamily="49" charset="0"/>
+            </a:endParaRPr>
+          </a:p>
+        </p:txBody>
+      </p:sp>
+      <p:pic>
+        <p:nvPicPr>
+          <p:cNvPr id="28" name="Picture 2" descr="ファイルアイコン（ブランク）">
+            <a:extLst>
+              <a:ext uri="{FF2B5EF4-FFF2-40B4-BE49-F238E27FC236}">
+                <a16:creationId xmlns:a16="http://schemas.microsoft.com/office/drawing/2014/main" id="{F17C7B71-4692-4574-BA47-CB5FC475EA22}"/>
+              </a:ext>
+            </a:extLst>
+          </p:cNvPr>
+          <p:cNvPicPr>
+            <a:picLocks noChangeAspect="1" noChangeArrowheads="1"/>
+          </p:cNvPicPr>
+          <p:nvPr/>
+        </p:nvPicPr>
+        <p:blipFill>
+          <a:blip r:embed="rId3" cstate="print">
+            <a:extLst>
+              <a:ext uri="{28A0092B-C50C-407E-A947-70E740481C1C}">
+                <a14:useLocalDpi xmlns:a14="http://schemas.microsoft.com/office/drawing/2010/main" val="0"/>
+              </a:ext>
+            </a:extLst>
+          </a:blip>
+          <a:srcRect/>
+          <a:stretch>
+            <a:fillRect/>
+          </a:stretch>
+        </p:blipFill>
+        <p:spPr bwMode="auto">
+          <a:xfrm>
+            <a:off x="3714736" y="4301198"/>
+            <a:ext cx="558061" cy="648072"/>
+          </a:xfrm>
+          <a:prstGeom prst="rect">
+            <a:avLst/>
+          </a:prstGeom>
+          <a:noFill/>
+          <a:extLst>
+            <a:ext uri="{909E8E84-426E-40DD-AFC4-6F175D3DCCD1}">
+              <a14:hiddenFill xmlns:a14="http://schemas.microsoft.com/office/drawing/2010/main">
+                <a:solidFill>
+                  <a:srgbClr val="FFFFFF"/>
+                </a:solidFill>
+              </a14:hiddenFill>
+            </a:ext>
+          </a:extLst>
+        </p:spPr>
+      </p:pic>
+      <p:sp>
+        <p:nvSpPr>
+          <p:cNvPr id="29" name="テキスト ボックス 28">
+            <a:extLst>
+              <a:ext uri="{FF2B5EF4-FFF2-40B4-BE49-F238E27FC236}">
+                <a16:creationId xmlns:a16="http://schemas.microsoft.com/office/drawing/2014/main" id="{209A024C-ED2C-4D27-97FE-9E5CFFBE6A7F}"/>
+              </a:ext>
+            </a:extLst>
+          </p:cNvPr>
+          <p:cNvSpPr txBox="1"/>
+          <p:nvPr/>
+        </p:nvSpPr>
+        <p:spPr>
+          <a:xfrm>
+            <a:off x="3498712" y="4877262"/>
+            <a:ext cx="1115616" cy="307777"/>
+          </a:xfrm>
+          <a:prstGeom prst="rect">
+            <a:avLst/>
+          </a:prstGeom>
+          <a:noFill/>
+        </p:spPr>
+        <p:txBody>
+          <a:bodyPr wrap="square">
+            <a:spAutoFit/>
+          </a:bodyPr>
+          <a:lstStyle/>
+          <a:p>
+            <a:r>
+              <a:rPr lang="en-US" altLang="ja-JP" sz="1400">
+                <a:latin typeface="Consolas" panose="020B0609020204030204" pitchFamily="49" charset="0"/>
+              </a:rPr>
+              <a:t>file2.txt</a:t>
+            </a:r>
+            <a:endParaRPr kumimoji="1" lang="ja-JP" altLang="en-US" sz="1400" dirty="0">
+              <a:latin typeface="Consolas" panose="020B0609020204030204" pitchFamily="49" charset="0"/>
+            </a:endParaRPr>
+          </a:p>
+        </p:txBody>
+      </p:sp>
+      <p:pic>
+        <p:nvPicPr>
+          <p:cNvPr id="30" name="Picture 2" descr="ファイルアイコン（ブランク）">
+            <a:extLst>
+              <a:ext uri="{FF2B5EF4-FFF2-40B4-BE49-F238E27FC236}">
+                <a16:creationId xmlns:a16="http://schemas.microsoft.com/office/drawing/2014/main" id="{4A87D4C8-300E-4A3B-9BAB-F222C0818F4D}"/>
+              </a:ext>
+            </a:extLst>
+          </p:cNvPr>
+          <p:cNvPicPr>
+            <a:picLocks noChangeAspect="1" noChangeArrowheads="1"/>
+          </p:cNvPicPr>
+          <p:nvPr/>
+        </p:nvPicPr>
+        <p:blipFill>
+          <a:blip r:embed="rId3" cstate="print">
+            <a:extLst>
+              <a:ext uri="{28A0092B-C50C-407E-A947-70E740481C1C}">
+                <a14:useLocalDpi xmlns:a14="http://schemas.microsoft.com/office/drawing/2010/main" val="0"/>
+              </a:ext>
+            </a:extLst>
+          </a:blip>
+          <a:srcRect/>
+          <a:stretch>
+            <a:fillRect/>
+          </a:stretch>
+        </p:blipFill>
+        <p:spPr bwMode="auto">
+          <a:xfrm>
+            <a:off x="834416" y="5309310"/>
+            <a:ext cx="558061" cy="648072"/>
+          </a:xfrm>
+          <a:prstGeom prst="rect">
+            <a:avLst/>
+          </a:prstGeom>
+          <a:noFill/>
+          <a:extLst>
+            <a:ext uri="{909E8E84-426E-40DD-AFC4-6F175D3DCCD1}">
+              <a14:hiddenFill xmlns:a14="http://schemas.microsoft.com/office/drawing/2010/main">
+                <a:solidFill>
+                  <a:srgbClr val="FFFFFF"/>
+                </a:solidFill>
+              </a14:hiddenFill>
+            </a:ext>
+          </a:extLst>
+        </p:spPr>
+      </p:pic>
+      <p:sp>
+        <p:nvSpPr>
+          <p:cNvPr id="31" name="テキスト ボックス 30">
+            <a:extLst>
+              <a:ext uri="{FF2B5EF4-FFF2-40B4-BE49-F238E27FC236}">
+                <a16:creationId xmlns:a16="http://schemas.microsoft.com/office/drawing/2014/main" id="{AA1B7DD6-96BC-4084-AD2A-B803A71EE9D7}"/>
+              </a:ext>
+            </a:extLst>
+          </p:cNvPr>
+          <p:cNvSpPr txBox="1"/>
+          <p:nvPr/>
+        </p:nvSpPr>
+        <p:spPr>
+          <a:xfrm>
+            <a:off x="653441" y="5934214"/>
+            <a:ext cx="1115616" cy="307777"/>
+          </a:xfrm>
+          <a:prstGeom prst="rect">
+            <a:avLst/>
+          </a:prstGeom>
+          <a:noFill/>
+        </p:spPr>
+        <p:txBody>
+          <a:bodyPr wrap="square">
+            <a:spAutoFit/>
+          </a:bodyPr>
+          <a:lstStyle/>
+          <a:p>
+            <a:r>
+              <a:rPr lang="en-US" altLang="ja-JP" sz="1400">
+                <a:latin typeface="Consolas" panose="020B0609020204030204" pitchFamily="49" charset="0"/>
+              </a:rPr>
+              <a:t>file3.txt</a:t>
+            </a:r>
+            <a:endParaRPr kumimoji="1" lang="ja-JP" altLang="en-US" sz="1400" dirty="0">
+              <a:latin typeface="Consolas" panose="020B0609020204030204" pitchFamily="49" charset="0"/>
+            </a:endParaRPr>
+          </a:p>
+        </p:txBody>
+      </p:sp>
+      <p:cxnSp>
+        <p:nvCxnSpPr>
+          <p:cNvPr id="32" name="コネクタ: カギ線 31">
+            <a:extLst>
+              <a:ext uri="{FF2B5EF4-FFF2-40B4-BE49-F238E27FC236}">
+                <a16:creationId xmlns:a16="http://schemas.microsoft.com/office/drawing/2014/main" id="{FED7563A-1F1F-43B8-886F-10F3AB5CC5C4}"/>
+              </a:ext>
+            </a:extLst>
+          </p:cNvPr>
+          <p:cNvCxnSpPr>
+            <a:cxnSpLocks/>
+            <a:stCxn id="20" idx="2"/>
+            <a:endCxn id="24" idx="0"/>
+          </p:cNvCxnSpPr>
+          <p:nvPr/>
+        </p:nvCxnSpPr>
+        <p:spPr>
+          <a:xfrm rot="16200000" flipH="1">
+            <a:off x="1450034" y="3670646"/>
+            <a:ext cx="296133" cy="964969"/>
+          </a:xfrm>
+          <a:prstGeom prst="bentConnector3">
+            <a:avLst/>
+          </a:prstGeom>
+          <a:ln w="12700">
+            <a:solidFill>
+              <a:schemeClr val="tx1"/>
+            </a:solidFill>
+          </a:ln>
+        </p:spPr>
+        <p:style>
+          <a:lnRef idx="1">
+            <a:schemeClr val="accent1"/>
+          </a:lnRef>
+          <a:fillRef idx="0">
+            <a:schemeClr val="accent1"/>
+          </a:fillRef>
+          <a:effectRef idx="0">
+            <a:schemeClr val="accent1"/>
+          </a:effectRef>
+          <a:fontRef idx="minor">
+            <a:schemeClr val="tx1"/>
+          </a:fontRef>
+        </p:style>
+      </p:cxnSp>
+      <p:cxnSp>
+        <p:nvCxnSpPr>
+          <p:cNvPr id="33" name="コネクタ: カギ線 32">
+            <a:extLst>
+              <a:ext uri="{FF2B5EF4-FFF2-40B4-BE49-F238E27FC236}">
+                <a16:creationId xmlns:a16="http://schemas.microsoft.com/office/drawing/2014/main" id="{99ADC803-2FC3-4EC3-970E-193268FE466F}"/>
+              </a:ext>
+            </a:extLst>
+          </p:cNvPr>
+          <p:cNvCxnSpPr>
+            <a:cxnSpLocks/>
+            <a:stCxn id="20" idx="2"/>
+            <a:endCxn id="26" idx="0"/>
+          </p:cNvCxnSpPr>
+          <p:nvPr/>
+        </p:nvCxnSpPr>
+        <p:spPr>
+          <a:xfrm rot="16200000" flipH="1">
+            <a:off x="1902569" y="3218111"/>
+            <a:ext cx="296133" cy="1870039"/>
+          </a:xfrm>
+          <a:prstGeom prst="bentConnector3">
+            <a:avLst/>
+          </a:prstGeom>
+          <a:ln w="12700">
+            <a:solidFill>
+              <a:schemeClr val="tx1"/>
+            </a:solidFill>
+          </a:ln>
+        </p:spPr>
+        <p:style>
+          <a:lnRef idx="1">
+            <a:schemeClr val="accent1"/>
+          </a:lnRef>
+          <a:fillRef idx="0">
+            <a:schemeClr val="accent1"/>
+          </a:fillRef>
+          <a:effectRef idx="0">
+            <a:schemeClr val="accent1"/>
+          </a:effectRef>
+          <a:fontRef idx="minor">
+            <a:schemeClr val="tx1"/>
+          </a:fontRef>
+        </p:style>
+      </p:cxnSp>
+      <p:cxnSp>
+        <p:nvCxnSpPr>
+          <p:cNvPr id="34" name="コネクタ: カギ線 33">
+            <a:extLst>
+              <a:ext uri="{FF2B5EF4-FFF2-40B4-BE49-F238E27FC236}">
+                <a16:creationId xmlns:a16="http://schemas.microsoft.com/office/drawing/2014/main" id="{B1483A30-3B4E-4A75-A2BC-9D3621955983}"/>
+              </a:ext>
+            </a:extLst>
+          </p:cNvPr>
+          <p:cNvCxnSpPr>
+            <a:cxnSpLocks/>
+            <a:stCxn id="20" idx="2"/>
+            <a:endCxn id="28" idx="0"/>
+          </p:cNvCxnSpPr>
+          <p:nvPr/>
+        </p:nvCxnSpPr>
+        <p:spPr>
+          <a:xfrm rot="16200000" flipH="1">
+            <a:off x="2406625" y="2714055"/>
+            <a:ext cx="296133" cy="2878151"/>
+          </a:xfrm>
+          <a:prstGeom prst="bentConnector3">
+            <a:avLst/>
+          </a:prstGeom>
+          <a:ln w="12700">
+            <a:solidFill>
+              <a:schemeClr val="tx1"/>
+            </a:solidFill>
+          </a:ln>
+        </p:spPr>
+        <p:style>
+          <a:lnRef idx="1">
+            <a:schemeClr val="accent1"/>
+          </a:lnRef>
+          <a:fillRef idx="0">
+            <a:schemeClr val="accent1"/>
+          </a:fillRef>
+          <a:effectRef idx="0">
+            <a:schemeClr val="accent1"/>
+          </a:effectRef>
+          <a:fontRef idx="minor">
+            <a:schemeClr val="tx1"/>
+          </a:fontRef>
+        </p:style>
+      </p:cxnSp>
+      <p:cxnSp>
+        <p:nvCxnSpPr>
+          <p:cNvPr id="35" name="直線コネクタ 34">
+            <a:extLst>
+              <a:ext uri="{FF2B5EF4-FFF2-40B4-BE49-F238E27FC236}">
+                <a16:creationId xmlns:a16="http://schemas.microsoft.com/office/drawing/2014/main" id="{BE800AA6-2F56-44B2-B492-C17AF232914E}"/>
+              </a:ext>
+            </a:extLst>
+          </p:cNvPr>
+          <p:cNvCxnSpPr>
+            <a:stCxn id="20" idx="2"/>
+            <a:endCxn id="22" idx="0"/>
+          </p:cNvCxnSpPr>
+          <p:nvPr/>
+        </p:nvCxnSpPr>
+        <p:spPr>
+          <a:xfrm>
+            <a:off x="1115616" y="4005065"/>
+            <a:ext cx="0" cy="296133"/>
+          </a:xfrm>
+          <a:prstGeom prst="line">
+            <a:avLst/>
+          </a:prstGeom>
+          <a:ln w="12700">
+            <a:solidFill>
+              <a:schemeClr val="tx1"/>
+            </a:solidFill>
+          </a:ln>
+        </p:spPr>
+        <p:style>
+          <a:lnRef idx="1">
+            <a:schemeClr val="accent1"/>
+          </a:lnRef>
+          <a:fillRef idx="0">
+            <a:schemeClr val="accent1"/>
+          </a:fillRef>
+          <a:effectRef idx="0">
+            <a:schemeClr val="accent1"/>
+          </a:effectRef>
+          <a:fontRef idx="minor">
+            <a:schemeClr val="tx1"/>
+          </a:fontRef>
+        </p:style>
+      </p:cxnSp>
+      <p:cxnSp>
+        <p:nvCxnSpPr>
+          <p:cNvPr id="36" name="直線コネクタ 35">
+            <a:extLst>
+              <a:ext uri="{FF2B5EF4-FFF2-40B4-BE49-F238E27FC236}">
+                <a16:creationId xmlns:a16="http://schemas.microsoft.com/office/drawing/2014/main" id="{837FBCA9-113E-4988-8508-CD29CC2CFF4E}"/>
+              </a:ext>
+            </a:extLst>
+          </p:cNvPr>
+          <p:cNvCxnSpPr/>
+          <p:nvPr/>
+        </p:nvCxnSpPr>
+        <p:spPr>
+          <a:xfrm>
+            <a:off x="1122448" y="4877262"/>
+            <a:ext cx="0" cy="296133"/>
+          </a:xfrm>
+          <a:prstGeom prst="line">
+            <a:avLst/>
+          </a:prstGeom>
+          <a:ln w="12700">
+            <a:solidFill>
+              <a:schemeClr val="tx1"/>
+            </a:solidFill>
+          </a:ln>
+        </p:spPr>
+        <p:style>
+          <a:lnRef idx="1">
+            <a:schemeClr val="accent1"/>
+          </a:lnRef>
+          <a:fillRef idx="0">
+            <a:schemeClr val="accent1"/>
+          </a:fillRef>
+          <a:effectRef idx="0">
+            <a:schemeClr val="accent1"/>
+          </a:effectRef>
+          <a:fontRef idx="minor">
+            <a:schemeClr val="tx1"/>
+          </a:fontRef>
+        </p:style>
+      </p:cxnSp>
+      <p:sp>
+        <p:nvSpPr>
+          <p:cNvPr id="37" name="四角形: 角を丸くする 36">
+            <a:extLst>
+              <a:ext uri="{FF2B5EF4-FFF2-40B4-BE49-F238E27FC236}">
+                <a16:creationId xmlns:a16="http://schemas.microsoft.com/office/drawing/2014/main" id="{B0018E77-19C9-486F-B7D6-9670150A0A14}"/>
+              </a:ext>
+            </a:extLst>
+          </p:cNvPr>
+          <p:cNvSpPr/>
+          <p:nvPr/>
+        </p:nvSpPr>
+        <p:spPr>
+          <a:xfrm>
+            <a:off x="618392" y="3293086"/>
+            <a:ext cx="936104" cy="720080"/>
+          </a:xfrm>
+          <a:prstGeom prst="roundRect">
+            <a:avLst/>
+          </a:prstGeom>
+          <a:noFill/>
+          <a:ln w="28575">
+            <a:solidFill>
+              <a:srgbClr val="FF0000"/>
+            </a:solidFill>
+            <a:prstDash val="sysDash"/>
+          </a:ln>
+        </p:spPr>
+        <p:style>
+          <a:lnRef idx="2">
+            <a:schemeClr val="accent1">
+              <a:shade val="50000"/>
+            </a:schemeClr>
+          </a:lnRef>
+          <a:fillRef idx="1">
+            <a:schemeClr val="accent1"/>
+          </a:fillRef>
+          <a:effectRef idx="0">
+            <a:schemeClr val="accent1"/>
+          </a:effectRef>
+          <a:fontRef idx="minor">
+            <a:schemeClr val="lt1"/>
+          </a:fontRef>
+        </p:style>
+        <p:txBody>
+          <a:bodyPr rtlCol="0" anchor="ctr"/>
+          <a:lstStyle/>
+          <a:p>
+            <a:pPr algn="ctr"/>
+            <a:endParaRPr kumimoji="1" lang="ja-JP" altLang="en-US"/>
+          </a:p>
+        </p:txBody>
+      </p:sp>
+      <p:sp>
+        <p:nvSpPr>
+          <p:cNvPr id="38" name="テキスト ボックス 37">
+            <a:extLst>
+              <a:ext uri="{FF2B5EF4-FFF2-40B4-BE49-F238E27FC236}">
+                <a16:creationId xmlns:a16="http://schemas.microsoft.com/office/drawing/2014/main" id="{673F6C43-4B4B-4C6B-A82C-B3CDC5DE9B41}"/>
+              </a:ext>
+            </a:extLst>
+          </p:cNvPr>
+          <p:cNvSpPr txBox="1"/>
+          <p:nvPr/>
+        </p:nvSpPr>
+        <p:spPr>
+          <a:xfrm>
+            <a:off x="258352" y="2933046"/>
+            <a:ext cx="1723549" cy="276999"/>
+          </a:xfrm>
+          <a:prstGeom prst="rect">
+            <a:avLst/>
+          </a:prstGeom>
+          <a:noFill/>
+        </p:spPr>
+        <p:txBody>
+          <a:bodyPr wrap="none" rtlCol="0">
+            <a:spAutoFit/>
+          </a:bodyPr>
+          <a:lstStyle/>
+          <a:p>
+            <a:r>
+              <a:rPr kumimoji="1" lang="ja-JP" altLang="en-US" sz="1200"/>
+              <a:t>カレントディレクトリ</a:t>
+            </a:r>
+          </a:p>
+        </p:txBody>
+      </p:sp>
+      <p:sp>
+        <p:nvSpPr>
+          <p:cNvPr id="39" name="テキスト ボックス 38">
+            <a:extLst>
+              <a:ext uri="{FF2B5EF4-FFF2-40B4-BE49-F238E27FC236}">
+                <a16:creationId xmlns:a16="http://schemas.microsoft.com/office/drawing/2014/main" id="{F89280A0-5F10-4D7C-AD08-8BB7B7D6556B}"/>
+              </a:ext>
+            </a:extLst>
+          </p:cNvPr>
+          <p:cNvSpPr txBox="1"/>
+          <p:nvPr/>
+        </p:nvSpPr>
+        <p:spPr>
+          <a:xfrm>
+            <a:off x="251520" y="2204864"/>
+            <a:ext cx="5256584" cy="461665"/>
+          </a:xfrm>
+          <a:prstGeom prst="rect">
+            <a:avLst/>
+          </a:prstGeom>
+          <a:noFill/>
+          <a:ln>
+            <a:solidFill>
+              <a:schemeClr val="tx1"/>
+            </a:solidFill>
+          </a:ln>
+        </p:spPr>
+        <p:txBody>
+          <a:bodyPr wrap="square">
+            <a:spAutoFit/>
+          </a:bodyPr>
+          <a:lstStyle/>
+          <a:p>
+            <a:r>
+              <a:rPr lang="en-US" sz="2400">
+                <a:solidFill>
+                  <a:prstClr val="black"/>
+                </a:solidFill>
+                <a:latin typeface="Lucida Console" panose="020B0609040504020204" pitchFamily="49" charset="0"/>
+              </a:rPr>
+              <a:t>$ mv file2.txt file3.txt</a:t>
+            </a:r>
+          </a:p>
+        </p:txBody>
+      </p:sp>
+      <p:pic>
+        <p:nvPicPr>
+          <p:cNvPr id="40" name="Picture 2" descr="ファイルアイコン（ブランク）">
+            <a:extLst>
+              <a:ext uri="{FF2B5EF4-FFF2-40B4-BE49-F238E27FC236}">
+                <a16:creationId xmlns:a16="http://schemas.microsoft.com/office/drawing/2014/main" id="{1002BDDA-D55E-49B4-9659-899D2C8E23D5}"/>
+              </a:ext>
+            </a:extLst>
+          </p:cNvPr>
+          <p:cNvPicPr>
+            <a:picLocks noChangeAspect="1" noChangeArrowheads="1"/>
+          </p:cNvPicPr>
+          <p:nvPr/>
+        </p:nvPicPr>
+        <p:blipFill>
+          <a:blip r:embed="rId3" cstate="print">
+            <a:extLst>
+              <a:ext uri="{28A0092B-C50C-407E-A947-70E740481C1C}">
+                <a14:useLocalDpi xmlns:a14="http://schemas.microsoft.com/office/drawing/2010/main" val="0"/>
+              </a:ext>
+            </a:extLst>
+          </a:blip>
+          <a:srcRect/>
+          <a:stretch>
+            <a:fillRect/>
+          </a:stretch>
+        </p:blipFill>
+        <p:spPr bwMode="auto">
+          <a:xfrm>
+            <a:off x="5082888" y="4301198"/>
+            <a:ext cx="558061" cy="648072"/>
+          </a:xfrm>
+          <a:prstGeom prst="rect">
+            <a:avLst/>
+          </a:prstGeom>
+          <a:noFill/>
+          <a:extLst>
+            <a:ext uri="{909E8E84-426E-40DD-AFC4-6F175D3DCCD1}">
+              <a14:hiddenFill xmlns:a14="http://schemas.microsoft.com/office/drawing/2010/main">
+                <a:solidFill>
+                  <a:srgbClr val="FFFFFF"/>
+                </a:solidFill>
+              </a14:hiddenFill>
+            </a:ext>
+          </a:extLst>
+        </p:spPr>
+      </p:pic>
+      <p:sp>
+        <p:nvSpPr>
+          <p:cNvPr id="41" name="テキスト ボックス 40">
+            <a:extLst>
+              <a:ext uri="{FF2B5EF4-FFF2-40B4-BE49-F238E27FC236}">
+                <a16:creationId xmlns:a16="http://schemas.microsoft.com/office/drawing/2014/main" id="{96FA9D39-EC4C-452D-9209-51E613113C7B}"/>
+              </a:ext>
+            </a:extLst>
+          </p:cNvPr>
+          <p:cNvSpPr txBox="1"/>
+          <p:nvPr/>
+        </p:nvSpPr>
+        <p:spPr>
+          <a:xfrm>
+            <a:off x="4866864" y="4877262"/>
+            <a:ext cx="1115616" cy="307777"/>
+          </a:xfrm>
+          <a:prstGeom prst="rect">
+            <a:avLst/>
+          </a:prstGeom>
+          <a:noFill/>
+        </p:spPr>
+        <p:txBody>
+          <a:bodyPr wrap="square">
+            <a:spAutoFit/>
+          </a:bodyPr>
+          <a:lstStyle/>
+          <a:p>
+            <a:r>
+              <a:rPr lang="en-US" altLang="ja-JP" sz="1400">
+                <a:latin typeface="Consolas" panose="020B0609020204030204" pitchFamily="49" charset="0"/>
+              </a:rPr>
+              <a:t>file3.txt</a:t>
+            </a:r>
+            <a:endParaRPr kumimoji="1" lang="ja-JP" altLang="en-US" sz="1400" dirty="0">
+              <a:latin typeface="Consolas" panose="020B0609020204030204" pitchFamily="49" charset="0"/>
+            </a:endParaRPr>
+          </a:p>
+        </p:txBody>
+      </p:sp>
+      <p:sp>
+        <p:nvSpPr>
+          <p:cNvPr id="42" name="矢印: 右 41">
+            <a:extLst>
+              <a:ext uri="{FF2B5EF4-FFF2-40B4-BE49-F238E27FC236}">
+                <a16:creationId xmlns:a16="http://schemas.microsoft.com/office/drawing/2014/main" id="{932E18F7-6EBB-4EB1-9636-AD85C4506D88}"/>
+              </a:ext>
+            </a:extLst>
+          </p:cNvPr>
+          <p:cNvSpPr/>
+          <p:nvPr/>
+        </p:nvSpPr>
+        <p:spPr>
+          <a:xfrm>
+            <a:off x="4434816" y="4445214"/>
+            <a:ext cx="504056" cy="412624"/>
+          </a:xfrm>
+          <a:prstGeom prst="rightArrow">
+            <a:avLst/>
+          </a:prstGeom>
+          <a:solidFill>
+            <a:srgbClr val="FF0000"/>
+          </a:solidFill>
+          <a:ln>
+            <a:solidFill>
+              <a:schemeClr val="tx1"/>
+            </a:solidFill>
+          </a:ln>
+        </p:spPr>
+        <p:style>
+          <a:lnRef idx="2">
+            <a:schemeClr val="accent1">
+              <a:shade val="50000"/>
+            </a:schemeClr>
+          </a:lnRef>
+          <a:fillRef idx="1">
+            <a:schemeClr val="accent1"/>
+          </a:fillRef>
+          <a:effectRef idx="0">
+            <a:schemeClr val="accent1"/>
+          </a:effectRef>
+          <a:fontRef idx="minor">
+            <a:schemeClr val="lt1"/>
+          </a:fontRef>
+        </p:style>
+        <p:txBody>
+          <a:bodyPr rtlCol="0" anchor="ctr"/>
+          <a:lstStyle/>
+          <a:p>
+            <a:pPr algn="ctr"/>
+            <a:endParaRPr kumimoji="1" lang="en-US"/>
+          </a:p>
+        </p:txBody>
+      </p:sp>
+      <p:sp>
+        <p:nvSpPr>
+          <p:cNvPr id="43" name="テキスト ボックス 42">
+            <a:extLst>
+              <a:ext uri="{FF2B5EF4-FFF2-40B4-BE49-F238E27FC236}">
+                <a16:creationId xmlns:a16="http://schemas.microsoft.com/office/drawing/2014/main" id="{0F2C20CC-94C4-4DA2-8CBF-1D77044B7A4F}"/>
+              </a:ext>
+            </a:extLst>
+          </p:cNvPr>
+          <p:cNvSpPr txBox="1"/>
+          <p:nvPr/>
+        </p:nvSpPr>
+        <p:spPr>
+          <a:xfrm>
+            <a:off x="4218792" y="4085174"/>
+            <a:ext cx="800219" cy="276999"/>
+          </a:xfrm>
+          <a:prstGeom prst="rect">
+            <a:avLst/>
+          </a:prstGeom>
+          <a:noFill/>
+        </p:spPr>
+        <p:txBody>
+          <a:bodyPr wrap="none" rtlCol="0">
+            <a:spAutoFit/>
+          </a:bodyPr>
+          <a:lstStyle/>
+          <a:p>
+            <a:r>
+              <a:rPr lang="ja-JP" altLang="en-US" sz="1200"/>
+              <a:t>リネーム</a:t>
+            </a:r>
+            <a:endParaRPr lang="en-US" sz="1200"/>
+          </a:p>
+        </p:txBody>
+      </p:sp>
+    </p:spTree>
+    <p:extLst>
+      <p:ext uri="{BB962C8B-B14F-4D97-AF65-F5344CB8AC3E}">
+        <p14:creationId xmlns:p14="http://schemas.microsoft.com/office/powerpoint/2010/main" val="3600838025"/>
+      </p:ext>
+    </p:extLst>
+  </p:cSld>
+  <p:clrMapOvr>
+    <a:masterClrMapping/>
+  </p:clrMapOvr>
+</p:sld>
+</file>
+
+<file path=ppt/slides/slide7.xml><?xml version="1.0" encoding="utf-8"?>
+<p:sld xmlns:a="http://schemas.openxmlformats.org/drawingml/2006/main" xmlns:r="http://schemas.openxmlformats.org/officeDocument/2006/relationships" xmlns:p="http://schemas.openxmlformats.org/presentationml/2006/main">
+  <p:cSld>
+    <p:spTree>
+      <p:nvGrpSpPr>
+        <p:cNvPr id="1" name=""/>
+        <p:cNvGrpSpPr/>
+        <p:nvPr/>
+      </p:nvGrpSpPr>
+      <p:grpSpPr>
+        <a:xfrm>
+          <a:off x="0" y="0"/>
+          <a:ext cx="0" cy="0"/>
+          <a:chOff x="0" y="0"/>
+          <a:chExt cx="0" cy="0"/>
+        </a:xfrm>
+      </p:grpSpPr>
+      <p:pic>
+        <p:nvPicPr>
           <p:cNvPr id="2" name="Picture 2" descr="フォルダのイラスト">
             <a:extLst>
               <a:ext uri="{FF2B5EF4-FFF2-40B4-BE49-F238E27FC236}">
@@ -5864,7 +8106,7 @@
 </p:sld>
 </file>
 
-<file path=ppt/slides/slide7.xml><?xml version="1.0" encoding="utf-8"?>
+<file path=ppt/slides/slide8.xml><?xml version="1.0" encoding="utf-8"?>
 <p:sld xmlns:a="http://schemas.openxmlformats.org/drawingml/2006/main" xmlns:r="http://schemas.openxmlformats.org/officeDocument/2006/relationships" xmlns:p="http://schemas.openxmlformats.org/presentationml/2006/main">
   <p:cSld>
     <p:spTree>
